--- a/presentation.pptx
+++ b/presentation.pptx
@@ -1,56 +1,56 @@
 
 <file path=ppt/presentation.xml><?xml version="1.0" encoding="utf-8"?>
-<p:presentation xmlns:a="http://schemas.openxmlformats.org/drawingml/2006/main" xmlns:r="http://schemas.openxmlformats.org/officeDocument/2006/relationships" xmlns:mc="http://schemas.openxmlformats.org/markup-compatibility/2006" xmlns:mv="urn:schemas-microsoft-com:mac:vml" xmlns:p="http://schemas.openxmlformats.org/presentationml/2006/main" xmlns:c="http://schemas.openxmlformats.org/drawingml/2006/chart" xmlns:dgm="http://schemas.openxmlformats.org/drawingml/2006/diagram" xmlns:o="urn:schemas-microsoft-com:office:office" xmlns:v="urn:schemas-microsoft-com:vml" xmlns:pvml="urn:schemas-microsoft-com:office:powerpoint" xmlns:com="http://schemas.openxmlformats.org/drawingml/2006/compatibility" xmlns:p14="http://schemas.microsoft.com/office/powerpoint/2010/main" xmlns:p15="http://schemas.microsoft.com/office/powerpoint/2012/main" autoCompressPictures="0" embedTrueTypeFonts="1" strictFirstAndLastChars="0" saveSubsetFonts="1">
+<p:presentation xmlns:a="http://schemas.openxmlformats.org/drawingml/2006/main" xmlns:r="http://schemas.openxmlformats.org/officeDocument/2006/relationships" xmlns:p="http://schemas.openxmlformats.org/presentationml/2006/main" strictFirstAndLastChars="0" embedTrueTypeFonts="1" saveSubsetFonts="1" autoCompressPictures="0">
   <p:sldMasterIdLst>
-    <p:sldMasterId id="2147483659" r:id="rId3"/>
+    <p:sldMasterId id="2147483659" r:id="rId1"/>
   </p:sldMasterIdLst>
   <p:notesMasterIdLst>
-    <p:notesMasterId r:id="rId4"/>
+    <p:notesMasterId r:id="rId19"/>
   </p:notesMasterIdLst>
   <p:sldIdLst>
-    <p:sldId id="256" r:id="rId5"/>
-    <p:sldId id="257" r:id="rId6"/>
-    <p:sldId id="258" r:id="rId7"/>
-    <p:sldId id="259" r:id="rId8"/>
-    <p:sldId id="260" r:id="rId9"/>
-    <p:sldId id="261" r:id="rId10"/>
-    <p:sldId id="262" r:id="rId11"/>
-    <p:sldId id="263" r:id="rId12"/>
-    <p:sldId id="264" r:id="rId13"/>
-    <p:sldId id="265" r:id="rId14"/>
-    <p:sldId id="266" r:id="rId15"/>
-    <p:sldId id="267" r:id="rId16"/>
-    <p:sldId id="268" r:id="rId17"/>
-    <p:sldId id="269" r:id="rId18"/>
-    <p:sldId id="270" r:id="rId19"/>
-    <p:sldId id="271" r:id="rId20"/>
-    <p:sldId id="272" r:id="rId21"/>
+    <p:sldId id="256" r:id="rId2"/>
+    <p:sldId id="257" r:id="rId3"/>
+    <p:sldId id="258" r:id="rId4"/>
+    <p:sldId id="259" r:id="rId5"/>
+    <p:sldId id="260" r:id="rId6"/>
+    <p:sldId id="261" r:id="rId7"/>
+    <p:sldId id="262" r:id="rId8"/>
+    <p:sldId id="263" r:id="rId9"/>
+    <p:sldId id="264" r:id="rId10"/>
+    <p:sldId id="265" r:id="rId11"/>
+    <p:sldId id="266" r:id="rId12"/>
+    <p:sldId id="267" r:id="rId13"/>
+    <p:sldId id="268" r:id="rId14"/>
+    <p:sldId id="269" r:id="rId15"/>
+    <p:sldId id="270" r:id="rId16"/>
+    <p:sldId id="271" r:id="rId17"/>
+    <p:sldId id="272" r:id="rId18"/>
   </p:sldIdLst>
-  <p:sldSz cy="5143500" cx="9144000"/>
+  <p:sldSz cx="9144000" cy="5143500" type="screen16x9"/>
   <p:notesSz cx="6858000" cy="9144000"/>
   <p:embeddedFontLst>
     <p:embeddedFont>
-      <p:font typeface="Roboto"/>
-      <p:regular r:id="rId22"/>
-      <p:bold r:id="rId23"/>
-      <p:italic r:id="rId24"/>
-      <p:boldItalic r:id="rId25"/>
+      <p:font typeface="Open Sans" panose="020B0606030504020204" pitchFamily="34" charset="0"/>
+      <p:regular r:id="rId20"/>
+      <p:bold r:id="rId21"/>
+      <p:italic r:id="rId22"/>
+      <p:boldItalic r:id="rId23"/>
     </p:embeddedFont>
     <p:embeddedFont>
-      <p:font typeface="PT Sans Narrow"/>
+      <p:font typeface="PT Sans Narrow" panose="020B0506020203020204" pitchFamily="34" charset="0"/>
+      <p:regular r:id="rId24"/>
+      <p:bold r:id="rId25"/>
+    </p:embeddedFont>
+    <p:embeddedFont>
+      <p:font typeface="Roboto" panose="02000000000000000000" pitchFamily="2" charset="0"/>
       <p:regular r:id="rId26"/>
       <p:bold r:id="rId27"/>
-    </p:embeddedFont>
-    <p:embeddedFont>
-      <p:font typeface="Open Sans"/>
-      <p:regular r:id="rId28"/>
-      <p:bold r:id="rId29"/>
-      <p:italic r:id="rId30"/>
-      <p:boldItalic r:id="rId31"/>
+      <p:italic r:id="rId28"/>
+      <p:boldItalic r:id="rId29"/>
     </p:embeddedFont>
   </p:embeddedFontLst>
   <p:defaultTextStyle>
-    <a:defPPr lvl="0" marR="0" rtl="0" algn="l">
+    <a:defPPr marR="0" lvl="0" algn="l" rtl="0">
       <a:lnSpc>
         <a:spcPct val="100000"/>
       </a:lnSpc>
@@ -61,7 +61,7 @@
         <a:spcPts val="0"/>
       </a:spcAft>
     </a:defPPr>
-    <a:lvl1pPr lvl="0" marR="0" rtl="0" algn="l">
+    <a:lvl1pPr marR="0" lvl="0" algn="l" rtl="0">
       <a:lnSpc>
         <a:spcPct val="100000"/>
       </a:lnSpc>
@@ -75,7 +75,7 @@
         <a:srgbClr val="000000"/>
       </a:buClr>
       <a:buFont typeface="Arial"/>
-      <a:defRPr b="0" i="0" sz="1400" u="none" cap="none" strike="noStrike">
+      <a:defRPr sz="1400" b="0" i="0" u="none" strike="noStrike" cap="none">
         <a:solidFill>
           <a:srgbClr val="000000"/>
         </a:solidFill>
@@ -85,7 +85,7 @@
         <a:sym typeface="Arial"/>
       </a:defRPr>
     </a:lvl1pPr>
-    <a:lvl2pPr lvl="1" marR="0" rtl="0" algn="l">
+    <a:lvl2pPr marR="0" lvl="1" algn="l" rtl="0">
       <a:lnSpc>
         <a:spcPct val="100000"/>
       </a:lnSpc>
@@ -99,7 +99,7 @@
         <a:srgbClr val="000000"/>
       </a:buClr>
       <a:buFont typeface="Arial"/>
-      <a:defRPr b="0" i="0" sz="1400" u="none" cap="none" strike="noStrike">
+      <a:defRPr sz="1400" b="0" i="0" u="none" strike="noStrike" cap="none">
         <a:solidFill>
           <a:srgbClr val="000000"/>
         </a:solidFill>
@@ -109,7 +109,7 @@
         <a:sym typeface="Arial"/>
       </a:defRPr>
     </a:lvl2pPr>
-    <a:lvl3pPr lvl="2" marR="0" rtl="0" algn="l">
+    <a:lvl3pPr marR="0" lvl="2" algn="l" rtl="0">
       <a:lnSpc>
         <a:spcPct val="100000"/>
       </a:lnSpc>
@@ -123,7 +123,7 @@
         <a:srgbClr val="000000"/>
       </a:buClr>
       <a:buFont typeface="Arial"/>
-      <a:defRPr b="0" i="0" sz="1400" u="none" cap="none" strike="noStrike">
+      <a:defRPr sz="1400" b="0" i="0" u="none" strike="noStrike" cap="none">
         <a:solidFill>
           <a:srgbClr val="000000"/>
         </a:solidFill>
@@ -133,7 +133,7 @@
         <a:sym typeface="Arial"/>
       </a:defRPr>
     </a:lvl3pPr>
-    <a:lvl4pPr lvl="3" marR="0" rtl="0" algn="l">
+    <a:lvl4pPr marR="0" lvl="3" algn="l" rtl="0">
       <a:lnSpc>
         <a:spcPct val="100000"/>
       </a:lnSpc>
@@ -147,7 +147,7 @@
         <a:srgbClr val="000000"/>
       </a:buClr>
       <a:buFont typeface="Arial"/>
-      <a:defRPr b="0" i="0" sz="1400" u="none" cap="none" strike="noStrike">
+      <a:defRPr sz="1400" b="0" i="0" u="none" strike="noStrike" cap="none">
         <a:solidFill>
           <a:srgbClr val="000000"/>
         </a:solidFill>
@@ -157,7 +157,7 @@
         <a:sym typeface="Arial"/>
       </a:defRPr>
     </a:lvl4pPr>
-    <a:lvl5pPr lvl="4" marR="0" rtl="0" algn="l">
+    <a:lvl5pPr marR="0" lvl="4" algn="l" rtl="0">
       <a:lnSpc>
         <a:spcPct val="100000"/>
       </a:lnSpc>
@@ -171,7 +171,7 @@
         <a:srgbClr val="000000"/>
       </a:buClr>
       <a:buFont typeface="Arial"/>
-      <a:defRPr b="0" i="0" sz="1400" u="none" cap="none" strike="noStrike">
+      <a:defRPr sz="1400" b="0" i="0" u="none" strike="noStrike" cap="none">
         <a:solidFill>
           <a:srgbClr val="000000"/>
         </a:solidFill>
@@ -181,7 +181,7 @@
         <a:sym typeface="Arial"/>
       </a:defRPr>
     </a:lvl5pPr>
-    <a:lvl6pPr lvl="5" marR="0" rtl="0" algn="l">
+    <a:lvl6pPr marR="0" lvl="5" algn="l" rtl="0">
       <a:lnSpc>
         <a:spcPct val="100000"/>
       </a:lnSpc>
@@ -195,7 +195,7 @@
         <a:srgbClr val="000000"/>
       </a:buClr>
       <a:buFont typeface="Arial"/>
-      <a:defRPr b="0" i="0" sz="1400" u="none" cap="none" strike="noStrike">
+      <a:defRPr sz="1400" b="0" i="0" u="none" strike="noStrike" cap="none">
         <a:solidFill>
           <a:srgbClr val="000000"/>
         </a:solidFill>
@@ -205,7 +205,7 @@
         <a:sym typeface="Arial"/>
       </a:defRPr>
     </a:lvl6pPr>
-    <a:lvl7pPr lvl="6" marR="0" rtl="0" algn="l">
+    <a:lvl7pPr marR="0" lvl="6" algn="l" rtl="0">
       <a:lnSpc>
         <a:spcPct val="100000"/>
       </a:lnSpc>
@@ -219,7 +219,7 @@
         <a:srgbClr val="000000"/>
       </a:buClr>
       <a:buFont typeface="Arial"/>
-      <a:defRPr b="0" i="0" sz="1400" u="none" cap="none" strike="noStrike">
+      <a:defRPr sz="1400" b="0" i="0" u="none" strike="noStrike" cap="none">
         <a:solidFill>
           <a:srgbClr val="000000"/>
         </a:solidFill>
@@ -229,7 +229,7 @@
         <a:sym typeface="Arial"/>
       </a:defRPr>
     </a:lvl7pPr>
-    <a:lvl8pPr lvl="7" marR="0" rtl="0" algn="l">
+    <a:lvl8pPr marR="0" lvl="7" algn="l" rtl="0">
       <a:lnSpc>
         <a:spcPct val="100000"/>
       </a:lnSpc>
@@ -243,7 +243,7 @@
         <a:srgbClr val="000000"/>
       </a:buClr>
       <a:buFont typeface="Arial"/>
-      <a:defRPr b="0" i="0" sz="1400" u="none" cap="none" strike="noStrike">
+      <a:defRPr sz="1400" b="0" i="0" u="none" strike="noStrike" cap="none">
         <a:solidFill>
           <a:srgbClr val="000000"/>
         </a:solidFill>
@@ -253,7 +253,7 @@
         <a:sym typeface="Arial"/>
       </a:defRPr>
     </a:lvl8pPr>
-    <a:lvl9pPr lvl="8" marR="0" rtl="0" algn="l">
+    <a:lvl9pPr marR="0" lvl="8" algn="l" rtl="0">
       <a:lnSpc>
         <a:spcPct val="100000"/>
       </a:lnSpc>
@@ -267,7 +267,7 @@
         <a:srgbClr val="000000"/>
       </a:buClr>
       <a:buFont typeface="Arial"/>
-      <a:defRPr b="0" i="0" sz="1400" u="none" cap="none" strike="noStrike">
+      <a:defRPr sz="1400" b="0" i="0" u="none" strike="noStrike" cap="none">
         <a:solidFill>
           <a:srgbClr val="000000"/>
         </a:solidFill>
@@ -282,11 +282,16 @@
 </file>
 
 <file path=ppt/notesMasters/notesMaster1.xml><?xml version="1.0" encoding="utf-8"?>
-<p:notesMaster xmlns:a="http://schemas.openxmlformats.org/drawingml/2006/main" xmlns:r="http://schemas.openxmlformats.org/officeDocument/2006/relationships" xmlns:mc="http://schemas.openxmlformats.org/markup-compatibility/2006" xmlns:mv="urn:schemas-microsoft-com:mac:vml" xmlns:p="http://schemas.openxmlformats.org/presentationml/2006/main" xmlns:c="http://schemas.openxmlformats.org/drawingml/2006/chart" xmlns:dgm="http://schemas.openxmlformats.org/drawingml/2006/diagram" xmlns:o="urn:schemas-microsoft-com:office:office" xmlns:v="urn:schemas-microsoft-com:vml" xmlns:pvml="urn:schemas-microsoft-com:office:powerpoint" xmlns:com="http://schemas.openxmlformats.org/drawingml/2006/compatibility" xmlns:p14="http://schemas.microsoft.com/office/powerpoint/2010/main" xmlns:p15="http://schemas.microsoft.com/office/powerpoint/2012/main">
+<p:notesMaster xmlns:a="http://schemas.openxmlformats.org/drawingml/2006/main" xmlns:r="http://schemas.openxmlformats.org/officeDocument/2006/relationships" xmlns:p="http://schemas.openxmlformats.org/presentationml/2006/main">
   <p:cSld>
+    <p:bg>
+      <p:bgRef idx="1001">
+        <a:schemeClr val="bg1"/>
+      </p:bgRef>
+    </p:bg>
     <p:spTree>
       <p:nvGrpSpPr>
-        <p:cNvPr id="2" name="Shape 2"/>
+        <p:cNvPr id="1" name="Shape 2"/>
         <p:cNvGrpSpPr/>
         <p:nvPr/>
       </p:nvGrpSpPr>
@@ -301,9 +306,11 @@
       <p:sp>
         <p:nvSpPr>
           <p:cNvPr id="3" name="Google Shape;3;n"/>
-          <p:cNvSpPr/>
+          <p:cNvSpPr>
+            <a:spLocks noGrp="1" noRot="1" noChangeAspect="1"/>
+          </p:cNvSpPr>
           <p:nvPr>
-            <p:ph idx="2" type="sldImg"/>
+            <p:ph type="sldImg" idx="2"/>
           </p:nvPr>
         </p:nvSpPr>
         <p:spPr>
@@ -312,9 +319,13 @@
             <a:ext cx="6096075" cy="3429000"/>
           </a:xfrm>
           <a:custGeom>
-            <a:rect b="b" l="l" r="r" t="t"/>
+            <a:avLst/>
+            <a:gdLst/>
+            <a:ahLst/>
+            <a:cxnLst/>
+            <a:rect l="l" t="t" r="r" b="b"/>
             <a:pathLst>
-              <a:path extrusionOk="0" h="120000" w="120000">
+              <a:path w="120000" h="120000" extrusionOk="0">
                 <a:moveTo>
                   <a:pt x="0" y="0"/>
                 </a:moveTo>
@@ -332,23 +343,25 @@
             </a:pathLst>
           </a:custGeom>
           <a:noFill/>
-          <a:ln cap="flat" cmpd="sng" w="9525">
+          <a:ln w="9525" cap="flat" cmpd="sng">
             <a:solidFill>
               <a:srgbClr val="000000"/>
             </a:solidFill>
             <a:prstDash val="solid"/>
             <a:round/>
-            <a:headEnd len="sm" w="sm" type="none"/>
-            <a:tailEnd len="sm" w="sm" type="none"/>
+            <a:headEnd type="none" w="sm" len="sm"/>
+            <a:tailEnd type="none" w="sm" len="sm"/>
           </a:ln>
         </p:spPr>
       </p:sp>
       <p:sp>
         <p:nvSpPr>
           <p:cNvPr id="4" name="Google Shape;4;n"/>
-          <p:cNvSpPr txBox="1"/>
+          <p:cNvSpPr txBox="1">
+            <a:spLocks noGrp="1"/>
+          </p:cNvSpPr>
           <p:nvPr>
-            <p:ph idx="1" type="body"/>
+            <p:ph type="body" idx="1"/>
           </p:nvPr>
         </p:nvSpPr>
         <p:spPr>
@@ -365,11 +378,11 @@
           </a:ln>
         </p:spPr>
         <p:txBody>
-          <a:bodyPr anchorCtr="0" anchor="t" bIns="91425" lIns="91425" spcFirstLastPara="1" rIns="91425" wrap="square" tIns="91425">
+          <a:bodyPr spcFirstLastPara="1" wrap="square" lIns="91425" tIns="91425" rIns="91425" bIns="91425" anchor="t" anchorCtr="0">
             <a:noAutofit/>
           </a:bodyPr>
           <a:lstStyle>
-            <a:lvl1pPr indent="-298450" lvl="0" marL="457200">
+            <a:lvl1pPr marL="457200" lvl="0" indent="-298450">
               <a:spcBef>
                 <a:spcPts val="0"/>
               </a:spcBef>
@@ -380,7 +393,7 @@
               <a:buChar char="●"/>
               <a:defRPr sz="1100"/>
             </a:lvl1pPr>
-            <a:lvl2pPr indent="-298450" lvl="1" marL="914400">
+            <a:lvl2pPr marL="914400" lvl="1" indent="-298450">
               <a:spcBef>
                 <a:spcPts val="0"/>
               </a:spcBef>
@@ -391,7 +404,7 @@
               <a:buChar char="○"/>
               <a:defRPr sz="1100"/>
             </a:lvl2pPr>
-            <a:lvl3pPr indent="-298450" lvl="2" marL="1371600">
+            <a:lvl3pPr marL="1371600" lvl="2" indent="-298450">
               <a:spcBef>
                 <a:spcPts val="0"/>
               </a:spcBef>
@@ -402,7 +415,7 @@
               <a:buChar char="■"/>
               <a:defRPr sz="1100"/>
             </a:lvl3pPr>
-            <a:lvl4pPr indent="-298450" lvl="3" marL="1828800">
+            <a:lvl4pPr marL="1828800" lvl="3" indent="-298450">
               <a:spcBef>
                 <a:spcPts val="0"/>
               </a:spcBef>
@@ -413,7 +426,7 @@
               <a:buChar char="●"/>
               <a:defRPr sz="1100"/>
             </a:lvl4pPr>
-            <a:lvl5pPr indent="-298450" lvl="4" marL="2286000">
+            <a:lvl5pPr marL="2286000" lvl="4" indent="-298450">
               <a:spcBef>
                 <a:spcPts val="0"/>
               </a:spcBef>
@@ -424,7 +437,7 @@
               <a:buChar char="○"/>
               <a:defRPr sz="1100"/>
             </a:lvl5pPr>
-            <a:lvl6pPr indent="-298450" lvl="5" marL="2743200">
+            <a:lvl6pPr marL="2743200" lvl="5" indent="-298450">
               <a:spcBef>
                 <a:spcPts val="0"/>
               </a:spcBef>
@@ -435,7 +448,7 @@
               <a:buChar char="■"/>
               <a:defRPr sz="1100"/>
             </a:lvl6pPr>
-            <a:lvl7pPr indent="-298450" lvl="6" marL="3200400">
+            <a:lvl7pPr marL="3200400" lvl="6" indent="-298450">
               <a:spcBef>
                 <a:spcPts val="0"/>
               </a:spcBef>
@@ -446,7 +459,7 @@
               <a:buChar char="●"/>
               <a:defRPr sz="1100"/>
             </a:lvl7pPr>
-            <a:lvl8pPr indent="-298450" lvl="7" marL="3657600">
+            <a:lvl8pPr marL="3657600" lvl="7" indent="-298450">
               <a:spcBef>
                 <a:spcPts val="0"/>
               </a:spcBef>
@@ -457,7 +470,7 @@
               <a:buChar char="○"/>
               <a:defRPr sz="1100"/>
             </a:lvl8pPr>
-            <a:lvl9pPr indent="-298450" lvl="8" marL="4114800">
+            <a:lvl9pPr marL="4114800" lvl="8" indent="-298450">
               <a:spcBef>
                 <a:spcPts val="0"/>
               </a:spcBef>
@@ -469,14 +482,16 @@
               <a:defRPr sz="1100"/>
             </a:lvl9pPr>
           </a:lstStyle>
-          <a:p/>
+          <a:p>
+            <a:endParaRPr/>
+          </a:p>
         </p:txBody>
       </p:sp>
     </p:spTree>
   </p:cSld>
-  <p:clrMap accent1="accent1" accent2="accent2" accent3="accent3" accent4="accent4" accent5="accent5" accent6="accent6" bg1="lt1" bg2="dk2" tx1="dk1" tx2="lt2" folHlink="folHlink" hlink="hlink"/>
+  <p:clrMap bg1="lt1" tx1="dk1" bg2="dk2" tx2="lt2" accent1="accent1" accent2="accent2" accent3="accent3" accent4="accent4" accent5="accent5" accent6="accent6" hlink="hlink" folHlink="folHlink"/>
   <p:notesStyle>
-    <a:defPPr lvl="0" marR="0" rtl="0" algn="l">
+    <a:defPPr marR="0" lvl="0" algn="l" rtl="0">
       <a:lnSpc>
         <a:spcPct val="100000"/>
       </a:lnSpc>
@@ -487,7 +502,7 @@
         <a:spcPts val="0"/>
       </a:spcAft>
     </a:defPPr>
-    <a:lvl1pPr lvl="0" marR="0" rtl="0" algn="l">
+    <a:lvl1pPr marR="0" lvl="0" algn="l" rtl="0">
       <a:lnSpc>
         <a:spcPct val="100000"/>
       </a:lnSpc>
@@ -501,7 +516,7 @@
         <a:srgbClr val="000000"/>
       </a:buClr>
       <a:buFont typeface="Arial"/>
-      <a:defRPr b="0" i="0" sz="1400" u="none" cap="none" strike="noStrike">
+      <a:defRPr sz="1400" b="0" i="0" u="none" strike="noStrike" cap="none">
         <a:solidFill>
           <a:srgbClr val="000000"/>
         </a:solidFill>
@@ -511,7 +526,7 @@
         <a:sym typeface="Arial"/>
       </a:defRPr>
     </a:lvl1pPr>
-    <a:lvl2pPr lvl="1" marR="0" rtl="0" algn="l">
+    <a:lvl2pPr marR="0" lvl="1" algn="l" rtl="0">
       <a:lnSpc>
         <a:spcPct val="100000"/>
       </a:lnSpc>
@@ -525,7 +540,7 @@
         <a:srgbClr val="000000"/>
       </a:buClr>
       <a:buFont typeface="Arial"/>
-      <a:defRPr b="0" i="0" sz="1400" u="none" cap="none" strike="noStrike">
+      <a:defRPr sz="1400" b="0" i="0" u="none" strike="noStrike" cap="none">
         <a:solidFill>
           <a:srgbClr val="000000"/>
         </a:solidFill>
@@ -535,7 +550,7 @@
         <a:sym typeface="Arial"/>
       </a:defRPr>
     </a:lvl2pPr>
-    <a:lvl3pPr lvl="2" marR="0" rtl="0" algn="l">
+    <a:lvl3pPr marR="0" lvl="2" algn="l" rtl="0">
       <a:lnSpc>
         <a:spcPct val="100000"/>
       </a:lnSpc>
@@ -549,7 +564,7 @@
         <a:srgbClr val="000000"/>
       </a:buClr>
       <a:buFont typeface="Arial"/>
-      <a:defRPr b="0" i="0" sz="1400" u="none" cap="none" strike="noStrike">
+      <a:defRPr sz="1400" b="0" i="0" u="none" strike="noStrike" cap="none">
         <a:solidFill>
           <a:srgbClr val="000000"/>
         </a:solidFill>
@@ -559,7 +574,7 @@
         <a:sym typeface="Arial"/>
       </a:defRPr>
     </a:lvl3pPr>
-    <a:lvl4pPr lvl="3" marR="0" rtl="0" algn="l">
+    <a:lvl4pPr marR="0" lvl="3" algn="l" rtl="0">
       <a:lnSpc>
         <a:spcPct val="100000"/>
       </a:lnSpc>
@@ -573,7 +588,7 @@
         <a:srgbClr val="000000"/>
       </a:buClr>
       <a:buFont typeface="Arial"/>
-      <a:defRPr b="0" i="0" sz="1400" u="none" cap="none" strike="noStrike">
+      <a:defRPr sz="1400" b="0" i="0" u="none" strike="noStrike" cap="none">
         <a:solidFill>
           <a:srgbClr val="000000"/>
         </a:solidFill>
@@ -583,7 +598,7 @@
         <a:sym typeface="Arial"/>
       </a:defRPr>
     </a:lvl4pPr>
-    <a:lvl5pPr lvl="4" marR="0" rtl="0" algn="l">
+    <a:lvl5pPr marR="0" lvl="4" algn="l" rtl="0">
       <a:lnSpc>
         <a:spcPct val="100000"/>
       </a:lnSpc>
@@ -597,7 +612,7 @@
         <a:srgbClr val="000000"/>
       </a:buClr>
       <a:buFont typeface="Arial"/>
-      <a:defRPr b="0" i="0" sz="1400" u="none" cap="none" strike="noStrike">
+      <a:defRPr sz="1400" b="0" i="0" u="none" strike="noStrike" cap="none">
         <a:solidFill>
           <a:srgbClr val="000000"/>
         </a:solidFill>
@@ -607,7 +622,7 @@
         <a:sym typeface="Arial"/>
       </a:defRPr>
     </a:lvl5pPr>
-    <a:lvl6pPr lvl="5" marR="0" rtl="0" algn="l">
+    <a:lvl6pPr marR="0" lvl="5" algn="l" rtl="0">
       <a:lnSpc>
         <a:spcPct val="100000"/>
       </a:lnSpc>
@@ -621,7 +636,7 @@
         <a:srgbClr val="000000"/>
       </a:buClr>
       <a:buFont typeface="Arial"/>
-      <a:defRPr b="0" i="0" sz="1400" u="none" cap="none" strike="noStrike">
+      <a:defRPr sz="1400" b="0" i="0" u="none" strike="noStrike" cap="none">
         <a:solidFill>
           <a:srgbClr val="000000"/>
         </a:solidFill>
@@ -631,7 +646,7 @@
         <a:sym typeface="Arial"/>
       </a:defRPr>
     </a:lvl6pPr>
-    <a:lvl7pPr lvl="6" marR="0" rtl="0" algn="l">
+    <a:lvl7pPr marR="0" lvl="6" algn="l" rtl="0">
       <a:lnSpc>
         <a:spcPct val="100000"/>
       </a:lnSpc>
@@ -645,7 +660,7 @@
         <a:srgbClr val="000000"/>
       </a:buClr>
       <a:buFont typeface="Arial"/>
-      <a:defRPr b="0" i="0" sz="1400" u="none" cap="none" strike="noStrike">
+      <a:defRPr sz="1400" b="0" i="0" u="none" strike="noStrike" cap="none">
         <a:solidFill>
           <a:srgbClr val="000000"/>
         </a:solidFill>
@@ -655,7 +670,7 @@
         <a:sym typeface="Arial"/>
       </a:defRPr>
     </a:lvl7pPr>
-    <a:lvl8pPr lvl="7" marR="0" rtl="0" algn="l">
+    <a:lvl8pPr marR="0" lvl="7" algn="l" rtl="0">
       <a:lnSpc>
         <a:spcPct val="100000"/>
       </a:lnSpc>
@@ -669,7 +684,7 @@
         <a:srgbClr val="000000"/>
       </a:buClr>
       <a:buFont typeface="Arial"/>
-      <a:defRPr b="0" i="0" sz="1400" u="none" cap="none" strike="noStrike">
+      <a:defRPr sz="1400" b="0" i="0" u="none" strike="noStrike" cap="none">
         <a:solidFill>
           <a:srgbClr val="000000"/>
         </a:solidFill>
@@ -679,7 +694,7 @@
         <a:sym typeface="Arial"/>
       </a:defRPr>
     </a:lvl8pPr>
-    <a:lvl9pPr lvl="8" marR="0" rtl="0" algn="l">
+    <a:lvl9pPr marR="0" lvl="8" algn="l" rtl="0">
       <a:lnSpc>
         <a:spcPct val="100000"/>
       </a:lnSpc>
@@ -693,7 +708,7 @@
         <a:srgbClr val="000000"/>
       </a:buClr>
       <a:buFont typeface="Arial"/>
-      <a:defRPr b="0" i="0" sz="1400" u="none" cap="none" strike="noStrike">
+      <a:defRPr sz="1400" b="0" i="0" u="none" strike="noStrike" cap="none">
         <a:solidFill>
           <a:srgbClr val="000000"/>
         </a:solidFill>
@@ -708,11 +723,11 @@
 </file>
 
 <file path=ppt/notesSlides/notesSlide1.xml><?xml version="1.0" encoding="utf-8"?>
-<p:notes xmlns:a="http://schemas.openxmlformats.org/drawingml/2006/main" xmlns:r="http://schemas.openxmlformats.org/officeDocument/2006/relationships" xmlns:mc="http://schemas.openxmlformats.org/markup-compatibility/2006" xmlns:mv="urn:schemas-microsoft-com:mac:vml" xmlns:p="http://schemas.openxmlformats.org/presentationml/2006/main" xmlns:c="http://schemas.openxmlformats.org/drawingml/2006/chart" xmlns:dgm="http://schemas.openxmlformats.org/drawingml/2006/diagram" xmlns:o="urn:schemas-microsoft-com:office:office" xmlns:v="urn:schemas-microsoft-com:vml" xmlns:pvml="urn:schemas-microsoft-com:office:powerpoint" xmlns:com="http://schemas.openxmlformats.org/drawingml/2006/compatibility" xmlns:p14="http://schemas.microsoft.com/office/powerpoint/2010/main" xmlns:p15="http://schemas.microsoft.com/office/powerpoint/2012/main" showMasterPhAnim="0" showMasterSp="0">
+<p:notes xmlns:a="http://schemas.openxmlformats.org/drawingml/2006/main" xmlns:r="http://schemas.openxmlformats.org/officeDocument/2006/relationships" xmlns:p="http://schemas.openxmlformats.org/presentationml/2006/main" showMasterSp="0" showMasterPhAnim="0">
   <p:cSld>
     <p:spTree>
       <p:nvGrpSpPr>
-        <p:cNvPr id="62" name="Shape 62"/>
+        <p:cNvPr id="1" name="Shape 62"/>
         <p:cNvGrpSpPr/>
         <p:nvPr/>
       </p:nvGrpSpPr>
@@ -727,9 +742,11 @@
       <p:sp>
         <p:nvSpPr>
           <p:cNvPr id="63" name="Google Shape;63;p:notes"/>
-          <p:cNvSpPr/>
+          <p:cNvSpPr>
+            <a:spLocks noGrp="1" noRot="1" noChangeAspect="1"/>
+          </p:cNvSpPr>
           <p:nvPr>
-            <p:ph idx="2" type="sldImg"/>
+            <p:ph type="sldImg" idx="2"/>
           </p:nvPr>
         </p:nvSpPr>
         <p:spPr>
@@ -738,9 +755,13 @@
             <a:ext cx="6096075" cy="3429000"/>
           </a:xfrm>
           <a:custGeom>
-            <a:rect b="b" l="l" r="r" t="t"/>
+            <a:avLst/>
+            <a:gdLst/>
+            <a:ahLst/>
+            <a:cxnLst/>
+            <a:rect l="l" t="t" r="r" b="b"/>
             <a:pathLst>
-              <a:path extrusionOk="0" h="120000" w="120000">
+              <a:path w="120000" h="120000" extrusionOk="0">
                 <a:moveTo>
                   <a:pt x="0" y="0"/>
                 </a:moveTo>
@@ -762,9 +783,11 @@
       <p:sp>
         <p:nvSpPr>
           <p:cNvPr id="64" name="Google Shape;64;p:notes"/>
-          <p:cNvSpPr txBox="1"/>
+          <p:cNvSpPr txBox="1">
+            <a:spLocks noGrp="1"/>
+          </p:cNvSpPr>
           <p:nvPr>
-            <p:ph idx="1" type="body"/>
+            <p:ph type="body" idx="1"/>
           </p:nvPr>
         </p:nvSpPr>
         <p:spPr>
@@ -777,12 +800,12 @@
           </a:prstGeom>
         </p:spPr>
         <p:txBody>
-          <a:bodyPr anchorCtr="0" anchor="t" bIns="91425" lIns="91425" spcFirstLastPara="1" rIns="91425" wrap="square" tIns="91425">
+          <a:bodyPr spcFirstLastPara="1" wrap="square" lIns="91425" tIns="91425" rIns="91425" bIns="91425" anchor="t" anchorCtr="0">
             <a:noAutofit/>
           </a:bodyPr>
           <a:lstStyle/>
           <a:p>
-            <a:pPr indent="0" lvl="0" marL="0" rtl="0" algn="l">
+            <a:pPr marL="0" lvl="0" indent="0" algn="l" rtl="0">
               <a:spcBef>
                 <a:spcPts val="0"/>
               </a:spcBef>
@@ -791,9 +814,6 @@
               </a:spcAft>
               <a:buNone/>
             </a:pPr>
-            <a:r>
-              <a:t/>
-            </a:r>
             <a:endParaRPr/>
           </a:p>
         </p:txBody>
@@ -807,11 +827,11 @@
 </file>
 
 <file path=ppt/notesSlides/notesSlide10.xml><?xml version="1.0" encoding="utf-8"?>
-<p:notes xmlns:a="http://schemas.openxmlformats.org/drawingml/2006/main" xmlns:r="http://schemas.openxmlformats.org/officeDocument/2006/relationships" xmlns:mc="http://schemas.openxmlformats.org/markup-compatibility/2006" xmlns:mv="urn:schemas-microsoft-com:mac:vml" xmlns:p="http://schemas.openxmlformats.org/presentationml/2006/main" xmlns:c="http://schemas.openxmlformats.org/drawingml/2006/chart" xmlns:dgm="http://schemas.openxmlformats.org/drawingml/2006/diagram" xmlns:o="urn:schemas-microsoft-com:office:office" xmlns:v="urn:schemas-microsoft-com:vml" xmlns:pvml="urn:schemas-microsoft-com:office:powerpoint" xmlns:com="http://schemas.openxmlformats.org/drawingml/2006/compatibility" xmlns:p14="http://schemas.microsoft.com/office/powerpoint/2010/main" xmlns:p15="http://schemas.microsoft.com/office/powerpoint/2012/main" showMasterPhAnim="0" showMasterSp="0">
+<p:notes xmlns:a="http://schemas.openxmlformats.org/drawingml/2006/main" xmlns:r="http://schemas.openxmlformats.org/officeDocument/2006/relationships" xmlns:p="http://schemas.openxmlformats.org/presentationml/2006/main" showMasterSp="0" showMasterPhAnim="0">
   <p:cSld>
     <p:spTree>
       <p:nvGrpSpPr>
-        <p:cNvPr id="152" name="Shape 152"/>
+        <p:cNvPr id="1" name="Shape 152"/>
         <p:cNvGrpSpPr/>
         <p:nvPr/>
       </p:nvGrpSpPr>
@@ -826,9 +846,11 @@
       <p:sp>
         <p:nvSpPr>
           <p:cNvPr id="153" name="Google Shape;153;g77f18f6bd1_0_186:notes"/>
-          <p:cNvSpPr/>
+          <p:cNvSpPr>
+            <a:spLocks noGrp="1" noRot="1" noChangeAspect="1"/>
+          </p:cNvSpPr>
           <p:nvPr>
-            <p:ph idx="2" type="sldImg"/>
+            <p:ph type="sldImg" idx="2"/>
           </p:nvPr>
         </p:nvSpPr>
         <p:spPr>
@@ -837,9 +859,13 @@
             <a:ext cx="6096000" cy="3429000"/>
           </a:xfrm>
           <a:custGeom>
-            <a:rect b="b" l="l" r="r" t="t"/>
+            <a:avLst/>
+            <a:gdLst/>
+            <a:ahLst/>
+            <a:cxnLst/>
+            <a:rect l="l" t="t" r="r" b="b"/>
             <a:pathLst>
-              <a:path extrusionOk="0" h="120000" w="120000">
+              <a:path w="120000" h="120000" extrusionOk="0">
                 <a:moveTo>
                   <a:pt x="0" y="0"/>
                 </a:moveTo>
@@ -861,9 +887,11 @@
       <p:sp>
         <p:nvSpPr>
           <p:cNvPr id="154" name="Google Shape;154;g77f18f6bd1_0_186:notes"/>
-          <p:cNvSpPr txBox="1"/>
+          <p:cNvSpPr txBox="1">
+            <a:spLocks noGrp="1"/>
+          </p:cNvSpPr>
           <p:nvPr>
-            <p:ph idx="1" type="body"/>
+            <p:ph type="body" idx="1"/>
           </p:nvPr>
         </p:nvSpPr>
         <p:spPr>
@@ -876,12 +904,12 @@
           </a:prstGeom>
         </p:spPr>
         <p:txBody>
-          <a:bodyPr anchorCtr="0" anchor="t" bIns="91425" lIns="91425" spcFirstLastPara="1" rIns="91425" wrap="square" tIns="91425">
+          <a:bodyPr spcFirstLastPara="1" wrap="square" lIns="91425" tIns="91425" rIns="91425" bIns="91425" anchor="t" anchorCtr="0">
             <a:noAutofit/>
           </a:bodyPr>
           <a:lstStyle/>
           <a:p>
-            <a:pPr indent="0" lvl="0" marL="0" rtl="0" algn="l">
+            <a:pPr marL="0" lvl="0" indent="0" algn="l" rtl="0">
               <a:spcBef>
                 <a:spcPts val="0"/>
               </a:spcBef>
@@ -890,9 +918,6 @@
               </a:spcAft>
               <a:buNone/>
             </a:pPr>
-            <a:r>
-              <a:t/>
-            </a:r>
             <a:endParaRPr/>
           </a:p>
         </p:txBody>
@@ -906,11 +931,11 @@
 </file>
 
 <file path=ppt/notesSlides/notesSlide11.xml><?xml version="1.0" encoding="utf-8"?>
-<p:notes xmlns:a="http://schemas.openxmlformats.org/drawingml/2006/main" xmlns:r="http://schemas.openxmlformats.org/officeDocument/2006/relationships" xmlns:mc="http://schemas.openxmlformats.org/markup-compatibility/2006" xmlns:mv="urn:schemas-microsoft-com:mac:vml" xmlns:p="http://schemas.openxmlformats.org/presentationml/2006/main" xmlns:c="http://schemas.openxmlformats.org/drawingml/2006/chart" xmlns:dgm="http://schemas.openxmlformats.org/drawingml/2006/diagram" xmlns:o="urn:schemas-microsoft-com:office:office" xmlns:v="urn:schemas-microsoft-com:vml" xmlns:pvml="urn:schemas-microsoft-com:office:powerpoint" xmlns:com="http://schemas.openxmlformats.org/drawingml/2006/compatibility" xmlns:p14="http://schemas.microsoft.com/office/powerpoint/2010/main" xmlns:p15="http://schemas.microsoft.com/office/powerpoint/2012/main" showMasterPhAnim="0" showMasterSp="0">
+<p:notes xmlns:a="http://schemas.openxmlformats.org/drawingml/2006/main" xmlns:r="http://schemas.openxmlformats.org/officeDocument/2006/relationships" xmlns:p="http://schemas.openxmlformats.org/presentationml/2006/main" showMasterSp="0" showMasterPhAnim="0">
   <p:cSld>
     <p:spTree>
       <p:nvGrpSpPr>
-        <p:cNvPr id="159" name="Shape 159"/>
+        <p:cNvPr id="1" name="Shape 159"/>
         <p:cNvGrpSpPr/>
         <p:nvPr/>
       </p:nvGrpSpPr>
@@ -925,9 +950,11 @@
       <p:sp>
         <p:nvSpPr>
           <p:cNvPr id="160" name="Google Shape;160;g77f18f6bd1_0_193:notes"/>
-          <p:cNvSpPr/>
+          <p:cNvSpPr>
+            <a:spLocks noGrp="1" noRot="1" noChangeAspect="1"/>
+          </p:cNvSpPr>
           <p:nvPr>
-            <p:ph idx="2" type="sldImg"/>
+            <p:ph type="sldImg" idx="2"/>
           </p:nvPr>
         </p:nvSpPr>
         <p:spPr>
@@ -936,9 +963,13 @@
             <a:ext cx="6096000" cy="3429000"/>
           </a:xfrm>
           <a:custGeom>
-            <a:rect b="b" l="l" r="r" t="t"/>
+            <a:avLst/>
+            <a:gdLst/>
+            <a:ahLst/>
+            <a:cxnLst/>
+            <a:rect l="l" t="t" r="r" b="b"/>
             <a:pathLst>
-              <a:path extrusionOk="0" h="120000" w="120000">
+              <a:path w="120000" h="120000" extrusionOk="0">
                 <a:moveTo>
                   <a:pt x="0" y="0"/>
                 </a:moveTo>
@@ -960,9 +991,11 @@
       <p:sp>
         <p:nvSpPr>
           <p:cNvPr id="161" name="Google Shape;161;g77f18f6bd1_0_193:notes"/>
-          <p:cNvSpPr txBox="1"/>
+          <p:cNvSpPr txBox="1">
+            <a:spLocks noGrp="1"/>
+          </p:cNvSpPr>
           <p:nvPr>
-            <p:ph idx="1" type="body"/>
+            <p:ph type="body" idx="1"/>
           </p:nvPr>
         </p:nvSpPr>
         <p:spPr>
@@ -975,12 +1008,12 @@
           </a:prstGeom>
         </p:spPr>
         <p:txBody>
-          <a:bodyPr anchorCtr="0" anchor="t" bIns="91425" lIns="91425" spcFirstLastPara="1" rIns="91425" wrap="square" tIns="91425">
+          <a:bodyPr spcFirstLastPara="1" wrap="square" lIns="91425" tIns="91425" rIns="91425" bIns="91425" anchor="t" anchorCtr="0">
             <a:noAutofit/>
           </a:bodyPr>
           <a:lstStyle/>
           <a:p>
-            <a:pPr indent="0" lvl="0" marL="0" rtl="0" algn="l">
+            <a:pPr marL="0" lvl="0" indent="0" algn="l" rtl="0">
               <a:spcBef>
                 <a:spcPts val="0"/>
               </a:spcBef>
@@ -989,9 +1022,6 @@
               </a:spcAft>
               <a:buNone/>
             </a:pPr>
-            <a:r>
-              <a:t/>
-            </a:r>
             <a:endParaRPr/>
           </a:p>
         </p:txBody>
@@ -1005,11 +1035,11 @@
 </file>
 
 <file path=ppt/notesSlides/notesSlide12.xml><?xml version="1.0" encoding="utf-8"?>
-<p:notes xmlns:a="http://schemas.openxmlformats.org/drawingml/2006/main" xmlns:r="http://schemas.openxmlformats.org/officeDocument/2006/relationships" xmlns:mc="http://schemas.openxmlformats.org/markup-compatibility/2006" xmlns:mv="urn:schemas-microsoft-com:mac:vml" xmlns:p="http://schemas.openxmlformats.org/presentationml/2006/main" xmlns:c="http://schemas.openxmlformats.org/drawingml/2006/chart" xmlns:dgm="http://schemas.openxmlformats.org/drawingml/2006/diagram" xmlns:o="urn:schemas-microsoft-com:office:office" xmlns:v="urn:schemas-microsoft-com:vml" xmlns:pvml="urn:schemas-microsoft-com:office:powerpoint" xmlns:com="http://schemas.openxmlformats.org/drawingml/2006/compatibility" xmlns:p14="http://schemas.microsoft.com/office/powerpoint/2010/main" xmlns:p15="http://schemas.microsoft.com/office/powerpoint/2012/main" showMasterPhAnim="0" showMasterSp="0">
+<p:notes xmlns:a="http://schemas.openxmlformats.org/drawingml/2006/main" xmlns:r="http://schemas.openxmlformats.org/officeDocument/2006/relationships" xmlns:p="http://schemas.openxmlformats.org/presentationml/2006/main" showMasterSp="0" showMasterPhAnim="0">
   <p:cSld>
     <p:spTree>
       <p:nvGrpSpPr>
-        <p:cNvPr id="166" name="Shape 166"/>
+        <p:cNvPr id="1" name="Shape 166"/>
         <p:cNvGrpSpPr/>
         <p:nvPr/>
       </p:nvGrpSpPr>
@@ -1024,9 +1054,11 @@
       <p:sp>
         <p:nvSpPr>
           <p:cNvPr id="167" name="Google Shape;167;g77fd09bd5f_1_11:notes"/>
-          <p:cNvSpPr/>
+          <p:cNvSpPr>
+            <a:spLocks noGrp="1" noRot="1" noChangeAspect="1"/>
+          </p:cNvSpPr>
           <p:nvPr>
-            <p:ph idx="2" type="sldImg"/>
+            <p:ph type="sldImg" idx="2"/>
           </p:nvPr>
         </p:nvSpPr>
         <p:spPr>
@@ -1035,9 +1067,13 @@
             <a:ext cx="6096000" cy="3429000"/>
           </a:xfrm>
           <a:custGeom>
-            <a:rect b="b" l="l" r="r" t="t"/>
+            <a:avLst/>
+            <a:gdLst/>
+            <a:ahLst/>
+            <a:cxnLst/>
+            <a:rect l="l" t="t" r="r" b="b"/>
             <a:pathLst>
-              <a:path extrusionOk="0" h="120000" w="120000">
+              <a:path w="120000" h="120000" extrusionOk="0">
                 <a:moveTo>
                   <a:pt x="0" y="0"/>
                 </a:moveTo>
@@ -1059,9 +1095,11 @@
       <p:sp>
         <p:nvSpPr>
           <p:cNvPr id="168" name="Google Shape;168;g77fd09bd5f_1_11:notes"/>
-          <p:cNvSpPr txBox="1"/>
+          <p:cNvSpPr txBox="1">
+            <a:spLocks noGrp="1"/>
+          </p:cNvSpPr>
           <p:nvPr>
-            <p:ph idx="1" type="body"/>
+            <p:ph type="body" idx="1"/>
           </p:nvPr>
         </p:nvSpPr>
         <p:spPr>
@@ -1074,12 +1112,12 @@
           </a:prstGeom>
         </p:spPr>
         <p:txBody>
-          <a:bodyPr anchorCtr="0" anchor="t" bIns="91425" lIns="91425" spcFirstLastPara="1" rIns="91425" wrap="square" tIns="91425">
+          <a:bodyPr spcFirstLastPara="1" wrap="square" lIns="91425" tIns="91425" rIns="91425" bIns="91425" anchor="t" anchorCtr="0">
             <a:noAutofit/>
           </a:bodyPr>
           <a:lstStyle/>
           <a:p>
-            <a:pPr indent="0" lvl="0" marL="0" rtl="0" algn="l">
+            <a:pPr marL="0" lvl="0" indent="0" algn="l" rtl="0">
               <a:spcBef>
                 <a:spcPts val="0"/>
               </a:spcBef>
@@ -1088,9 +1126,6 @@
               </a:spcAft>
               <a:buNone/>
             </a:pPr>
-            <a:r>
-              <a:t/>
-            </a:r>
             <a:endParaRPr/>
           </a:p>
         </p:txBody>
@@ -1104,11 +1139,11 @@
 </file>
 
 <file path=ppt/notesSlides/notesSlide13.xml><?xml version="1.0" encoding="utf-8"?>
-<p:notes xmlns:a="http://schemas.openxmlformats.org/drawingml/2006/main" xmlns:r="http://schemas.openxmlformats.org/officeDocument/2006/relationships" xmlns:mc="http://schemas.openxmlformats.org/markup-compatibility/2006" xmlns:mv="urn:schemas-microsoft-com:mac:vml" xmlns:p="http://schemas.openxmlformats.org/presentationml/2006/main" xmlns:c="http://schemas.openxmlformats.org/drawingml/2006/chart" xmlns:dgm="http://schemas.openxmlformats.org/drawingml/2006/diagram" xmlns:o="urn:schemas-microsoft-com:office:office" xmlns:v="urn:schemas-microsoft-com:vml" xmlns:pvml="urn:schemas-microsoft-com:office:powerpoint" xmlns:com="http://schemas.openxmlformats.org/drawingml/2006/compatibility" xmlns:p14="http://schemas.microsoft.com/office/powerpoint/2010/main" xmlns:p15="http://schemas.microsoft.com/office/powerpoint/2012/main" showMasterPhAnim="0" showMasterSp="0">
+<p:notes xmlns:a="http://schemas.openxmlformats.org/drawingml/2006/main" xmlns:r="http://schemas.openxmlformats.org/officeDocument/2006/relationships" xmlns:p="http://schemas.openxmlformats.org/presentationml/2006/main" showMasterSp="0" showMasterPhAnim="0">
   <p:cSld>
     <p:spTree>
       <p:nvGrpSpPr>
-        <p:cNvPr id="172" name="Shape 172"/>
+        <p:cNvPr id="1" name="Shape 172"/>
         <p:cNvGrpSpPr/>
         <p:nvPr/>
       </p:nvGrpSpPr>
@@ -1123,9 +1158,11 @@
       <p:sp>
         <p:nvSpPr>
           <p:cNvPr id="173" name="Google Shape;173;g77f18f6bd1_1_18:notes"/>
-          <p:cNvSpPr/>
+          <p:cNvSpPr>
+            <a:spLocks noGrp="1" noRot="1" noChangeAspect="1"/>
+          </p:cNvSpPr>
           <p:nvPr>
-            <p:ph idx="2" type="sldImg"/>
+            <p:ph type="sldImg" idx="2"/>
           </p:nvPr>
         </p:nvSpPr>
         <p:spPr>
@@ -1134,9 +1171,13 @@
             <a:ext cx="6096000" cy="3429000"/>
           </a:xfrm>
           <a:custGeom>
-            <a:rect b="b" l="l" r="r" t="t"/>
+            <a:avLst/>
+            <a:gdLst/>
+            <a:ahLst/>
+            <a:cxnLst/>
+            <a:rect l="l" t="t" r="r" b="b"/>
             <a:pathLst>
-              <a:path extrusionOk="0" h="120000" w="120000">
+              <a:path w="120000" h="120000" extrusionOk="0">
                 <a:moveTo>
                   <a:pt x="0" y="0"/>
                 </a:moveTo>
@@ -1158,9 +1199,11 @@
       <p:sp>
         <p:nvSpPr>
           <p:cNvPr id="174" name="Google Shape;174;g77f18f6bd1_1_18:notes"/>
-          <p:cNvSpPr txBox="1"/>
+          <p:cNvSpPr txBox="1">
+            <a:spLocks noGrp="1"/>
+          </p:cNvSpPr>
           <p:nvPr>
-            <p:ph idx="1" type="body"/>
+            <p:ph type="body" idx="1"/>
           </p:nvPr>
         </p:nvSpPr>
         <p:spPr>
@@ -1173,12 +1216,12 @@
           </a:prstGeom>
         </p:spPr>
         <p:txBody>
-          <a:bodyPr anchorCtr="0" anchor="t" bIns="91425" lIns="91425" spcFirstLastPara="1" rIns="91425" wrap="square" tIns="91425">
+          <a:bodyPr spcFirstLastPara="1" wrap="square" lIns="91425" tIns="91425" rIns="91425" bIns="91425" anchor="t" anchorCtr="0">
             <a:noAutofit/>
           </a:bodyPr>
           <a:lstStyle/>
           <a:p>
-            <a:pPr indent="0" lvl="0" marL="0" rtl="0" algn="l">
+            <a:pPr marL="0" lvl="0" indent="0" algn="l" rtl="0">
               <a:spcBef>
                 <a:spcPts val="0"/>
               </a:spcBef>
@@ -1187,9 +1230,6 @@
               </a:spcAft>
               <a:buNone/>
             </a:pPr>
-            <a:r>
-              <a:t/>
-            </a:r>
             <a:endParaRPr/>
           </a:p>
         </p:txBody>
@@ -1203,11 +1243,11 @@
 </file>
 
 <file path=ppt/notesSlides/notesSlide14.xml><?xml version="1.0" encoding="utf-8"?>
-<p:notes xmlns:a="http://schemas.openxmlformats.org/drawingml/2006/main" xmlns:r="http://schemas.openxmlformats.org/officeDocument/2006/relationships" xmlns:mc="http://schemas.openxmlformats.org/markup-compatibility/2006" xmlns:mv="urn:schemas-microsoft-com:mac:vml" xmlns:p="http://schemas.openxmlformats.org/presentationml/2006/main" xmlns:c="http://schemas.openxmlformats.org/drawingml/2006/chart" xmlns:dgm="http://schemas.openxmlformats.org/drawingml/2006/diagram" xmlns:o="urn:schemas-microsoft-com:office:office" xmlns:v="urn:schemas-microsoft-com:vml" xmlns:pvml="urn:schemas-microsoft-com:office:powerpoint" xmlns:com="http://schemas.openxmlformats.org/drawingml/2006/compatibility" xmlns:p14="http://schemas.microsoft.com/office/powerpoint/2010/main" xmlns:p15="http://schemas.microsoft.com/office/powerpoint/2012/main" showMasterPhAnim="0" showMasterSp="0">
+<p:notes xmlns:a="http://schemas.openxmlformats.org/drawingml/2006/main" xmlns:r="http://schemas.openxmlformats.org/officeDocument/2006/relationships" xmlns:p="http://schemas.openxmlformats.org/presentationml/2006/main" showMasterSp="0" showMasterPhAnim="0">
   <p:cSld>
     <p:spTree>
       <p:nvGrpSpPr>
-        <p:cNvPr id="180" name="Shape 180"/>
+        <p:cNvPr id="1" name="Shape 180"/>
         <p:cNvGrpSpPr/>
         <p:nvPr/>
       </p:nvGrpSpPr>
@@ -1222,9 +1262,11 @@
       <p:sp>
         <p:nvSpPr>
           <p:cNvPr id="181" name="Google Shape;181;g77f18f6bd1_1_0:notes"/>
-          <p:cNvSpPr/>
+          <p:cNvSpPr>
+            <a:spLocks noGrp="1" noRot="1" noChangeAspect="1"/>
+          </p:cNvSpPr>
           <p:nvPr>
-            <p:ph idx="2" type="sldImg"/>
+            <p:ph type="sldImg" idx="2"/>
           </p:nvPr>
         </p:nvSpPr>
         <p:spPr>
@@ -1233,9 +1275,13 @@
             <a:ext cx="6096000" cy="3429000"/>
           </a:xfrm>
           <a:custGeom>
-            <a:rect b="b" l="l" r="r" t="t"/>
+            <a:avLst/>
+            <a:gdLst/>
+            <a:ahLst/>
+            <a:cxnLst/>
+            <a:rect l="l" t="t" r="r" b="b"/>
             <a:pathLst>
-              <a:path extrusionOk="0" h="120000" w="120000">
+              <a:path w="120000" h="120000" extrusionOk="0">
                 <a:moveTo>
                   <a:pt x="0" y="0"/>
                 </a:moveTo>
@@ -1257,9 +1303,11 @@
       <p:sp>
         <p:nvSpPr>
           <p:cNvPr id="182" name="Google Shape;182;g77f18f6bd1_1_0:notes"/>
-          <p:cNvSpPr txBox="1"/>
+          <p:cNvSpPr txBox="1">
+            <a:spLocks noGrp="1"/>
+          </p:cNvSpPr>
           <p:nvPr>
-            <p:ph idx="1" type="body"/>
+            <p:ph type="body" idx="1"/>
           </p:nvPr>
         </p:nvSpPr>
         <p:spPr>
@@ -1272,12 +1320,12 @@
           </a:prstGeom>
         </p:spPr>
         <p:txBody>
-          <a:bodyPr anchorCtr="0" anchor="t" bIns="91425" lIns="91425" spcFirstLastPara="1" rIns="91425" wrap="square" tIns="91425">
+          <a:bodyPr spcFirstLastPara="1" wrap="square" lIns="91425" tIns="91425" rIns="91425" bIns="91425" anchor="t" anchorCtr="0">
             <a:noAutofit/>
           </a:bodyPr>
           <a:lstStyle/>
           <a:p>
-            <a:pPr indent="0" lvl="0" marL="0" rtl="0" algn="l">
+            <a:pPr marL="0" lvl="0" indent="0" algn="l" rtl="0">
               <a:spcBef>
                 <a:spcPts val="0"/>
               </a:spcBef>
@@ -1286,9 +1334,6 @@
               </a:spcAft>
               <a:buNone/>
             </a:pPr>
-            <a:r>
-              <a:t/>
-            </a:r>
             <a:endParaRPr/>
           </a:p>
         </p:txBody>
@@ -1302,11 +1347,11 @@
 </file>
 
 <file path=ppt/notesSlides/notesSlide15.xml><?xml version="1.0" encoding="utf-8"?>
-<p:notes xmlns:a="http://schemas.openxmlformats.org/drawingml/2006/main" xmlns:r="http://schemas.openxmlformats.org/officeDocument/2006/relationships" xmlns:mc="http://schemas.openxmlformats.org/markup-compatibility/2006" xmlns:mv="urn:schemas-microsoft-com:mac:vml" xmlns:p="http://schemas.openxmlformats.org/presentationml/2006/main" xmlns:c="http://schemas.openxmlformats.org/drawingml/2006/chart" xmlns:dgm="http://schemas.openxmlformats.org/drawingml/2006/diagram" xmlns:o="urn:schemas-microsoft-com:office:office" xmlns:v="urn:schemas-microsoft-com:vml" xmlns:pvml="urn:schemas-microsoft-com:office:powerpoint" xmlns:com="http://schemas.openxmlformats.org/drawingml/2006/compatibility" xmlns:p14="http://schemas.microsoft.com/office/powerpoint/2010/main" xmlns:p15="http://schemas.microsoft.com/office/powerpoint/2012/main" showMasterPhAnim="0" showMasterSp="0">
+<p:notes xmlns:a="http://schemas.openxmlformats.org/drawingml/2006/main" xmlns:r="http://schemas.openxmlformats.org/officeDocument/2006/relationships" xmlns:p="http://schemas.openxmlformats.org/presentationml/2006/main" showMasterSp="0" showMasterPhAnim="0">
   <p:cSld>
     <p:spTree>
       <p:nvGrpSpPr>
-        <p:cNvPr id="187" name="Shape 187"/>
+        <p:cNvPr id="1" name="Shape 187"/>
         <p:cNvGrpSpPr/>
         <p:nvPr/>
       </p:nvGrpSpPr>
@@ -1321,9 +1366,11 @@
       <p:sp>
         <p:nvSpPr>
           <p:cNvPr id="188" name="Google Shape;188;g77fd09bd5f_1_1:notes"/>
-          <p:cNvSpPr/>
+          <p:cNvSpPr>
+            <a:spLocks noGrp="1" noRot="1" noChangeAspect="1"/>
+          </p:cNvSpPr>
           <p:nvPr>
-            <p:ph idx="2" type="sldImg"/>
+            <p:ph type="sldImg" idx="2"/>
           </p:nvPr>
         </p:nvSpPr>
         <p:spPr>
@@ -1332,9 +1379,13 @@
             <a:ext cx="6096000" cy="3429000"/>
           </a:xfrm>
           <a:custGeom>
-            <a:rect b="b" l="l" r="r" t="t"/>
+            <a:avLst/>
+            <a:gdLst/>
+            <a:ahLst/>
+            <a:cxnLst/>
+            <a:rect l="l" t="t" r="r" b="b"/>
             <a:pathLst>
-              <a:path extrusionOk="0" h="120000" w="120000">
+              <a:path w="120000" h="120000" extrusionOk="0">
                 <a:moveTo>
                   <a:pt x="0" y="0"/>
                 </a:moveTo>
@@ -1356,9 +1407,11 @@
       <p:sp>
         <p:nvSpPr>
           <p:cNvPr id="189" name="Google Shape;189;g77fd09bd5f_1_1:notes"/>
-          <p:cNvSpPr txBox="1"/>
+          <p:cNvSpPr txBox="1">
+            <a:spLocks noGrp="1"/>
+          </p:cNvSpPr>
           <p:nvPr>
-            <p:ph idx="1" type="body"/>
+            <p:ph type="body" idx="1"/>
           </p:nvPr>
         </p:nvSpPr>
         <p:spPr>
@@ -1371,12 +1424,12 @@
           </a:prstGeom>
         </p:spPr>
         <p:txBody>
-          <a:bodyPr anchorCtr="0" anchor="t" bIns="91425" lIns="91425" spcFirstLastPara="1" rIns="91425" wrap="square" tIns="91425">
+          <a:bodyPr spcFirstLastPara="1" wrap="square" lIns="91425" tIns="91425" rIns="91425" bIns="91425" anchor="t" anchorCtr="0">
             <a:noAutofit/>
           </a:bodyPr>
           <a:lstStyle/>
           <a:p>
-            <a:pPr indent="0" lvl="0" marL="0" rtl="0" algn="l">
+            <a:pPr marL="0" lvl="0" indent="0" algn="l" rtl="0">
               <a:spcBef>
                 <a:spcPts val="0"/>
               </a:spcBef>
@@ -1385,9 +1438,6 @@
               </a:spcAft>
               <a:buNone/>
             </a:pPr>
-            <a:r>
-              <a:t/>
-            </a:r>
             <a:endParaRPr/>
           </a:p>
         </p:txBody>
@@ -1401,11 +1451,11 @@
 </file>
 
 <file path=ppt/notesSlides/notesSlide16.xml><?xml version="1.0" encoding="utf-8"?>
-<p:notes xmlns:a="http://schemas.openxmlformats.org/drawingml/2006/main" xmlns:r="http://schemas.openxmlformats.org/officeDocument/2006/relationships" xmlns:mc="http://schemas.openxmlformats.org/markup-compatibility/2006" xmlns:mv="urn:schemas-microsoft-com:mac:vml" xmlns:p="http://schemas.openxmlformats.org/presentationml/2006/main" xmlns:c="http://schemas.openxmlformats.org/drawingml/2006/chart" xmlns:dgm="http://schemas.openxmlformats.org/drawingml/2006/diagram" xmlns:o="urn:schemas-microsoft-com:office:office" xmlns:v="urn:schemas-microsoft-com:vml" xmlns:pvml="urn:schemas-microsoft-com:office:powerpoint" xmlns:com="http://schemas.openxmlformats.org/drawingml/2006/compatibility" xmlns:p14="http://schemas.microsoft.com/office/powerpoint/2010/main" xmlns:p15="http://schemas.microsoft.com/office/powerpoint/2012/main" showMasterPhAnim="0" showMasterSp="0">
+<p:notes xmlns:a="http://schemas.openxmlformats.org/drawingml/2006/main" xmlns:r="http://schemas.openxmlformats.org/officeDocument/2006/relationships" xmlns:p="http://schemas.openxmlformats.org/presentationml/2006/main" showMasterSp="0" showMasterPhAnim="0">
   <p:cSld>
     <p:spTree>
       <p:nvGrpSpPr>
-        <p:cNvPr id="194" name="Shape 194"/>
+        <p:cNvPr id="1" name="Shape 194"/>
         <p:cNvGrpSpPr/>
         <p:nvPr/>
       </p:nvGrpSpPr>
@@ -1420,9 +1470,11 @@
       <p:sp>
         <p:nvSpPr>
           <p:cNvPr id="195" name="Google Shape;195;g77f18f6bd1_0_200:notes"/>
-          <p:cNvSpPr/>
+          <p:cNvSpPr>
+            <a:spLocks noGrp="1" noRot="1" noChangeAspect="1"/>
+          </p:cNvSpPr>
           <p:nvPr>
-            <p:ph idx="2" type="sldImg"/>
+            <p:ph type="sldImg" idx="2"/>
           </p:nvPr>
         </p:nvSpPr>
         <p:spPr>
@@ -1431,9 +1483,13 @@
             <a:ext cx="6096000" cy="3429000"/>
           </a:xfrm>
           <a:custGeom>
-            <a:rect b="b" l="l" r="r" t="t"/>
+            <a:avLst/>
+            <a:gdLst/>
+            <a:ahLst/>
+            <a:cxnLst/>
+            <a:rect l="l" t="t" r="r" b="b"/>
             <a:pathLst>
-              <a:path extrusionOk="0" h="120000" w="120000">
+              <a:path w="120000" h="120000" extrusionOk="0">
                 <a:moveTo>
                   <a:pt x="0" y="0"/>
                 </a:moveTo>
@@ -1455,9 +1511,11 @@
       <p:sp>
         <p:nvSpPr>
           <p:cNvPr id="196" name="Google Shape;196;g77f18f6bd1_0_200:notes"/>
-          <p:cNvSpPr txBox="1"/>
+          <p:cNvSpPr txBox="1">
+            <a:spLocks noGrp="1"/>
+          </p:cNvSpPr>
           <p:nvPr>
-            <p:ph idx="1" type="body"/>
+            <p:ph type="body" idx="1"/>
           </p:nvPr>
         </p:nvSpPr>
         <p:spPr>
@@ -1470,12 +1528,12 @@
           </a:prstGeom>
         </p:spPr>
         <p:txBody>
-          <a:bodyPr anchorCtr="0" anchor="t" bIns="91425" lIns="91425" spcFirstLastPara="1" rIns="91425" wrap="square" tIns="91425">
+          <a:bodyPr spcFirstLastPara="1" wrap="square" lIns="91425" tIns="91425" rIns="91425" bIns="91425" anchor="t" anchorCtr="0">
             <a:noAutofit/>
           </a:bodyPr>
           <a:lstStyle/>
           <a:p>
-            <a:pPr indent="0" lvl="0" marL="0" rtl="0" algn="l">
+            <a:pPr marL="0" lvl="0" indent="0" algn="l" rtl="0">
               <a:spcBef>
                 <a:spcPts val="0"/>
               </a:spcBef>
@@ -1484,9 +1542,6 @@
               </a:spcAft>
               <a:buNone/>
             </a:pPr>
-            <a:r>
-              <a:t/>
-            </a:r>
             <a:endParaRPr/>
           </a:p>
         </p:txBody>
@@ -1500,11 +1555,11 @@
 </file>
 
 <file path=ppt/notesSlides/notesSlide17.xml><?xml version="1.0" encoding="utf-8"?>
-<p:notes xmlns:a="http://schemas.openxmlformats.org/drawingml/2006/main" xmlns:r="http://schemas.openxmlformats.org/officeDocument/2006/relationships" xmlns:mc="http://schemas.openxmlformats.org/markup-compatibility/2006" xmlns:mv="urn:schemas-microsoft-com:mac:vml" xmlns:p="http://schemas.openxmlformats.org/presentationml/2006/main" xmlns:c="http://schemas.openxmlformats.org/drawingml/2006/chart" xmlns:dgm="http://schemas.openxmlformats.org/drawingml/2006/diagram" xmlns:o="urn:schemas-microsoft-com:office:office" xmlns:v="urn:schemas-microsoft-com:vml" xmlns:pvml="urn:schemas-microsoft-com:office:powerpoint" xmlns:com="http://schemas.openxmlformats.org/drawingml/2006/compatibility" xmlns:p14="http://schemas.microsoft.com/office/powerpoint/2010/main" xmlns:p15="http://schemas.microsoft.com/office/powerpoint/2012/main" showMasterPhAnim="0" showMasterSp="0">
+<p:notes xmlns:a="http://schemas.openxmlformats.org/drawingml/2006/main" xmlns:r="http://schemas.openxmlformats.org/officeDocument/2006/relationships" xmlns:p="http://schemas.openxmlformats.org/presentationml/2006/main" showMasterSp="0" showMasterPhAnim="0">
   <p:cSld>
     <p:spTree>
       <p:nvGrpSpPr>
-        <p:cNvPr id="200" name="Shape 200"/>
+        <p:cNvPr id="1" name="Shape 200"/>
         <p:cNvGrpSpPr/>
         <p:nvPr/>
       </p:nvGrpSpPr>
@@ -1519,9 +1574,11 @@
       <p:sp>
         <p:nvSpPr>
           <p:cNvPr id="201" name="Google Shape;201;g77f18f6bd1_0_946:notes"/>
-          <p:cNvSpPr/>
+          <p:cNvSpPr>
+            <a:spLocks noGrp="1" noRot="1" noChangeAspect="1"/>
+          </p:cNvSpPr>
           <p:nvPr>
-            <p:ph idx="2" type="sldImg"/>
+            <p:ph type="sldImg" idx="2"/>
           </p:nvPr>
         </p:nvSpPr>
         <p:spPr>
@@ -1530,9 +1587,13 @@
             <a:ext cx="6096000" cy="3429000"/>
           </a:xfrm>
           <a:custGeom>
-            <a:rect b="b" l="l" r="r" t="t"/>
+            <a:avLst/>
+            <a:gdLst/>
+            <a:ahLst/>
+            <a:cxnLst/>
+            <a:rect l="l" t="t" r="r" b="b"/>
             <a:pathLst>
-              <a:path extrusionOk="0" h="120000" w="120000">
+              <a:path w="120000" h="120000" extrusionOk="0">
                 <a:moveTo>
                   <a:pt x="0" y="0"/>
                 </a:moveTo>
@@ -1554,9 +1615,11 @@
       <p:sp>
         <p:nvSpPr>
           <p:cNvPr id="202" name="Google Shape;202;g77f18f6bd1_0_946:notes"/>
-          <p:cNvSpPr txBox="1"/>
+          <p:cNvSpPr txBox="1">
+            <a:spLocks noGrp="1"/>
+          </p:cNvSpPr>
           <p:nvPr>
-            <p:ph idx="1" type="body"/>
+            <p:ph type="body" idx="1"/>
           </p:nvPr>
         </p:nvSpPr>
         <p:spPr>
@@ -1569,12 +1632,12 @@
           </a:prstGeom>
         </p:spPr>
         <p:txBody>
-          <a:bodyPr anchorCtr="0" anchor="t" bIns="91425" lIns="91425" spcFirstLastPara="1" rIns="91425" wrap="square" tIns="91425">
+          <a:bodyPr spcFirstLastPara="1" wrap="square" lIns="91425" tIns="91425" rIns="91425" bIns="91425" anchor="t" anchorCtr="0">
             <a:noAutofit/>
           </a:bodyPr>
           <a:lstStyle/>
           <a:p>
-            <a:pPr indent="0" lvl="0" marL="0" rtl="0" algn="l">
+            <a:pPr marL="0" lvl="0" indent="0" algn="l" rtl="0">
               <a:spcBef>
                 <a:spcPts val="0"/>
               </a:spcBef>
@@ -1583,9 +1646,6 @@
               </a:spcAft>
               <a:buNone/>
             </a:pPr>
-            <a:r>
-              <a:t/>
-            </a:r>
             <a:endParaRPr/>
           </a:p>
         </p:txBody>
@@ -1599,11 +1659,11 @@
 </file>
 
 <file path=ppt/notesSlides/notesSlide2.xml><?xml version="1.0" encoding="utf-8"?>
-<p:notes xmlns:a="http://schemas.openxmlformats.org/drawingml/2006/main" xmlns:r="http://schemas.openxmlformats.org/officeDocument/2006/relationships" xmlns:mc="http://schemas.openxmlformats.org/markup-compatibility/2006" xmlns:mv="urn:schemas-microsoft-com:mac:vml" xmlns:p="http://schemas.openxmlformats.org/presentationml/2006/main" xmlns:c="http://schemas.openxmlformats.org/drawingml/2006/chart" xmlns:dgm="http://schemas.openxmlformats.org/drawingml/2006/diagram" xmlns:o="urn:schemas-microsoft-com:office:office" xmlns:v="urn:schemas-microsoft-com:vml" xmlns:pvml="urn:schemas-microsoft-com:office:powerpoint" xmlns:com="http://schemas.openxmlformats.org/drawingml/2006/compatibility" xmlns:p14="http://schemas.microsoft.com/office/powerpoint/2010/main" xmlns:p15="http://schemas.microsoft.com/office/powerpoint/2012/main" showMasterPhAnim="0" showMasterSp="0">
+<p:notes xmlns:a="http://schemas.openxmlformats.org/drawingml/2006/main" xmlns:r="http://schemas.openxmlformats.org/officeDocument/2006/relationships" xmlns:p="http://schemas.openxmlformats.org/presentationml/2006/main" showMasterSp="0" showMasterPhAnim="0">
   <p:cSld>
     <p:spTree>
       <p:nvGrpSpPr>
-        <p:cNvPr id="68" name="Shape 68"/>
+        <p:cNvPr id="1" name="Shape 68"/>
         <p:cNvGrpSpPr/>
         <p:nvPr/>
       </p:nvGrpSpPr>
@@ -1618,9 +1678,11 @@
       <p:sp>
         <p:nvSpPr>
           <p:cNvPr id="69" name="Google Shape;69;g77f18f6bd1_0_172:notes"/>
-          <p:cNvSpPr/>
+          <p:cNvSpPr>
+            <a:spLocks noGrp="1" noRot="1" noChangeAspect="1"/>
+          </p:cNvSpPr>
           <p:nvPr>
-            <p:ph idx="2" type="sldImg"/>
+            <p:ph type="sldImg" idx="2"/>
           </p:nvPr>
         </p:nvSpPr>
         <p:spPr>
@@ -1629,9 +1691,13 @@
             <a:ext cx="6096000" cy="3429000"/>
           </a:xfrm>
           <a:custGeom>
-            <a:rect b="b" l="l" r="r" t="t"/>
+            <a:avLst/>
+            <a:gdLst/>
+            <a:ahLst/>
+            <a:cxnLst/>
+            <a:rect l="l" t="t" r="r" b="b"/>
             <a:pathLst>
-              <a:path extrusionOk="0" h="120000" w="120000">
+              <a:path w="120000" h="120000" extrusionOk="0">
                 <a:moveTo>
                   <a:pt x="0" y="0"/>
                 </a:moveTo>
@@ -1653,9 +1719,11 @@
       <p:sp>
         <p:nvSpPr>
           <p:cNvPr id="70" name="Google Shape;70;g77f18f6bd1_0_172:notes"/>
-          <p:cNvSpPr txBox="1"/>
+          <p:cNvSpPr txBox="1">
+            <a:spLocks noGrp="1"/>
+          </p:cNvSpPr>
           <p:nvPr>
-            <p:ph idx="1" type="body"/>
+            <p:ph type="body" idx="1"/>
           </p:nvPr>
         </p:nvSpPr>
         <p:spPr>
@@ -1668,12 +1736,12 @@
           </a:prstGeom>
         </p:spPr>
         <p:txBody>
-          <a:bodyPr anchorCtr="0" anchor="t" bIns="91425" lIns="91425" spcFirstLastPara="1" rIns="91425" wrap="square" tIns="91425">
+          <a:bodyPr spcFirstLastPara="1" wrap="square" lIns="91425" tIns="91425" rIns="91425" bIns="91425" anchor="t" anchorCtr="0">
             <a:noAutofit/>
           </a:bodyPr>
           <a:lstStyle/>
           <a:p>
-            <a:pPr indent="0" lvl="0" marL="0" rtl="0" algn="l">
+            <a:pPr marL="0" lvl="0" indent="0" algn="l" rtl="0">
               <a:spcBef>
                 <a:spcPts val="0"/>
               </a:spcBef>
@@ -1682,9 +1750,6 @@
               </a:spcAft>
               <a:buNone/>
             </a:pPr>
-            <a:r>
-              <a:t/>
-            </a:r>
             <a:endParaRPr/>
           </a:p>
         </p:txBody>
@@ -1698,11 +1763,11 @@
 </file>
 
 <file path=ppt/notesSlides/notesSlide3.xml><?xml version="1.0" encoding="utf-8"?>
-<p:notes xmlns:a="http://schemas.openxmlformats.org/drawingml/2006/main" xmlns:r="http://schemas.openxmlformats.org/officeDocument/2006/relationships" xmlns:mc="http://schemas.openxmlformats.org/markup-compatibility/2006" xmlns:mv="urn:schemas-microsoft-com:mac:vml" xmlns:p="http://schemas.openxmlformats.org/presentationml/2006/main" xmlns:c="http://schemas.openxmlformats.org/drawingml/2006/chart" xmlns:dgm="http://schemas.openxmlformats.org/drawingml/2006/diagram" xmlns:o="urn:schemas-microsoft-com:office:office" xmlns:v="urn:schemas-microsoft-com:vml" xmlns:pvml="urn:schemas-microsoft-com:office:powerpoint" xmlns:com="http://schemas.openxmlformats.org/drawingml/2006/compatibility" xmlns:p14="http://schemas.microsoft.com/office/powerpoint/2010/main" xmlns:p15="http://schemas.microsoft.com/office/powerpoint/2012/main" showMasterPhAnim="0" showMasterSp="0">
+<p:notes xmlns:a="http://schemas.openxmlformats.org/drawingml/2006/main" xmlns:r="http://schemas.openxmlformats.org/officeDocument/2006/relationships" xmlns:p="http://schemas.openxmlformats.org/presentationml/2006/main" showMasterSp="0" showMasterPhAnim="0">
   <p:cSld>
     <p:spTree>
       <p:nvGrpSpPr>
-        <p:cNvPr id="75" name="Shape 75"/>
+        <p:cNvPr id="1" name="Shape 75"/>
         <p:cNvGrpSpPr/>
         <p:nvPr/>
       </p:nvGrpSpPr>
@@ -1717,9 +1782,11 @@
       <p:sp>
         <p:nvSpPr>
           <p:cNvPr id="76" name="Google Shape;76;g77f18f6bd1_0_180:notes"/>
-          <p:cNvSpPr/>
+          <p:cNvSpPr>
+            <a:spLocks noGrp="1" noRot="1" noChangeAspect="1"/>
+          </p:cNvSpPr>
           <p:nvPr>
-            <p:ph idx="2" type="sldImg"/>
+            <p:ph type="sldImg" idx="2"/>
           </p:nvPr>
         </p:nvSpPr>
         <p:spPr>
@@ -1728,9 +1795,13 @@
             <a:ext cx="6096000" cy="3429000"/>
           </a:xfrm>
           <a:custGeom>
-            <a:rect b="b" l="l" r="r" t="t"/>
+            <a:avLst/>
+            <a:gdLst/>
+            <a:ahLst/>
+            <a:cxnLst/>
+            <a:rect l="l" t="t" r="r" b="b"/>
             <a:pathLst>
-              <a:path extrusionOk="0" h="120000" w="120000">
+              <a:path w="120000" h="120000" extrusionOk="0">
                 <a:moveTo>
                   <a:pt x="0" y="0"/>
                 </a:moveTo>
@@ -1752,9 +1823,11 @@
       <p:sp>
         <p:nvSpPr>
           <p:cNvPr id="77" name="Google Shape;77;g77f18f6bd1_0_180:notes"/>
-          <p:cNvSpPr txBox="1"/>
+          <p:cNvSpPr txBox="1">
+            <a:spLocks noGrp="1"/>
+          </p:cNvSpPr>
           <p:nvPr>
-            <p:ph idx="1" type="body"/>
+            <p:ph type="body" idx="1"/>
           </p:nvPr>
         </p:nvSpPr>
         <p:spPr>
@@ -1767,12 +1840,12 @@
           </a:prstGeom>
         </p:spPr>
         <p:txBody>
-          <a:bodyPr anchorCtr="0" anchor="t" bIns="91425" lIns="91425" spcFirstLastPara="1" rIns="91425" wrap="square" tIns="91425">
+          <a:bodyPr spcFirstLastPara="1" wrap="square" lIns="91425" tIns="91425" rIns="91425" bIns="91425" anchor="t" anchorCtr="0">
             <a:noAutofit/>
           </a:bodyPr>
           <a:lstStyle/>
           <a:p>
-            <a:pPr indent="0" lvl="0" marL="0" rtl="0" algn="l">
+            <a:pPr marL="0" lvl="0" indent="0" algn="l" rtl="0">
               <a:spcBef>
                 <a:spcPts val="0"/>
               </a:spcBef>
@@ -1781,9 +1854,6 @@
               </a:spcAft>
               <a:buNone/>
             </a:pPr>
-            <a:r>
-              <a:t/>
-            </a:r>
             <a:endParaRPr/>
           </a:p>
         </p:txBody>
@@ -1797,11 +1867,11 @@
 </file>
 
 <file path=ppt/notesSlides/notesSlide4.xml><?xml version="1.0" encoding="utf-8"?>
-<p:notes xmlns:a="http://schemas.openxmlformats.org/drawingml/2006/main" xmlns:r="http://schemas.openxmlformats.org/officeDocument/2006/relationships" xmlns:mc="http://schemas.openxmlformats.org/markup-compatibility/2006" xmlns:mv="urn:schemas-microsoft-com:mac:vml" xmlns:p="http://schemas.openxmlformats.org/presentationml/2006/main" xmlns:c="http://schemas.openxmlformats.org/drawingml/2006/chart" xmlns:dgm="http://schemas.openxmlformats.org/drawingml/2006/diagram" xmlns:o="urn:schemas-microsoft-com:office:office" xmlns:v="urn:schemas-microsoft-com:vml" xmlns:pvml="urn:schemas-microsoft-com:office:powerpoint" xmlns:com="http://schemas.openxmlformats.org/drawingml/2006/compatibility" xmlns:p14="http://schemas.microsoft.com/office/powerpoint/2010/main" xmlns:p15="http://schemas.microsoft.com/office/powerpoint/2012/main" showMasterPhAnim="0" showMasterSp="0">
+<p:notes xmlns:a="http://schemas.openxmlformats.org/drawingml/2006/main" xmlns:r="http://schemas.openxmlformats.org/officeDocument/2006/relationships" xmlns:p="http://schemas.openxmlformats.org/presentationml/2006/main" showMasterSp="0" showMasterPhAnim="0">
   <p:cSld>
     <p:spTree>
       <p:nvGrpSpPr>
-        <p:cNvPr id="89" name="Shape 89"/>
+        <p:cNvPr id="1" name="Shape 89"/>
         <p:cNvGrpSpPr/>
         <p:nvPr/>
       </p:nvGrpSpPr>
@@ -1816,9 +1886,11 @@
       <p:sp>
         <p:nvSpPr>
           <p:cNvPr id="90" name="Google Shape;90;g77f18f6bd1_0_206:notes"/>
-          <p:cNvSpPr/>
+          <p:cNvSpPr>
+            <a:spLocks noGrp="1" noRot="1" noChangeAspect="1"/>
+          </p:cNvSpPr>
           <p:nvPr>
-            <p:ph idx="2" type="sldImg"/>
+            <p:ph type="sldImg" idx="2"/>
           </p:nvPr>
         </p:nvSpPr>
         <p:spPr>
@@ -1827,9 +1899,13 @@
             <a:ext cx="6096000" cy="3429000"/>
           </a:xfrm>
           <a:custGeom>
-            <a:rect b="b" l="l" r="r" t="t"/>
+            <a:avLst/>
+            <a:gdLst/>
+            <a:ahLst/>
+            <a:cxnLst/>
+            <a:rect l="l" t="t" r="r" b="b"/>
             <a:pathLst>
-              <a:path extrusionOk="0" h="120000" w="120000">
+              <a:path w="120000" h="120000" extrusionOk="0">
                 <a:moveTo>
                   <a:pt x="0" y="0"/>
                 </a:moveTo>
@@ -1851,9 +1927,11 @@
       <p:sp>
         <p:nvSpPr>
           <p:cNvPr id="91" name="Google Shape;91;g77f18f6bd1_0_206:notes"/>
-          <p:cNvSpPr txBox="1"/>
+          <p:cNvSpPr txBox="1">
+            <a:spLocks noGrp="1"/>
+          </p:cNvSpPr>
           <p:nvPr>
-            <p:ph idx="1" type="body"/>
+            <p:ph type="body" idx="1"/>
           </p:nvPr>
         </p:nvSpPr>
         <p:spPr>
@@ -1866,12 +1944,12 @@
           </a:prstGeom>
         </p:spPr>
         <p:txBody>
-          <a:bodyPr anchorCtr="0" anchor="t" bIns="91425" lIns="91425" spcFirstLastPara="1" rIns="91425" wrap="square" tIns="91425">
+          <a:bodyPr spcFirstLastPara="1" wrap="square" lIns="91425" tIns="91425" rIns="91425" bIns="91425" anchor="t" anchorCtr="0">
             <a:noAutofit/>
           </a:bodyPr>
           <a:lstStyle/>
           <a:p>
-            <a:pPr indent="0" lvl="0" marL="0" rtl="0" algn="l">
+            <a:pPr marL="0" lvl="0" indent="0" algn="l" rtl="0">
               <a:spcBef>
                 <a:spcPts val="0"/>
               </a:spcBef>
@@ -1880,9 +1958,6 @@
               </a:spcAft>
               <a:buNone/>
             </a:pPr>
-            <a:r>
-              <a:t/>
-            </a:r>
             <a:endParaRPr/>
           </a:p>
         </p:txBody>
@@ -1896,11 +1971,11 @@
 </file>
 
 <file path=ppt/notesSlides/notesSlide5.xml><?xml version="1.0" encoding="utf-8"?>
-<p:notes xmlns:a="http://schemas.openxmlformats.org/drawingml/2006/main" xmlns:r="http://schemas.openxmlformats.org/officeDocument/2006/relationships" xmlns:mc="http://schemas.openxmlformats.org/markup-compatibility/2006" xmlns:mv="urn:schemas-microsoft-com:mac:vml" xmlns:p="http://schemas.openxmlformats.org/presentationml/2006/main" xmlns:c="http://schemas.openxmlformats.org/drawingml/2006/chart" xmlns:dgm="http://schemas.openxmlformats.org/drawingml/2006/diagram" xmlns:o="urn:schemas-microsoft-com:office:office" xmlns:v="urn:schemas-microsoft-com:vml" xmlns:pvml="urn:schemas-microsoft-com:office:powerpoint" xmlns:com="http://schemas.openxmlformats.org/drawingml/2006/compatibility" xmlns:p14="http://schemas.microsoft.com/office/powerpoint/2010/main" xmlns:p15="http://schemas.microsoft.com/office/powerpoint/2012/main" showMasterPhAnim="0" showMasterSp="0">
+<p:notes xmlns:a="http://schemas.openxmlformats.org/drawingml/2006/main" xmlns:r="http://schemas.openxmlformats.org/officeDocument/2006/relationships" xmlns:p="http://schemas.openxmlformats.org/presentationml/2006/main" showMasterSp="0" showMasterPhAnim="0">
   <p:cSld>
     <p:spTree>
       <p:nvGrpSpPr>
-        <p:cNvPr id="98" name="Shape 98"/>
+        <p:cNvPr id="1" name="Shape 98"/>
         <p:cNvGrpSpPr/>
         <p:nvPr/>
       </p:nvGrpSpPr>
@@ -1915,9 +1990,11 @@
       <p:sp>
         <p:nvSpPr>
           <p:cNvPr id="99" name="Google Shape;99;g77f18f6bd1_0_911:notes"/>
-          <p:cNvSpPr/>
+          <p:cNvSpPr>
+            <a:spLocks noGrp="1" noRot="1" noChangeAspect="1"/>
+          </p:cNvSpPr>
           <p:nvPr>
-            <p:ph idx="2" type="sldImg"/>
+            <p:ph type="sldImg" idx="2"/>
           </p:nvPr>
         </p:nvSpPr>
         <p:spPr>
@@ -1926,9 +2003,13 @@
             <a:ext cx="6096000" cy="3429000"/>
           </a:xfrm>
           <a:custGeom>
-            <a:rect b="b" l="l" r="r" t="t"/>
+            <a:avLst/>
+            <a:gdLst/>
+            <a:ahLst/>
+            <a:cxnLst/>
+            <a:rect l="l" t="t" r="r" b="b"/>
             <a:pathLst>
-              <a:path extrusionOk="0" h="120000" w="120000">
+              <a:path w="120000" h="120000" extrusionOk="0">
                 <a:moveTo>
                   <a:pt x="0" y="0"/>
                 </a:moveTo>
@@ -1950,9 +2031,11 @@
       <p:sp>
         <p:nvSpPr>
           <p:cNvPr id="100" name="Google Shape;100;g77f18f6bd1_0_911:notes"/>
-          <p:cNvSpPr txBox="1"/>
+          <p:cNvSpPr txBox="1">
+            <a:spLocks noGrp="1"/>
+          </p:cNvSpPr>
           <p:nvPr>
-            <p:ph idx="1" type="body"/>
+            <p:ph type="body" idx="1"/>
           </p:nvPr>
         </p:nvSpPr>
         <p:spPr>
@@ -1965,12 +2048,12 @@
           </a:prstGeom>
         </p:spPr>
         <p:txBody>
-          <a:bodyPr anchorCtr="0" anchor="t" bIns="91425" lIns="91425" spcFirstLastPara="1" rIns="91425" wrap="square" tIns="91425">
+          <a:bodyPr spcFirstLastPara="1" wrap="square" lIns="91425" tIns="91425" rIns="91425" bIns="91425" anchor="t" anchorCtr="0">
             <a:noAutofit/>
           </a:bodyPr>
           <a:lstStyle/>
           <a:p>
-            <a:pPr indent="0" lvl="0" marL="0" rtl="0" algn="l">
+            <a:pPr marL="0" lvl="0" indent="0" algn="l" rtl="0">
               <a:spcBef>
                 <a:spcPts val="0"/>
               </a:spcBef>
@@ -1979,9 +2062,6 @@
               </a:spcAft>
               <a:buNone/>
             </a:pPr>
-            <a:r>
-              <a:t/>
-            </a:r>
             <a:endParaRPr/>
           </a:p>
         </p:txBody>
@@ -1995,11 +2075,11 @@
 </file>
 
 <file path=ppt/notesSlides/notesSlide6.xml><?xml version="1.0" encoding="utf-8"?>
-<p:notes xmlns:a="http://schemas.openxmlformats.org/drawingml/2006/main" xmlns:r="http://schemas.openxmlformats.org/officeDocument/2006/relationships" xmlns:mc="http://schemas.openxmlformats.org/markup-compatibility/2006" xmlns:mv="urn:schemas-microsoft-com:mac:vml" xmlns:p="http://schemas.openxmlformats.org/presentationml/2006/main" xmlns:c="http://schemas.openxmlformats.org/drawingml/2006/chart" xmlns:dgm="http://schemas.openxmlformats.org/drawingml/2006/diagram" xmlns:o="urn:schemas-microsoft-com:office:office" xmlns:v="urn:schemas-microsoft-com:vml" xmlns:pvml="urn:schemas-microsoft-com:office:powerpoint" xmlns:com="http://schemas.openxmlformats.org/drawingml/2006/compatibility" xmlns:p14="http://schemas.microsoft.com/office/powerpoint/2010/main" xmlns:p15="http://schemas.microsoft.com/office/powerpoint/2012/main" showMasterPhAnim="0" showMasterSp="0">
+<p:notes xmlns:a="http://schemas.openxmlformats.org/drawingml/2006/main" xmlns:r="http://schemas.openxmlformats.org/officeDocument/2006/relationships" xmlns:p="http://schemas.openxmlformats.org/presentationml/2006/main" showMasterSp="0" showMasterPhAnim="0">
   <p:cSld>
     <p:spTree>
       <p:nvGrpSpPr>
-        <p:cNvPr id="107" name="Shape 107"/>
+        <p:cNvPr id="1" name="Shape 107"/>
         <p:cNvGrpSpPr/>
         <p:nvPr/>
       </p:nvGrpSpPr>
@@ -2014,9 +2094,11 @@
       <p:sp>
         <p:nvSpPr>
           <p:cNvPr id="108" name="Google Shape;108;g77f18f6bd1_0_920:notes"/>
-          <p:cNvSpPr/>
+          <p:cNvSpPr>
+            <a:spLocks noGrp="1" noRot="1" noChangeAspect="1"/>
+          </p:cNvSpPr>
           <p:nvPr>
-            <p:ph idx="2" type="sldImg"/>
+            <p:ph type="sldImg" idx="2"/>
           </p:nvPr>
         </p:nvSpPr>
         <p:spPr>
@@ -2025,9 +2107,13 @@
             <a:ext cx="6096000" cy="3429000"/>
           </a:xfrm>
           <a:custGeom>
-            <a:rect b="b" l="l" r="r" t="t"/>
+            <a:avLst/>
+            <a:gdLst/>
+            <a:ahLst/>
+            <a:cxnLst/>
+            <a:rect l="l" t="t" r="r" b="b"/>
             <a:pathLst>
-              <a:path extrusionOk="0" h="120000" w="120000">
+              <a:path w="120000" h="120000" extrusionOk="0">
                 <a:moveTo>
                   <a:pt x="0" y="0"/>
                 </a:moveTo>
@@ -2049,9 +2135,11 @@
       <p:sp>
         <p:nvSpPr>
           <p:cNvPr id="109" name="Google Shape;109;g77f18f6bd1_0_920:notes"/>
-          <p:cNvSpPr txBox="1"/>
+          <p:cNvSpPr txBox="1">
+            <a:spLocks noGrp="1"/>
+          </p:cNvSpPr>
           <p:nvPr>
-            <p:ph idx="1" type="body"/>
+            <p:ph type="body" idx="1"/>
           </p:nvPr>
         </p:nvSpPr>
         <p:spPr>
@@ -2064,12 +2152,12 @@
           </a:prstGeom>
         </p:spPr>
         <p:txBody>
-          <a:bodyPr anchorCtr="0" anchor="t" bIns="91425" lIns="91425" spcFirstLastPara="1" rIns="91425" wrap="square" tIns="91425">
+          <a:bodyPr spcFirstLastPara="1" wrap="square" lIns="91425" tIns="91425" rIns="91425" bIns="91425" anchor="t" anchorCtr="0">
             <a:noAutofit/>
           </a:bodyPr>
           <a:lstStyle/>
           <a:p>
-            <a:pPr indent="0" lvl="0" marL="0" rtl="0" algn="l">
+            <a:pPr marL="0" lvl="0" indent="0" algn="l" rtl="0">
               <a:spcBef>
                 <a:spcPts val="0"/>
               </a:spcBef>
@@ -2078,9 +2166,6 @@
               </a:spcAft>
               <a:buNone/>
             </a:pPr>
-            <a:r>
-              <a:t/>
-            </a:r>
             <a:endParaRPr/>
           </a:p>
         </p:txBody>
@@ -2094,11 +2179,11 @@
 </file>
 
 <file path=ppt/notesSlides/notesSlide7.xml><?xml version="1.0" encoding="utf-8"?>
-<p:notes xmlns:a="http://schemas.openxmlformats.org/drawingml/2006/main" xmlns:r="http://schemas.openxmlformats.org/officeDocument/2006/relationships" xmlns:mc="http://schemas.openxmlformats.org/markup-compatibility/2006" xmlns:mv="urn:schemas-microsoft-com:mac:vml" xmlns:p="http://schemas.openxmlformats.org/presentationml/2006/main" xmlns:c="http://schemas.openxmlformats.org/drawingml/2006/chart" xmlns:dgm="http://schemas.openxmlformats.org/drawingml/2006/diagram" xmlns:o="urn:schemas-microsoft-com:office:office" xmlns:v="urn:schemas-microsoft-com:vml" xmlns:pvml="urn:schemas-microsoft-com:office:powerpoint" xmlns:com="http://schemas.openxmlformats.org/drawingml/2006/compatibility" xmlns:p14="http://schemas.microsoft.com/office/powerpoint/2010/main" xmlns:p15="http://schemas.microsoft.com/office/powerpoint/2012/main" showMasterPhAnim="0" showMasterSp="0">
+<p:notes xmlns:a="http://schemas.openxmlformats.org/drawingml/2006/main" xmlns:r="http://schemas.openxmlformats.org/officeDocument/2006/relationships" xmlns:p="http://schemas.openxmlformats.org/presentationml/2006/main" showMasterSp="0" showMasterPhAnim="0">
   <p:cSld>
     <p:spTree>
       <p:nvGrpSpPr>
-        <p:cNvPr id="115" name="Shape 115"/>
+        <p:cNvPr id="1" name="Shape 115"/>
         <p:cNvGrpSpPr/>
         <p:nvPr/>
       </p:nvGrpSpPr>
@@ -2113,9 +2198,11 @@
       <p:sp>
         <p:nvSpPr>
           <p:cNvPr id="116" name="Google Shape;116;g77f18f6bd1_0_930:notes"/>
-          <p:cNvSpPr/>
+          <p:cNvSpPr>
+            <a:spLocks noGrp="1" noRot="1" noChangeAspect="1"/>
+          </p:cNvSpPr>
           <p:nvPr>
-            <p:ph idx="2" type="sldImg"/>
+            <p:ph type="sldImg" idx="2"/>
           </p:nvPr>
         </p:nvSpPr>
         <p:spPr>
@@ -2124,9 +2211,13 @@
             <a:ext cx="6096000" cy="3429000"/>
           </a:xfrm>
           <a:custGeom>
-            <a:rect b="b" l="l" r="r" t="t"/>
+            <a:avLst/>
+            <a:gdLst/>
+            <a:ahLst/>
+            <a:cxnLst/>
+            <a:rect l="l" t="t" r="r" b="b"/>
             <a:pathLst>
-              <a:path extrusionOk="0" h="120000" w="120000">
+              <a:path w="120000" h="120000" extrusionOk="0">
                 <a:moveTo>
                   <a:pt x="0" y="0"/>
                 </a:moveTo>
@@ -2148,9 +2239,11 @@
       <p:sp>
         <p:nvSpPr>
           <p:cNvPr id="117" name="Google Shape;117;g77f18f6bd1_0_930:notes"/>
-          <p:cNvSpPr txBox="1"/>
+          <p:cNvSpPr txBox="1">
+            <a:spLocks noGrp="1"/>
+          </p:cNvSpPr>
           <p:nvPr>
-            <p:ph idx="1" type="body"/>
+            <p:ph type="body" idx="1"/>
           </p:nvPr>
         </p:nvSpPr>
         <p:spPr>
@@ -2163,12 +2256,12 @@
           </a:prstGeom>
         </p:spPr>
         <p:txBody>
-          <a:bodyPr anchorCtr="0" anchor="t" bIns="91425" lIns="91425" spcFirstLastPara="1" rIns="91425" wrap="square" tIns="91425">
+          <a:bodyPr spcFirstLastPara="1" wrap="square" lIns="91425" tIns="91425" rIns="91425" bIns="91425" anchor="t" anchorCtr="0">
             <a:noAutofit/>
           </a:bodyPr>
           <a:lstStyle/>
           <a:p>
-            <a:pPr indent="0" lvl="0" marL="0" rtl="0" algn="l">
+            <a:pPr marL="0" lvl="0" indent="0" algn="l" rtl="0">
               <a:spcBef>
                 <a:spcPts val="0"/>
               </a:spcBef>
@@ -2177,9 +2270,6 @@
               </a:spcAft>
               <a:buNone/>
             </a:pPr>
-            <a:r>
-              <a:t/>
-            </a:r>
             <a:endParaRPr/>
           </a:p>
         </p:txBody>
@@ -2193,11 +2283,11 @@
 </file>
 
 <file path=ppt/notesSlides/notesSlide8.xml><?xml version="1.0" encoding="utf-8"?>
-<p:notes xmlns:a="http://schemas.openxmlformats.org/drawingml/2006/main" xmlns:r="http://schemas.openxmlformats.org/officeDocument/2006/relationships" xmlns:mc="http://schemas.openxmlformats.org/markup-compatibility/2006" xmlns:mv="urn:schemas-microsoft-com:mac:vml" xmlns:p="http://schemas.openxmlformats.org/presentationml/2006/main" xmlns:c="http://schemas.openxmlformats.org/drawingml/2006/chart" xmlns:dgm="http://schemas.openxmlformats.org/drawingml/2006/diagram" xmlns:o="urn:schemas-microsoft-com:office:office" xmlns:v="urn:schemas-microsoft-com:vml" xmlns:pvml="urn:schemas-microsoft-com:office:powerpoint" xmlns:com="http://schemas.openxmlformats.org/drawingml/2006/compatibility" xmlns:p14="http://schemas.microsoft.com/office/powerpoint/2010/main" xmlns:p15="http://schemas.microsoft.com/office/powerpoint/2012/main" showMasterPhAnim="0" showMasterSp="0">
+<p:notes xmlns:a="http://schemas.openxmlformats.org/drawingml/2006/main" xmlns:r="http://schemas.openxmlformats.org/officeDocument/2006/relationships" xmlns:p="http://schemas.openxmlformats.org/presentationml/2006/main" showMasterSp="0" showMasterPhAnim="0">
   <p:cSld>
     <p:spTree>
       <p:nvGrpSpPr>
-        <p:cNvPr id="122" name="Shape 122"/>
+        <p:cNvPr id="1" name="Shape 122"/>
         <p:cNvGrpSpPr/>
         <p:nvPr/>
       </p:nvGrpSpPr>
@@ -2212,20 +2302,26 @@
       <p:sp>
         <p:nvSpPr>
           <p:cNvPr id="123" name="Google Shape;123;g77f18f6bd1_0_215:notes"/>
-          <p:cNvSpPr/>
+          <p:cNvSpPr>
+            <a:spLocks noGrp="1" noRot="1" noChangeAspect="1"/>
+          </p:cNvSpPr>
           <p:nvPr>
-            <p:ph idx="2" type="sldImg"/>
+            <p:ph type="sldImg" idx="2"/>
           </p:nvPr>
         </p:nvSpPr>
         <p:spPr>
           <a:xfrm>
-            <a:off x="381300" y="685800"/>
+            <a:off x="381000" y="685800"/>
             <a:ext cx="6096000" cy="3429000"/>
           </a:xfrm>
           <a:custGeom>
-            <a:rect b="b" l="l" r="r" t="t"/>
+            <a:avLst/>
+            <a:gdLst/>
+            <a:ahLst/>
+            <a:cxnLst/>
+            <a:rect l="l" t="t" r="r" b="b"/>
             <a:pathLst>
-              <a:path extrusionOk="0" h="120000" w="120000">
+              <a:path w="120000" h="120000" extrusionOk="0">
                 <a:moveTo>
                   <a:pt x="0" y="0"/>
                 </a:moveTo>
@@ -2247,9 +2343,11 @@
       <p:sp>
         <p:nvSpPr>
           <p:cNvPr id="124" name="Google Shape;124;g77f18f6bd1_0_215:notes"/>
-          <p:cNvSpPr txBox="1"/>
+          <p:cNvSpPr txBox="1">
+            <a:spLocks noGrp="1"/>
+          </p:cNvSpPr>
           <p:nvPr>
-            <p:ph idx="1" type="body"/>
+            <p:ph type="body" idx="1"/>
           </p:nvPr>
         </p:nvSpPr>
         <p:spPr>
@@ -2262,12 +2360,12 @@
           </a:prstGeom>
         </p:spPr>
         <p:txBody>
-          <a:bodyPr anchorCtr="0" anchor="t" bIns="91425" lIns="91425" spcFirstLastPara="1" rIns="91425" wrap="square" tIns="91425">
+          <a:bodyPr spcFirstLastPara="1" wrap="square" lIns="91425" tIns="91425" rIns="91425" bIns="91425" anchor="t" anchorCtr="0">
             <a:noAutofit/>
           </a:bodyPr>
           <a:lstStyle/>
           <a:p>
-            <a:pPr indent="0" lvl="0" marL="0" rtl="0" algn="l">
+            <a:pPr marL="0" lvl="0" indent="0" algn="l" rtl="0">
               <a:spcBef>
                 <a:spcPts val="0"/>
               </a:spcBef>
@@ -2276,9 +2374,6 @@
               </a:spcAft>
               <a:buNone/>
             </a:pPr>
-            <a:r>
-              <a:t/>
-            </a:r>
             <a:endParaRPr/>
           </a:p>
         </p:txBody>
@@ -2292,11 +2387,11 @@
 </file>
 
 <file path=ppt/notesSlides/notesSlide9.xml><?xml version="1.0" encoding="utf-8"?>
-<p:notes xmlns:a="http://schemas.openxmlformats.org/drawingml/2006/main" xmlns:r="http://schemas.openxmlformats.org/officeDocument/2006/relationships" xmlns:mc="http://schemas.openxmlformats.org/markup-compatibility/2006" xmlns:mv="urn:schemas-microsoft-com:mac:vml" xmlns:p="http://schemas.openxmlformats.org/presentationml/2006/main" xmlns:c="http://schemas.openxmlformats.org/drawingml/2006/chart" xmlns:dgm="http://schemas.openxmlformats.org/drawingml/2006/diagram" xmlns:o="urn:schemas-microsoft-com:office:office" xmlns:v="urn:schemas-microsoft-com:vml" xmlns:pvml="urn:schemas-microsoft-com:office:powerpoint" xmlns:com="http://schemas.openxmlformats.org/drawingml/2006/compatibility" xmlns:p14="http://schemas.microsoft.com/office/powerpoint/2010/main" xmlns:p15="http://schemas.microsoft.com/office/powerpoint/2012/main" showMasterPhAnim="0" showMasterSp="0">
+<p:notes xmlns:a="http://schemas.openxmlformats.org/drawingml/2006/main" xmlns:r="http://schemas.openxmlformats.org/officeDocument/2006/relationships" xmlns:p="http://schemas.openxmlformats.org/presentationml/2006/main" showMasterSp="0" showMasterPhAnim="0">
   <p:cSld>
     <p:spTree>
       <p:nvGrpSpPr>
-        <p:cNvPr id="145" name="Shape 145"/>
+        <p:cNvPr id="1" name="Shape 145"/>
         <p:cNvGrpSpPr/>
         <p:nvPr/>
       </p:nvGrpSpPr>
@@ -2311,9 +2406,11 @@
       <p:sp>
         <p:nvSpPr>
           <p:cNvPr id="146" name="Google Shape;146;g77f18f6bd1_0_167:notes"/>
-          <p:cNvSpPr/>
+          <p:cNvSpPr>
+            <a:spLocks noGrp="1" noRot="1" noChangeAspect="1"/>
+          </p:cNvSpPr>
           <p:nvPr>
-            <p:ph idx="2" type="sldImg"/>
+            <p:ph type="sldImg" idx="2"/>
           </p:nvPr>
         </p:nvSpPr>
         <p:spPr>
@@ -2322,9 +2419,13 @@
             <a:ext cx="6096000" cy="3429000"/>
           </a:xfrm>
           <a:custGeom>
-            <a:rect b="b" l="l" r="r" t="t"/>
+            <a:avLst/>
+            <a:gdLst/>
+            <a:ahLst/>
+            <a:cxnLst/>
+            <a:rect l="l" t="t" r="r" b="b"/>
             <a:pathLst>
-              <a:path extrusionOk="0" h="120000" w="120000">
+              <a:path w="120000" h="120000" extrusionOk="0">
                 <a:moveTo>
                   <a:pt x="0" y="0"/>
                 </a:moveTo>
@@ -2346,9 +2447,11 @@
       <p:sp>
         <p:nvSpPr>
           <p:cNvPr id="147" name="Google Shape;147;g77f18f6bd1_0_167:notes"/>
-          <p:cNvSpPr txBox="1"/>
+          <p:cNvSpPr txBox="1">
+            <a:spLocks noGrp="1"/>
+          </p:cNvSpPr>
           <p:nvPr>
-            <p:ph idx="1" type="body"/>
+            <p:ph type="body" idx="1"/>
           </p:nvPr>
         </p:nvSpPr>
         <p:spPr>
@@ -2361,12 +2464,12 @@
           </a:prstGeom>
         </p:spPr>
         <p:txBody>
-          <a:bodyPr anchorCtr="0" anchor="t" bIns="91425" lIns="91425" spcFirstLastPara="1" rIns="91425" wrap="square" tIns="91425">
+          <a:bodyPr spcFirstLastPara="1" wrap="square" lIns="91425" tIns="91425" rIns="91425" bIns="91425" anchor="t" anchorCtr="0">
             <a:noAutofit/>
           </a:bodyPr>
           <a:lstStyle/>
           <a:p>
-            <a:pPr indent="0" lvl="0" marL="0" rtl="0" algn="l">
+            <a:pPr marL="0" lvl="0" indent="0" algn="l" rtl="0">
               <a:spcBef>
                 <a:spcPts val="0"/>
               </a:spcBef>
@@ -2375,9 +2478,6 @@
               </a:spcAft>
               <a:buNone/>
             </a:pPr>
-            <a:r>
-              <a:t/>
-            </a:r>
             <a:endParaRPr/>
           </a:p>
         </p:txBody>
@@ -2391,11 +2491,11 @@
 </file>
 
 <file path=ppt/slideLayouts/slideLayout1.xml><?xml version="1.0" encoding="utf-8"?>
-<p:sldLayout xmlns:a="http://schemas.openxmlformats.org/drawingml/2006/main" xmlns:r="http://schemas.openxmlformats.org/officeDocument/2006/relationships" xmlns:mc="http://schemas.openxmlformats.org/markup-compatibility/2006" xmlns:mv="urn:schemas-microsoft-com:mac:vml" xmlns:p="http://schemas.openxmlformats.org/presentationml/2006/main" xmlns:c="http://schemas.openxmlformats.org/drawingml/2006/chart" xmlns:dgm="http://schemas.openxmlformats.org/drawingml/2006/diagram" xmlns:o="urn:schemas-microsoft-com:office:office" xmlns:v="urn:schemas-microsoft-com:vml" xmlns:pvml="urn:schemas-microsoft-com:office:powerpoint" xmlns:com="http://schemas.openxmlformats.org/drawingml/2006/compatibility" xmlns:p14="http://schemas.microsoft.com/office/powerpoint/2010/main" xmlns:p15="http://schemas.microsoft.com/office/powerpoint/2012/main" matchingName="Title slide" type="title">
+<p:sldLayout xmlns:a="http://schemas.openxmlformats.org/drawingml/2006/main" xmlns:r="http://schemas.openxmlformats.org/officeDocument/2006/relationships" xmlns:p="http://schemas.openxmlformats.org/presentationml/2006/main" matchingName="Title slide" type="title">
   <p:cSld name="TITLE">
     <p:spTree>
       <p:nvGrpSpPr>
-        <p:cNvPr id="9" name="Shape 9"/>
+        <p:cNvPr id="1" name="Shape 9"/>
         <p:cNvGrpSpPr/>
         <p:nvPr/>
       </p:nvGrpSpPr>
@@ -2422,14 +2522,14 @@
             <a:avLst/>
           </a:prstGeom>
           <a:noFill/>
-          <a:ln cap="flat" cmpd="sng" w="76200">
+          <a:ln w="76200" cap="flat" cmpd="sng">
             <a:solidFill>
               <a:schemeClr val="lt2"/>
             </a:solidFill>
             <a:prstDash val="solid"/>
             <a:round/>
-            <a:headEnd len="sm" w="sm" type="none"/>
-            <a:tailEnd len="sm" w="sm" type="none"/>
+            <a:headEnd type="none" w="sm" len="sm"/>
+            <a:tailEnd type="none" w="sm" len="sm"/>
           </a:ln>
         </p:spPr>
       </p:cxnSp>
@@ -2448,14 +2548,14 @@
             <a:avLst/>
           </a:prstGeom>
           <a:noFill/>
-          <a:ln cap="flat" cmpd="sng" w="76200">
+          <a:ln w="76200" cap="flat" cmpd="sng">
             <a:solidFill>
               <a:schemeClr val="lt2"/>
             </a:solidFill>
             <a:prstDash val="solid"/>
             <a:round/>
-            <a:headEnd len="sm" w="sm" type="none"/>
-            <a:tailEnd len="sm" w="sm" type="none"/>
+            <a:headEnd type="none" w="sm" len="sm"/>
+            <a:tailEnd type="none" w="sm" len="sm"/>
           </a:ln>
         </p:spPr>
       </p:cxnSp>
@@ -2488,14 +2588,14 @@
               <a:avLst/>
             </a:prstGeom>
             <a:noFill/>
-            <a:ln cap="flat" cmpd="sng" w="76200">
+            <a:ln w="76200" cap="flat" cmpd="sng">
               <a:solidFill>
                 <a:schemeClr val="accent3"/>
               </a:solidFill>
               <a:prstDash val="solid"/>
               <a:round/>
-              <a:headEnd len="sm" w="sm" type="none"/>
-              <a:tailEnd len="sm" w="sm" type="none"/>
+              <a:headEnd type="none" w="sm" len="sm"/>
+              <a:tailEnd type="none" w="sm" len="sm"/>
             </a:ln>
           </p:spPr>
         </p:cxnSp>
@@ -2514,14 +2614,14 @@
               <a:avLst/>
             </a:prstGeom>
             <a:noFill/>
-            <a:ln cap="flat" cmpd="sng" w="9525">
+            <a:ln w="9525" cap="flat" cmpd="sng">
               <a:solidFill>
                 <a:schemeClr val="accent3"/>
               </a:solidFill>
               <a:prstDash val="solid"/>
               <a:round/>
-              <a:headEnd len="sm" w="sm" type="none"/>
-              <a:tailEnd len="sm" w="sm" type="none"/>
+              <a:headEnd type="none" w="sm" len="sm"/>
+              <a:tailEnd type="none" w="sm" len="sm"/>
             </a:ln>
           </p:spPr>
         </p:cxnSp>
@@ -2555,14 +2655,14 @@
               <a:avLst/>
             </a:prstGeom>
             <a:noFill/>
-            <a:ln cap="flat" cmpd="sng" w="76200">
+            <a:ln w="76200" cap="flat" cmpd="sng">
               <a:solidFill>
                 <a:schemeClr val="accent3"/>
               </a:solidFill>
               <a:prstDash val="solid"/>
               <a:round/>
-              <a:headEnd len="sm" w="sm" type="none"/>
-              <a:tailEnd len="sm" w="sm" type="none"/>
+              <a:headEnd type="none" w="sm" len="sm"/>
+              <a:tailEnd type="none" w="sm" len="sm"/>
             </a:ln>
           </p:spPr>
         </p:cxnSp>
@@ -2581,14 +2681,14 @@
               <a:avLst/>
             </a:prstGeom>
             <a:noFill/>
-            <a:ln cap="flat" cmpd="sng" w="9525">
+            <a:ln w="9525" cap="flat" cmpd="sng">
               <a:solidFill>
                 <a:schemeClr val="accent3"/>
               </a:solidFill>
               <a:prstDash val="solid"/>
               <a:round/>
-              <a:headEnd len="sm" w="sm" type="none"/>
-              <a:tailEnd len="sm" w="sm" type="none"/>
+              <a:headEnd type="none" w="sm" len="sm"/>
+              <a:tailEnd type="none" w="sm" len="sm"/>
             </a:ln>
           </p:spPr>
         </p:cxnSp>
@@ -2596,7 +2696,9 @@
       <p:sp>
         <p:nvSpPr>
           <p:cNvPr id="18" name="Google Shape;18;p2"/>
-          <p:cNvSpPr txBox="1"/>
+          <p:cNvSpPr txBox="1">
+            <a:spLocks noGrp="1"/>
+          </p:cNvSpPr>
           <p:nvPr>
             <p:ph type="ctrTitle"/>
           </p:nvPr>
@@ -2611,7 +2713,7 @@
           </a:prstGeom>
         </p:spPr>
         <p:txBody>
-          <a:bodyPr anchorCtr="0" anchor="b" bIns="91425" lIns="91425" spcFirstLastPara="1" rIns="91425" wrap="square" tIns="91425">
+          <a:bodyPr spcFirstLastPara="1" wrap="square" lIns="91425" tIns="91425" rIns="91425" bIns="91425" anchor="b" anchorCtr="0">
             <a:noAutofit/>
           </a:bodyPr>
           <a:lstStyle>
@@ -2715,15 +2817,19 @@
               <a:defRPr sz="5400"/>
             </a:lvl9pPr>
           </a:lstStyle>
-          <a:p/>
+          <a:p>
+            <a:endParaRPr/>
+          </a:p>
         </p:txBody>
       </p:sp>
       <p:sp>
         <p:nvSpPr>
           <p:cNvPr id="19" name="Google Shape;19;p2"/>
-          <p:cNvSpPr txBox="1"/>
+          <p:cNvSpPr txBox="1">
+            <a:spLocks noGrp="1"/>
+          </p:cNvSpPr>
           <p:nvPr>
-            <p:ph idx="1" type="subTitle"/>
+            <p:ph type="subTitle" idx="1"/>
           </p:nvPr>
         </p:nvSpPr>
         <p:spPr>
@@ -2736,7 +2842,7 @@
           </a:prstGeom>
         </p:spPr>
         <p:txBody>
-          <a:bodyPr anchorCtr="0" anchor="t" bIns="91425" lIns="91425" spcFirstLastPara="1" rIns="91425" wrap="square" tIns="91425">
+          <a:bodyPr spcFirstLastPara="1" wrap="square" lIns="91425" tIns="91425" rIns="91425" bIns="91425" anchor="t" anchorCtr="0">
             <a:noAutofit/>
           </a:bodyPr>
           <a:lstStyle>
@@ -2867,15 +2973,19 @@
               <a:defRPr sz="2400"/>
             </a:lvl9pPr>
           </a:lstStyle>
-          <a:p/>
+          <a:p>
+            <a:endParaRPr/>
+          </a:p>
         </p:txBody>
       </p:sp>
       <p:sp>
         <p:nvSpPr>
           <p:cNvPr id="20" name="Google Shape;20;p2"/>
-          <p:cNvSpPr txBox="1"/>
+          <p:cNvSpPr txBox="1">
+            <a:spLocks noGrp="1"/>
+          </p:cNvSpPr>
           <p:nvPr>
-            <p:ph idx="12" type="sldNum"/>
+            <p:ph type="sldNum" idx="12"/>
           </p:nvPr>
         </p:nvSpPr>
         <p:spPr>
@@ -2888,7 +2998,7 @@
           </a:prstGeom>
         </p:spPr>
         <p:txBody>
-          <a:bodyPr anchorCtr="0" anchor="ctr" bIns="91425" lIns="91425" spcFirstLastPara="1" rIns="91425" wrap="square" tIns="91425">
+          <a:bodyPr spcFirstLastPara="1" wrap="square" lIns="91425" tIns="91425" rIns="91425" bIns="91425" anchor="ctr" anchorCtr="0">
             <a:noAutofit/>
           </a:bodyPr>
           <a:lstStyle>
@@ -2930,7 +3040,7 @@
             </a:lvl9pPr>
           </a:lstStyle>
           <a:p>
-            <a:pPr indent="0" lvl="0" marL="0" rtl="0" algn="r">
+            <a:pPr marL="0" lvl="0" indent="0" algn="r" rtl="0">
               <a:spcBef>
                 <a:spcPts val="0"/>
               </a:spcBef>
@@ -2956,11 +3066,11 @@
 </file>
 
 <file path=ppt/slideLayouts/slideLayout10.xml><?xml version="1.0" encoding="utf-8"?>
-<p:sldLayout xmlns:a="http://schemas.openxmlformats.org/drawingml/2006/main" xmlns:r="http://schemas.openxmlformats.org/officeDocument/2006/relationships" xmlns:mc="http://schemas.openxmlformats.org/markup-compatibility/2006" xmlns:mv="urn:schemas-microsoft-com:mac:vml" xmlns:p="http://schemas.openxmlformats.org/presentationml/2006/main" xmlns:c="http://schemas.openxmlformats.org/drawingml/2006/chart" xmlns:dgm="http://schemas.openxmlformats.org/drawingml/2006/diagram" xmlns:o="urn:schemas-microsoft-com:office:office" xmlns:v="urn:schemas-microsoft-com:vml" xmlns:pvml="urn:schemas-microsoft-com:office:powerpoint" xmlns:com="http://schemas.openxmlformats.org/drawingml/2006/compatibility" xmlns:p14="http://schemas.microsoft.com/office/powerpoint/2010/main" xmlns:p15="http://schemas.microsoft.com/office/powerpoint/2012/main" matchingName="Big number">
+<p:sldLayout xmlns:a="http://schemas.openxmlformats.org/drawingml/2006/main" xmlns:r="http://schemas.openxmlformats.org/officeDocument/2006/relationships" xmlns:p="http://schemas.openxmlformats.org/presentationml/2006/main" matchingName="Big number">
   <p:cSld name="BIG_NUMBER">
     <p:spTree>
       <p:nvGrpSpPr>
-        <p:cNvPr id="55" name="Shape 55"/>
+        <p:cNvPr id="1" name="Shape 55"/>
         <p:cNvGrpSpPr/>
         <p:nvPr/>
       </p:nvGrpSpPr>
@@ -2994,12 +3104,12 @@
           </a:ln>
         </p:spPr>
         <p:txBody>
-          <a:bodyPr anchorCtr="0" anchor="ctr" bIns="91425" lIns="91425" spcFirstLastPara="1" rIns="91425" wrap="square" tIns="91425">
+          <a:bodyPr spcFirstLastPara="1" wrap="square" lIns="91425" tIns="91425" rIns="91425" bIns="91425" anchor="ctr" anchorCtr="0">
             <a:noAutofit/>
           </a:bodyPr>
           <a:lstStyle/>
           <a:p>
-            <a:pPr indent="0" lvl="0" marL="0" rtl="0" algn="l">
+            <a:pPr marL="0" lvl="0" indent="0" algn="l" rtl="0">
               <a:spcBef>
                 <a:spcPts val="0"/>
               </a:spcBef>
@@ -3008,9 +3118,6 @@
               </a:spcAft>
               <a:buNone/>
             </a:pPr>
-            <a:r>
-              <a:t/>
-            </a:r>
             <a:endParaRPr/>
           </a:p>
         </p:txBody>
@@ -3018,9 +3125,11 @@
       <p:sp>
         <p:nvSpPr>
           <p:cNvPr id="57" name="Google Shape;57;p11"/>
-          <p:cNvSpPr txBox="1"/>
+          <p:cNvSpPr txBox="1">
+            <a:spLocks noGrp="1"/>
+          </p:cNvSpPr>
           <p:nvPr>
-            <p:ph hasCustomPrompt="1" type="title"/>
+            <p:ph type="title" hasCustomPrompt="1"/>
           </p:nvPr>
         </p:nvSpPr>
         <p:spPr>
@@ -3033,7 +3142,7 @@
           </a:prstGeom>
         </p:spPr>
         <p:txBody>
-          <a:bodyPr anchorCtr="0" anchor="ctr" bIns="91425" lIns="91425" spcFirstLastPara="1" rIns="91425" wrap="square" tIns="91425">
+          <a:bodyPr spcFirstLastPara="1" wrap="square" lIns="91425" tIns="91425" rIns="91425" bIns="91425" anchor="ctr" anchorCtr="0">
             <a:noAutofit/>
           </a:bodyPr>
           <a:lstStyle>
@@ -3210,9 +3319,11 @@
       <p:sp>
         <p:nvSpPr>
           <p:cNvPr id="58" name="Google Shape;58;p11"/>
-          <p:cNvSpPr txBox="1"/>
+          <p:cNvSpPr txBox="1">
+            <a:spLocks noGrp="1"/>
+          </p:cNvSpPr>
           <p:nvPr>
-            <p:ph idx="1" type="body"/>
+            <p:ph type="body" idx="1"/>
           </p:nvPr>
         </p:nvSpPr>
         <p:spPr>
@@ -3225,11 +3336,11 @@
           </a:prstGeom>
         </p:spPr>
         <p:txBody>
-          <a:bodyPr anchorCtr="0" anchor="t" bIns="91425" lIns="91425" spcFirstLastPara="1" rIns="91425" wrap="square" tIns="91425">
+          <a:bodyPr spcFirstLastPara="1" wrap="square" lIns="91425" tIns="91425" rIns="91425" bIns="91425" anchor="t" anchorCtr="0">
             <a:noAutofit/>
           </a:bodyPr>
           <a:lstStyle>
-            <a:lvl1pPr indent="-342900" lvl="0" marL="457200" algn="ctr">
+            <a:lvl1pPr marL="457200" lvl="0" indent="-342900" algn="ctr">
               <a:spcBef>
                 <a:spcPts val="0"/>
               </a:spcBef>
@@ -3240,7 +3351,7 @@
               <a:buChar char="●"/>
               <a:defRPr/>
             </a:lvl1pPr>
-            <a:lvl2pPr indent="-317500" lvl="1" marL="914400" algn="ctr">
+            <a:lvl2pPr marL="914400" lvl="1" indent="-317500" algn="ctr">
               <a:spcBef>
                 <a:spcPts val="1600"/>
               </a:spcBef>
@@ -3251,7 +3362,7 @@
               <a:buChar char="○"/>
               <a:defRPr/>
             </a:lvl2pPr>
-            <a:lvl3pPr indent="-317500" lvl="2" marL="1371600" algn="ctr">
+            <a:lvl3pPr marL="1371600" lvl="2" indent="-317500" algn="ctr">
               <a:spcBef>
                 <a:spcPts val="1600"/>
               </a:spcBef>
@@ -3262,7 +3373,7 @@
               <a:buChar char="■"/>
               <a:defRPr/>
             </a:lvl3pPr>
-            <a:lvl4pPr indent="-317500" lvl="3" marL="1828800" algn="ctr">
+            <a:lvl4pPr marL="1828800" lvl="3" indent="-317500" algn="ctr">
               <a:spcBef>
                 <a:spcPts val="1600"/>
               </a:spcBef>
@@ -3273,7 +3384,7 @@
               <a:buChar char="●"/>
               <a:defRPr/>
             </a:lvl4pPr>
-            <a:lvl5pPr indent="-317500" lvl="4" marL="2286000" algn="ctr">
+            <a:lvl5pPr marL="2286000" lvl="4" indent="-317500" algn="ctr">
               <a:spcBef>
                 <a:spcPts val="1600"/>
               </a:spcBef>
@@ -3284,7 +3395,7 @@
               <a:buChar char="○"/>
               <a:defRPr/>
             </a:lvl5pPr>
-            <a:lvl6pPr indent="-317500" lvl="5" marL="2743200" algn="ctr">
+            <a:lvl6pPr marL="2743200" lvl="5" indent="-317500" algn="ctr">
               <a:spcBef>
                 <a:spcPts val="1600"/>
               </a:spcBef>
@@ -3295,7 +3406,7 @@
               <a:buChar char="■"/>
               <a:defRPr/>
             </a:lvl6pPr>
-            <a:lvl7pPr indent="-317500" lvl="6" marL="3200400" algn="ctr">
+            <a:lvl7pPr marL="3200400" lvl="6" indent="-317500" algn="ctr">
               <a:spcBef>
                 <a:spcPts val="1600"/>
               </a:spcBef>
@@ -3306,7 +3417,7 @@
               <a:buChar char="●"/>
               <a:defRPr/>
             </a:lvl7pPr>
-            <a:lvl8pPr indent="-317500" lvl="7" marL="3657600" algn="ctr">
+            <a:lvl8pPr marL="3657600" lvl="7" indent="-317500" algn="ctr">
               <a:spcBef>
                 <a:spcPts val="1600"/>
               </a:spcBef>
@@ -3317,7 +3428,7 @@
               <a:buChar char="○"/>
               <a:defRPr/>
             </a:lvl8pPr>
-            <a:lvl9pPr indent="-317500" lvl="8" marL="4114800" algn="ctr">
+            <a:lvl9pPr marL="4114800" lvl="8" indent="-317500" algn="ctr">
               <a:spcBef>
                 <a:spcPts val="1600"/>
               </a:spcBef>
@@ -3329,15 +3440,19 @@
               <a:defRPr/>
             </a:lvl9pPr>
           </a:lstStyle>
-          <a:p/>
+          <a:p>
+            <a:endParaRPr/>
+          </a:p>
         </p:txBody>
       </p:sp>
       <p:sp>
         <p:nvSpPr>
           <p:cNvPr id="59" name="Google Shape;59;p11"/>
-          <p:cNvSpPr txBox="1"/>
+          <p:cNvSpPr txBox="1">
+            <a:spLocks noGrp="1"/>
+          </p:cNvSpPr>
           <p:nvPr>
-            <p:ph idx="12" type="sldNum"/>
+            <p:ph type="sldNum" idx="12"/>
           </p:nvPr>
         </p:nvSpPr>
         <p:spPr>
@@ -3350,7 +3465,7 @@
           </a:prstGeom>
         </p:spPr>
         <p:txBody>
-          <a:bodyPr anchorCtr="0" anchor="ctr" bIns="91425" lIns="91425" spcFirstLastPara="1" rIns="91425" wrap="square" tIns="91425">
+          <a:bodyPr spcFirstLastPara="1" wrap="square" lIns="91425" tIns="91425" rIns="91425" bIns="91425" anchor="ctr" anchorCtr="0">
             <a:noAutofit/>
           </a:bodyPr>
           <a:lstStyle>
@@ -3392,7 +3507,7 @@
             </a:lvl9pPr>
           </a:lstStyle>
           <a:p>
-            <a:pPr indent="0" lvl="0" marL="0" rtl="0" algn="r">
+            <a:pPr marL="0" lvl="0" indent="0" algn="r" rtl="0">
               <a:spcBef>
                 <a:spcPts val="0"/>
               </a:spcBef>
@@ -3418,11 +3533,11 @@
 </file>
 
 <file path=ppt/slideLayouts/slideLayout11.xml><?xml version="1.0" encoding="utf-8"?>
-<p:sldLayout xmlns:a="http://schemas.openxmlformats.org/drawingml/2006/main" xmlns:r="http://schemas.openxmlformats.org/officeDocument/2006/relationships" xmlns:mc="http://schemas.openxmlformats.org/markup-compatibility/2006" xmlns:mv="urn:schemas-microsoft-com:mac:vml" xmlns:p="http://schemas.openxmlformats.org/presentationml/2006/main" xmlns:c="http://schemas.openxmlformats.org/drawingml/2006/chart" xmlns:dgm="http://schemas.openxmlformats.org/drawingml/2006/diagram" xmlns:o="urn:schemas-microsoft-com:office:office" xmlns:v="urn:schemas-microsoft-com:vml" xmlns:pvml="urn:schemas-microsoft-com:office:powerpoint" xmlns:com="http://schemas.openxmlformats.org/drawingml/2006/compatibility" xmlns:p14="http://schemas.microsoft.com/office/powerpoint/2010/main" xmlns:p15="http://schemas.microsoft.com/office/powerpoint/2012/main" matchingName="Blank" type="blank">
+<p:sldLayout xmlns:a="http://schemas.openxmlformats.org/drawingml/2006/main" xmlns:r="http://schemas.openxmlformats.org/officeDocument/2006/relationships" xmlns:p="http://schemas.openxmlformats.org/presentationml/2006/main" matchingName="Blank" type="blank">
   <p:cSld name="BLANK">
     <p:spTree>
       <p:nvGrpSpPr>
-        <p:cNvPr id="60" name="Shape 60"/>
+        <p:cNvPr id="1" name="Shape 60"/>
         <p:cNvGrpSpPr/>
         <p:nvPr/>
       </p:nvGrpSpPr>
@@ -3437,9 +3552,11 @@
       <p:sp>
         <p:nvSpPr>
           <p:cNvPr id="61" name="Google Shape;61;p12"/>
-          <p:cNvSpPr txBox="1"/>
+          <p:cNvSpPr txBox="1">
+            <a:spLocks noGrp="1"/>
+          </p:cNvSpPr>
           <p:nvPr>
-            <p:ph idx="12" type="sldNum"/>
+            <p:ph type="sldNum" idx="12"/>
           </p:nvPr>
         </p:nvSpPr>
         <p:spPr>
@@ -3452,7 +3569,7 @@
           </a:prstGeom>
         </p:spPr>
         <p:txBody>
-          <a:bodyPr anchorCtr="0" anchor="ctr" bIns="91425" lIns="91425" spcFirstLastPara="1" rIns="91425" wrap="square" tIns="91425">
+          <a:bodyPr spcFirstLastPara="1" wrap="square" lIns="91425" tIns="91425" rIns="91425" bIns="91425" anchor="ctr" anchorCtr="0">
             <a:noAutofit/>
           </a:bodyPr>
           <a:lstStyle>
@@ -3494,7 +3611,7 @@
             </a:lvl9pPr>
           </a:lstStyle>
           <a:p>
-            <a:pPr indent="0" lvl="0" marL="0" rtl="0" algn="r">
+            <a:pPr marL="0" lvl="0" indent="0" algn="r" rtl="0">
               <a:spcBef>
                 <a:spcPts val="0"/>
               </a:spcBef>
@@ -3520,11 +3637,11 @@
 </file>
 
 <file path=ppt/slideLayouts/slideLayout2.xml><?xml version="1.0" encoding="utf-8"?>
-<p:sldLayout xmlns:a="http://schemas.openxmlformats.org/drawingml/2006/main" xmlns:r="http://schemas.openxmlformats.org/officeDocument/2006/relationships" xmlns:mc="http://schemas.openxmlformats.org/markup-compatibility/2006" xmlns:mv="urn:schemas-microsoft-com:mac:vml" xmlns:p="http://schemas.openxmlformats.org/presentationml/2006/main" xmlns:c="http://schemas.openxmlformats.org/drawingml/2006/chart" xmlns:dgm="http://schemas.openxmlformats.org/drawingml/2006/diagram" xmlns:o="urn:schemas-microsoft-com:office:office" xmlns:v="urn:schemas-microsoft-com:vml" xmlns:pvml="urn:schemas-microsoft-com:office:powerpoint" xmlns:com="http://schemas.openxmlformats.org/drawingml/2006/compatibility" xmlns:p14="http://schemas.microsoft.com/office/powerpoint/2010/main" xmlns:p15="http://schemas.microsoft.com/office/powerpoint/2012/main" matchingName="Section header" type="secHead">
+<p:sldLayout xmlns:a="http://schemas.openxmlformats.org/drawingml/2006/main" xmlns:r="http://schemas.openxmlformats.org/officeDocument/2006/relationships" xmlns:p="http://schemas.openxmlformats.org/presentationml/2006/main" matchingName="Section header" type="secHead">
   <p:cSld name="SECTION_HEADER">
     <p:spTree>
       <p:nvGrpSpPr>
-        <p:cNvPr id="21" name="Shape 21"/>
+        <p:cNvPr id="1" name="Shape 21"/>
         <p:cNvGrpSpPr/>
         <p:nvPr/>
       </p:nvGrpSpPr>
@@ -3558,12 +3675,12 @@
           </a:ln>
         </p:spPr>
         <p:txBody>
-          <a:bodyPr anchorCtr="0" anchor="ctr" bIns="91425" lIns="91425" spcFirstLastPara="1" rIns="91425" wrap="square" tIns="91425">
+          <a:bodyPr spcFirstLastPara="1" wrap="square" lIns="91425" tIns="91425" rIns="91425" bIns="91425" anchor="ctr" anchorCtr="0">
             <a:noAutofit/>
           </a:bodyPr>
           <a:lstStyle/>
           <a:p>
-            <a:pPr indent="0" lvl="0" marL="0" rtl="0" algn="l">
+            <a:pPr marL="0" lvl="0" indent="0" algn="l" rtl="0">
               <a:spcBef>
                 <a:spcPts val="0"/>
               </a:spcBef>
@@ -3572,9 +3689,6 @@
               </a:spcAft>
               <a:buNone/>
             </a:pPr>
-            <a:r>
-              <a:t/>
-            </a:r>
             <a:endParaRPr/>
           </a:p>
         </p:txBody>
@@ -3582,7 +3696,9 @@
       <p:sp>
         <p:nvSpPr>
           <p:cNvPr id="23" name="Google Shape;23;p3"/>
-          <p:cNvSpPr txBox="1"/>
+          <p:cNvSpPr txBox="1">
+            <a:spLocks noGrp="1"/>
+          </p:cNvSpPr>
           <p:nvPr>
             <p:ph type="title"/>
           </p:nvPr>
@@ -3597,7 +3713,7 @@
           </a:prstGeom>
         </p:spPr>
         <p:txBody>
-          <a:bodyPr anchorCtr="0" anchor="ctr" bIns="91425" lIns="91425" spcFirstLastPara="1" rIns="91425" wrap="square" tIns="91425">
+          <a:bodyPr spcFirstLastPara="1" wrap="square" lIns="91425" tIns="91425" rIns="91425" bIns="91425" anchor="ctr" anchorCtr="0">
             <a:noAutofit/>
           </a:bodyPr>
           <a:lstStyle>
@@ -3701,15 +3817,19 @@
               <a:defRPr/>
             </a:lvl9pPr>
           </a:lstStyle>
-          <a:p/>
+          <a:p>
+            <a:endParaRPr/>
+          </a:p>
         </p:txBody>
       </p:sp>
       <p:sp>
         <p:nvSpPr>
           <p:cNvPr id="24" name="Google Shape;24;p3"/>
-          <p:cNvSpPr txBox="1"/>
+          <p:cNvSpPr txBox="1">
+            <a:spLocks noGrp="1"/>
+          </p:cNvSpPr>
           <p:nvPr>
-            <p:ph idx="12" type="sldNum"/>
+            <p:ph type="sldNum" idx="12"/>
           </p:nvPr>
         </p:nvSpPr>
         <p:spPr>
@@ -3722,7 +3842,7 @@
           </a:prstGeom>
         </p:spPr>
         <p:txBody>
-          <a:bodyPr anchorCtr="0" anchor="ctr" bIns="91425" lIns="91425" spcFirstLastPara="1" rIns="91425" wrap="square" tIns="91425">
+          <a:bodyPr spcFirstLastPara="1" wrap="square" lIns="91425" tIns="91425" rIns="91425" bIns="91425" anchor="ctr" anchorCtr="0">
             <a:noAutofit/>
           </a:bodyPr>
           <a:lstStyle>
@@ -3800,7 +3920,7 @@
             </a:lvl9pPr>
           </a:lstStyle>
           <a:p>
-            <a:pPr indent="0" lvl="0" marL="0" rtl="0" algn="r">
+            <a:pPr marL="0" lvl="0" indent="0" algn="r" rtl="0">
               <a:spcBef>
                 <a:spcPts val="0"/>
               </a:spcBef>
@@ -3826,11 +3946,11 @@
 </file>
 
 <file path=ppt/slideLayouts/slideLayout3.xml><?xml version="1.0" encoding="utf-8"?>
-<p:sldLayout xmlns:a="http://schemas.openxmlformats.org/drawingml/2006/main" xmlns:r="http://schemas.openxmlformats.org/officeDocument/2006/relationships" xmlns:mc="http://schemas.openxmlformats.org/markup-compatibility/2006" xmlns:mv="urn:schemas-microsoft-com:mac:vml" xmlns:p="http://schemas.openxmlformats.org/presentationml/2006/main" xmlns:c="http://schemas.openxmlformats.org/drawingml/2006/chart" xmlns:dgm="http://schemas.openxmlformats.org/drawingml/2006/diagram" xmlns:o="urn:schemas-microsoft-com:office:office" xmlns:v="urn:schemas-microsoft-com:vml" xmlns:pvml="urn:schemas-microsoft-com:office:powerpoint" xmlns:com="http://schemas.openxmlformats.org/drawingml/2006/compatibility" xmlns:p14="http://schemas.microsoft.com/office/powerpoint/2010/main" xmlns:p15="http://schemas.microsoft.com/office/powerpoint/2012/main" matchingName="Title and body" type="tx">
+<p:sldLayout xmlns:a="http://schemas.openxmlformats.org/drawingml/2006/main" xmlns:r="http://schemas.openxmlformats.org/officeDocument/2006/relationships" xmlns:p="http://schemas.openxmlformats.org/presentationml/2006/main" matchingName="Title and body" type="tx">
   <p:cSld name="TITLE_AND_BODY">
     <p:spTree>
       <p:nvGrpSpPr>
-        <p:cNvPr id="25" name="Shape 25"/>
+        <p:cNvPr id="1" name="Shape 25"/>
         <p:cNvGrpSpPr/>
         <p:nvPr/>
       </p:nvGrpSpPr>
@@ -3864,12 +3984,12 @@
           </a:ln>
         </p:spPr>
         <p:txBody>
-          <a:bodyPr anchorCtr="0" anchor="ctr" bIns="91425" lIns="91425" spcFirstLastPara="1" rIns="91425" wrap="square" tIns="91425">
+          <a:bodyPr spcFirstLastPara="1" wrap="square" lIns="91425" tIns="91425" rIns="91425" bIns="91425" anchor="ctr" anchorCtr="0">
             <a:noAutofit/>
           </a:bodyPr>
           <a:lstStyle/>
           <a:p>
-            <a:pPr indent="0" lvl="0" marL="0" rtl="0" algn="l">
+            <a:pPr marL="0" lvl="0" indent="0" algn="l" rtl="0">
               <a:spcBef>
                 <a:spcPts val="0"/>
               </a:spcBef>
@@ -3878,9 +3998,6 @@
               </a:spcAft>
               <a:buNone/>
             </a:pPr>
-            <a:r>
-              <a:t/>
-            </a:r>
             <a:endParaRPr/>
           </a:p>
         </p:txBody>
@@ -3888,7 +4005,9 @@
       <p:sp>
         <p:nvSpPr>
           <p:cNvPr id="27" name="Google Shape;27;p4"/>
-          <p:cNvSpPr txBox="1"/>
+          <p:cNvSpPr txBox="1">
+            <a:spLocks noGrp="1"/>
+          </p:cNvSpPr>
           <p:nvPr>
             <p:ph type="title"/>
           </p:nvPr>
@@ -3903,7 +4022,7 @@
           </a:prstGeom>
         </p:spPr>
         <p:txBody>
-          <a:bodyPr anchorCtr="0" anchor="t" bIns="91425" lIns="91425" spcFirstLastPara="1" rIns="91425" wrap="square" tIns="91425">
+          <a:bodyPr spcFirstLastPara="1" wrap="square" lIns="91425" tIns="91425" rIns="91425" bIns="91425" anchor="t" anchorCtr="0">
             <a:noAutofit/>
           </a:bodyPr>
           <a:lstStyle>
@@ -4007,15 +4126,19 @@
               <a:defRPr/>
             </a:lvl9pPr>
           </a:lstStyle>
-          <a:p/>
+          <a:p>
+            <a:endParaRPr/>
+          </a:p>
         </p:txBody>
       </p:sp>
       <p:sp>
         <p:nvSpPr>
           <p:cNvPr id="28" name="Google Shape;28;p4"/>
-          <p:cNvSpPr txBox="1"/>
+          <p:cNvSpPr txBox="1">
+            <a:spLocks noGrp="1"/>
+          </p:cNvSpPr>
           <p:nvPr>
-            <p:ph idx="1" type="body"/>
+            <p:ph type="body" idx="1"/>
           </p:nvPr>
         </p:nvSpPr>
         <p:spPr>
@@ -4028,11 +4151,11 @@
           </a:prstGeom>
         </p:spPr>
         <p:txBody>
-          <a:bodyPr anchorCtr="0" anchor="t" bIns="91425" lIns="91425" spcFirstLastPara="1" rIns="91425" wrap="square" tIns="91425">
+          <a:bodyPr spcFirstLastPara="1" wrap="square" lIns="91425" tIns="91425" rIns="91425" bIns="91425" anchor="t" anchorCtr="0">
             <a:noAutofit/>
           </a:bodyPr>
           <a:lstStyle>
-            <a:lvl1pPr indent="-342900" lvl="0" marL="457200">
+            <a:lvl1pPr marL="457200" lvl="0" indent="-342900">
               <a:spcBef>
                 <a:spcPts val="0"/>
               </a:spcBef>
@@ -4043,7 +4166,7 @@
               <a:buChar char="●"/>
               <a:defRPr/>
             </a:lvl1pPr>
-            <a:lvl2pPr indent="-317500" lvl="1" marL="914400">
+            <a:lvl2pPr marL="914400" lvl="1" indent="-317500">
               <a:spcBef>
                 <a:spcPts val="1600"/>
               </a:spcBef>
@@ -4054,7 +4177,7 @@
               <a:buChar char="○"/>
               <a:defRPr/>
             </a:lvl2pPr>
-            <a:lvl3pPr indent="-317500" lvl="2" marL="1371600">
+            <a:lvl3pPr marL="1371600" lvl="2" indent="-317500">
               <a:spcBef>
                 <a:spcPts val="1600"/>
               </a:spcBef>
@@ -4065,7 +4188,7 @@
               <a:buChar char="■"/>
               <a:defRPr/>
             </a:lvl3pPr>
-            <a:lvl4pPr indent="-317500" lvl="3" marL="1828800">
+            <a:lvl4pPr marL="1828800" lvl="3" indent="-317500">
               <a:spcBef>
                 <a:spcPts val="1600"/>
               </a:spcBef>
@@ -4076,7 +4199,7 @@
               <a:buChar char="●"/>
               <a:defRPr/>
             </a:lvl4pPr>
-            <a:lvl5pPr indent="-317500" lvl="4" marL="2286000">
+            <a:lvl5pPr marL="2286000" lvl="4" indent="-317500">
               <a:spcBef>
                 <a:spcPts val="1600"/>
               </a:spcBef>
@@ -4087,7 +4210,7 @@
               <a:buChar char="○"/>
               <a:defRPr/>
             </a:lvl5pPr>
-            <a:lvl6pPr indent="-317500" lvl="5" marL="2743200">
+            <a:lvl6pPr marL="2743200" lvl="5" indent="-317500">
               <a:spcBef>
                 <a:spcPts val="1600"/>
               </a:spcBef>
@@ -4098,7 +4221,7 @@
               <a:buChar char="■"/>
               <a:defRPr/>
             </a:lvl6pPr>
-            <a:lvl7pPr indent="-317500" lvl="6" marL="3200400">
+            <a:lvl7pPr marL="3200400" lvl="6" indent="-317500">
               <a:spcBef>
                 <a:spcPts val="1600"/>
               </a:spcBef>
@@ -4109,7 +4232,7 @@
               <a:buChar char="●"/>
               <a:defRPr/>
             </a:lvl7pPr>
-            <a:lvl8pPr indent="-317500" lvl="7" marL="3657600">
+            <a:lvl8pPr marL="3657600" lvl="7" indent="-317500">
               <a:spcBef>
                 <a:spcPts val="1600"/>
               </a:spcBef>
@@ -4120,7 +4243,7 @@
               <a:buChar char="○"/>
               <a:defRPr/>
             </a:lvl8pPr>
-            <a:lvl9pPr indent="-317500" lvl="8" marL="4114800">
+            <a:lvl9pPr marL="4114800" lvl="8" indent="-317500">
               <a:spcBef>
                 <a:spcPts val="1600"/>
               </a:spcBef>
@@ -4132,15 +4255,19 @@
               <a:defRPr/>
             </a:lvl9pPr>
           </a:lstStyle>
-          <a:p/>
+          <a:p>
+            <a:endParaRPr/>
+          </a:p>
         </p:txBody>
       </p:sp>
       <p:sp>
         <p:nvSpPr>
           <p:cNvPr id="29" name="Google Shape;29;p4"/>
-          <p:cNvSpPr txBox="1"/>
+          <p:cNvSpPr txBox="1">
+            <a:spLocks noGrp="1"/>
+          </p:cNvSpPr>
           <p:nvPr>
-            <p:ph idx="12" type="sldNum"/>
+            <p:ph type="sldNum" idx="12"/>
           </p:nvPr>
         </p:nvSpPr>
         <p:spPr>
@@ -4153,7 +4280,7 @@
           </a:prstGeom>
         </p:spPr>
         <p:txBody>
-          <a:bodyPr anchorCtr="0" anchor="ctr" bIns="91425" lIns="91425" spcFirstLastPara="1" rIns="91425" wrap="square" tIns="91425">
+          <a:bodyPr spcFirstLastPara="1" wrap="square" lIns="91425" tIns="91425" rIns="91425" bIns="91425" anchor="ctr" anchorCtr="0">
             <a:noAutofit/>
           </a:bodyPr>
           <a:lstStyle>
@@ -4195,7 +4322,7 @@
             </a:lvl9pPr>
           </a:lstStyle>
           <a:p>
-            <a:pPr indent="0" lvl="0" marL="0" rtl="0" algn="r">
+            <a:pPr marL="0" lvl="0" indent="0" algn="r" rtl="0">
               <a:spcBef>
                 <a:spcPts val="0"/>
               </a:spcBef>
@@ -4221,11 +4348,11 @@
 </file>
 
 <file path=ppt/slideLayouts/slideLayout4.xml><?xml version="1.0" encoding="utf-8"?>
-<p:sldLayout xmlns:a="http://schemas.openxmlformats.org/drawingml/2006/main" xmlns:r="http://schemas.openxmlformats.org/officeDocument/2006/relationships" xmlns:mc="http://schemas.openxmlformats.org/markup-compatibility/2006" xmlns:mv="urn:schemas-microsoft-com:mac:vml" xmlns:p="http://schemas.openxmlformats.org/presentationml/2006/main" xmlns:c="http://schemas.openxmlformats.org/drawingml/2006/chart" xmlns:dgm="http://schemas.openxmlformats.org/drawingml/2006/diagram" xmlns:o="urn:schemas-microsoft-com:office:office" xmlns:v="urn:schemas-microsoft-com:vml" xmlns:pvml="urn:schemas-microsoft-com:office:powerpoint" xmlns:com="http://schemas.openxmlformats.org/drawingml/2006/compatibility" xmlns:p14="http://schemas.microsoft.com/office/powerpoint/2010/main" xmlns:p15="http://schemas.microsoft.com/office/powerpoint/2012/main" matchingName="Title and two columns" type="twoColTx">
+<p:sldLayout xmlns:a="http://schemas.openxmlformats.org/drawingml/2006/main" xmlns:r="http://schemas.openxmlformats.org/officeDocument/2006/relationships" xmlns:p="http://schemas.openxmlformats.org/presentationml/2006/main" matchingName="Title and two columns" type="twoColTx">
   <p:cSld name="TITLE_AND_TWO_COLUMNS">
     <p:spTree>
       <p:nvGrpSpPr>
-        <p:cNvPr id="30" name="Shape 30"/>
+        <p:cNvPr id="1" name="Shape 30"/>
         <p:cNvGrpSpPr/>
         <p:nvPr/>
       </p:nvGrpSpPr>
@@ -4240,7 +4367,9 @@
       <p:sp>
         <p:nvSpPr>
           <p:cNvPr id="31" name="Google Shape;31;p5"/>
-          <p:cNvSpPr txBox="1"/>
+          <p:cNvSpPr txBox="1">
+            <a:spLocks noGrp="1"/>
+          </p:cNvSpPr>
           <p:nvPr>
             <p:ph type="title"/>
           </p:nvPr>
@@ -4255,7 +4384,7 @@
           </a:prstGeom>
         </p:spPr>
         <p:txBody>
-          <a:bodyPr anchorCtr="0" anchor="t" bIns="91425" lIns="91425" spcFirstLastPara="1" rIns="91425" wrap="square" tIns="91425">
+          <a:bodyPr spcFirstLastPara="1" wrap="square" lIns="91425" tIns="91425" rIns="91425" bIns="91425" anchor="t" anchorCtr="0">
             <a:noAutofit/>
           </a:bodyPr>
           <a:lstStyle>
@@ -4359,15 +4488,19 @@
               <a:defRPr/>
             </a:lvl9pPr>
           </a:lstStyle>
-          <a:p/>
+          <a:p>
+            <a:endParaRPr/>
+          </a:p>
         </p:txBody>
       </p:sp>
       <p:sp>
         <p:nvSpPr>
           <p:cNvPr id="32" name="Google Shape;32;p5"/>
-          <p:cNvSpPr txBox="1"/>
+          <p:cNvSpPr txBox="1">
+            <a:spLocks noGrp="1"/>
+          </p:cNvSpPr>
           <p:nvPr>
-            <p:ph idx="1" type="body"/>
+            <p:ph type="body" idx="1"/>
           </p:nvPr>
         </p:nvSpPr>
         <p:spPr>
@@ -4380,11 +4513,11 @@
           </a:prstGeom>
         </p:spPr>
         <p:txBody>
-          <a:bodyPr anchorCtr="0" anchor="t" bIns="91425" lIns="91425" spcFirstLastPara="1" rIns="91425" wrap="square" tIns="91425">
+          <a:bodyPr spcFirstLastPara="1" wrap="square" lIns="91425" tIns="91425" rIns="91425" bIns="91425" anchor="t" anchorCtr="0">
             <a:noAutofit/>
           </a:bodyPr>
           <a:lstStyle>
-            <a:lvl1pPr indent="-317500" lvl="0" marL="457200">
+            <a:lvl1pPr marL="457200" lvl="0" indent="-317500">
               <a:spcBef>
                 <a:spcPts val="0"/>
               </a:spcBef>
@@ -4395,7 +4528,7 @@
               <a:buChar char="●"/>
               <a:defRPr sz="1400"/>
             </a:lvl1pPr>
-            <a:lvl2pPr indent="-304800" lvl="1" marL="914400">
+            <a:lvl2pPr marL="914400" lvl="1" indent="-304800">
               <a:spcBef>
                 <a:spcPts val="1600"/>
               </a:spcBef>
@@ -4406,7 +4539,7 @@
               <a:buChar char="○"/>
               <a:defRPr sz="1200"/>
             </a:lvl2pPr>
-            <a:lvl3pPr indent="-304800" lvl="2" marL="1371600">
+            <a:lvl3pPr marL="1371600" lvl="2" indent="-304800">
               <a:spcBef>
                 <a:spcPts val="1600"/>
               </a:spcBef>
@@ -4417,7 +4550,7 @@
               <a:buChar char="■"/>
               <a:defRPr sz="1200"/>
             </a:lvl3pPr>
-            <a:lvl4pPr indent="-304800" lvl="3" marL="1828800">
+            <a:lvl4pPr marL="1828800" lvl="3" indent="-304800">
               <a:spcBef>
                 <a:spcPts val="1600"/>
               </a:spcBef>
@@ -4428,7 +4561,7 @@
               <a:buChar char="●"/>
               <a:defRPr sz="1200"/>
             </a:lvl4pPr>
-            <a:lvl5pPr indent="-304800" lvl="4" marL="2286000">
+            <a:lvl5pPr marL="2286000" lvl="4" indent="-304800">
               <a:spcBef>
                 <a:spcPts val="1600"/>
               </a:spcBef>
@@ -4439,7 +4572,7 @@
               <a:buChar char="○"/>
               <a:defRPr sz="1200"/>
             </a:lvl5pPr>
-            <a:lvl6pPr indent="-304800" lvl="5" marL="2743200">
+            <a:lvl6pPr marL="2743200" lvl="5" indent="-304800">
               <a:spcBef>
                 <a:spcPts val="1600"/>
               </a:spcBef>
@@ -4450,7 +4583,7 @@
               <a:buChar char="■"/>
               <a:defRPr sz="1200"/>
             </a:lvl6pPr>
-            <a:lvl7pPr indent="-304800" lvl="6" marL="3200400">
+            <a:lvl7pPr marL="3200400" lvl="6" indent="-304800">
               <a:spcBef>
                 <a:spcPts val="1600"/>
               </a:spcBef>
@@ -4461,7 +4594,7 @@
               <a:buChar char="●"/>
               <a:defRPr sz="1200"/>
             </a:lvl7pPr>
-            <a:lvl8pPr indent="-304800" lvl="7" marL="3657600">
+            <a:lvl8pPr marL="3657600" lvl="7" indent="-304800">
               <a:spcBef>
                 <a:spcPts val="1600"/>
               </a:spcBef>
@@ -4472,7 +4605,7 @@
               <a:buChar char="○"/>
               <a:defRPr sz="1200"/>
             </a:lvl8pPr>
-            <a:lvl9pPr indent="-304800" lvl="8" marL="4114800">
+            <a:lvl9pPr marL="4114800" lvl="8" indent="-304800">
               <a:spcBef>
                 <a:spcPts val="1600"/>
               </a:spcBef>
@@ -4484,15 +4617,19 @@
               <a:defRPr sz="1200"/>
             </a:lvl9pPr>
           </a:lstStyle>
-          <a:p/>
+          <a:p>
+            <a:endParaRPr/>
+          </a:p>
         </p:txBody>
       </p:sp>
       <p:sp>
         <p:nvSpPr>
           <p:cNvPr id="33" name="Google Shape;33;p5"/>
-          <p:cNvSpPr txBox="1"/>
+          <p:cNvSpPr txBox="1">
+            <a:spLocks noGrp="1"/>
+          </p:cNvSpPr>
           <p:nvPr>
-            <p:ph idx="2" type="body"/>
+            <p:ph type="body" idx="2"/>
           </p:nvPr>
         </p:nvSpPr>
         <p:spPr>
@@ -4505,11 +4642,11 @@
           </a:prstGeom>
         </p:spPr>
         <p:txBody>
-          <a:bodyPr anchorCtr="0" anchor="t" bIns="91425" lIns="91425" spcFirstLastPara="1" rIns="91425" wrap="square" tIns="91425">
+          <a:bodyPr spcFirstLastPara="1" wrap="square" lIns="91425" tIns="91425" rIns="91425" bIns="91425" anchor="t" anchorCtr="0">
             <a:noAutofit/>
           </a:bodyPr>
           <a:lstStyle>
-            <a:lvl1pPr indent="-317500" lvl="0" marL="457200">
+            <a:lvl1pPr marL="457200" lvl="0" indent="-317500">
               <a:spcBef>
                 <a:spcPts val="0"/>
               </a:spcBef>
@@ -4520,7 +4657,7 @@
               <a:buChar char="●"/>
               <a:defRPr sz="1400"/>
             </a:lvl1pPr>
-            <a:lvl2pPr indent="-304800" lvl="1" marL="914400">
+            <a:lvl2pPr marL="914400" lvl="1" indent="-304800">
               <a:spcBef>
                 <a:spcPts val="1600"/>
               </a:spcBef>
@@ -4531,7 +4668,7 @@
               <a:buChar char="○"/>
               <a:defRPr sz="1200"/>
             </a:lvl2pPr>
-            <a:lvl3pPr indent="-304800" lvl="2" marL="1371600">
+            <a:lvl3pPr marL="1371600" lvl="2" indent="-304800">
               <a:spcBef>
                 <a:spcPts val="1600"/>
               </a:spcBef>
@@ -4542,7 +4679,7 @@
               <a:buChar char="■"/>
               <a:defRPr sz="1200"/>
             </a:lvl3pPr>
-            <a:lvl4pPr indent="-304800" lvl="3" marL="1828800">
+            <a:lvl4pPr marL="1828800" lvl="3" indent="-304800">
               <a:spcBef>
                 <a:spcPts val="1600"/>
               </a:spcBef>
@@ -4553,7 +4690,7 @@
               <a:buChar char="●"/>
               <a:defRPr sz="1200"/>
             </a:lvl4pPr>
-            <a:lvl5pPr indent="-304800" lvl="4" marL="2286000">
+            <a:lvl5pPr marL="2286000" lvl="4" indent="-304800">
               <a:spcBef>
                 <a:spcPts val="1600"/>
               </a:spcBef>
@@ -4564,7 +4701,7 @@
               <a:buChar char="○"/>
               <a:defRPr sz="1200"/>
             </a:lvl5pPr>
-            <a:lvl6pPr indent="-304800" lvl="5" marL="2743200">
+            <a:lvl6pPr marL="2743200" lvl="5" indent="-304800">
               <a:spcBef>
                 <a:spcPts val="1600"/>
               </a:spcBef>
@@ -4575,7 +4712,7 @@
               <a:buChar char="■"/>
               <a:defRPr sz="1200"/>
             </a:lvl6pPr>
-            <a:lvl7pPr indent="-304800" lvl="6" marL="3200400">
+            <a:lvl7pPr marL="3200400" lvl="6" indent="-304800">
               <a:spcBef>
                 <a:spcPts val="1600"/>
               </a:spcBef>
@@ -4586,7 +4723,7 @@
               <a:buChar char="●"/>
               <a:defRPr sz="1200"/>
             </a:lvl7pPr>
-            <a:lvl8pPr indent="-304800" lvl="7" marL="3657600">
+            <a:lvl8pPr marL="3657600" lvl="7" indent="-304800">
               <a:spcBef>
                 <a:spcPts val="1600"/>
               </a:spcBef>
@@ -4597,7 +4734,7 @@
               <a:buChar char="○"/>
               <a:defRPr sz="1200"/>
             </a:lvl8pPr>
-            <a:lvl9pPr indent="-304800" lvl="8" marL="4114800">
+            <a:lvl9pPr marL="4114800" lvl="8" indent="-304800">
               <a:spcBef>
                 <a:spcPts val="1600"/>
               </a:spcBef>
@@ -4609,15 +4746,19 @@
               <a:defRPr sz="1200"/>
             </a:lvl9pPr>
           </a:lstStyle>
-          <a:p/>
+          <a:p>
+            <a:endParaRPr/>
+          </a:p>
         </p:txBody>
       </p:sp>
       <p:sp>
         <p:nvSpPr>
           <p:cNvPr id="34" name="Google Shape;34;p5"/>
-          <p:cNvSpPr txBox="1"/>
+          <p:cNvSpPr txBox="1">
+            <a:spLocks noGrp="1"/>
+          </p:cNvSpPr>
           <p:nvPr>
-            <p:ph idx="12" type="sldNum"/>
+            <p:ph type="sldNum" idx="12"/>
           </p:nvPr>
         </p:nvSpPr>
         <p:spPr>
@@ -4630,7 +4771,7 @@
           </a:prstGeom>
         </p:spPr>
         <p:txBody>
-          <a:bodyPr anchorCtr="0" anchor="ctr" bIns="91425" lIns="91425" spcFirstLastPara="1" rIns="91425" wrap="square" tIns="91425">
+          <a:bodyPr spcFirstLastPara="1" wrap="square" lIns="91425" tIns="91425" rIns="91425" bIns="91425" anchor="ctr" anchorCtr="0">
             <a:noAutofit/>
           </a:bodyPr>
           <a:lstStyle>
@@ -4672,7 +4813,7 @@
             </a:lvl9pPr>
           </a:lstStyle>
           <a:p>
-            <a:pPr indent="0" lvl="0" marL="0" rtl="0" algn="r">
+            <a:pPr marL="0" lvl="0" indent="0" algn="r" rtl="0">
               <a:spcBef>
                 <a:spcPts val="0"/>
               </a:spcBef>
@@ -4698,11 +4839,11 @@
 </file>
 
 <file path=ppt/slideLayouts/slideLayout5.xml><?xml version="1.0" encoding="utf-8"?>
-<p:sldLayout xmlns:a="http://schemas.openxmlformats.org/drawingml/2006/main" xmlns:r="http://schemas.openxmlformats.org/officeDocument/2006/relationships" xmlns:mc="http://schemas.openxmlformats.org/markup-compatibility/2006" xmlns:mv="urn:schemas-microsoft-com:mac:vml" xmlns:p="http://schemas.openxmlformats.org/presentationml/2006/main" xmlns:c="http://schemas.openxmlformats.org/drawingml/2006/chart" xmlns:dgm="http://schemas.openxmlformats.org/drawingml/2006/diagram" xmlns:o="urn:schemas-microsoft-com:office:office" xmlns:v="urn:schemas-microsoft-com:vml" xmlns:pvml="urn:schemas-microsoft-com:office:powerpoint" xmlns:com="http://schemas.openxmlformats.org/drawingml/2006/compatibility" xmlns:p14="http://schemas.microsoft.com/office/powerpoint/2010/main" xmlns:p15="http://schemas.microsoft.com/office/powerpoint/2012/main" matchingName="Title only" type="titleOnly">
+<p:sldLayout xmlns:a="http://schemas.openxmlformats.org/drawingml/2006/main" xmlns:r="http://schemas.openxmlformats.org/officeDocument/2006/relationships" xmlns:p="http://schemas.openxmlformats.org/presentationml/2006/main" matchingName="Title only" type="titleOnly">
   <p:cSld name="TITLE_ONLY">
     <p:spTree>
       <p:nvGrpSpPr>
-        <p:cNvPr id="35" name="Shape 35"/>
+        <p:cNvPr id="1" name="Shape 35"/>
         <p:cNvGrpSpPr/>
         <p:nvPr/>
       </p:nvGrpSpPr>
@@ -4717,7 +4858,9 @@
       <p:sp>
         <p:nvSpPr>
           <p:cNvPr id="36" name="Google Shape;36;p6"/>
-          <p:cNvSpPr txBox="1"/>
+          <p:cNvSpPr txBox="1">
+            <a:spLocks noGrp="1"/>
+          </p:cNvSpPr>
           <p:nvPr>
             <p:ph type="title"/>
           </p:nvPr>
@@ -4732,7 +4875,7 @@
           </a:prstGeom>
         </p:spPr>
         <p:txBody>
-          <a:bodyPr anchorCtr="0" anchor="t" bIns="91425" lIns="91425" spcFirstLastPara="1" rIns="91425" wrap="square" tIns="91425">
+          <a:bodyPr spcFirstLastPara="1" wrap="square" lIns="91425" tIns="91425" rIns="91425" bIns="91425" anchor="t" anchorCtr="0">
             <a:noAutofit/>
           </a:bodyPr>
           <a:lstStyle>
@@ -4836,15 +4979,19 @@
               <a:defRPr/>
             </a:lvl9pPr>
           </a:lstStyle>
-          <a:p/>
+          <a:p>
+            <a:endParaRPr/>
+          </a:p>
         </p:txBody>
       </p:sp>
       <p:sp>
         <p:nvSpPr>
           <p:cNvPr id="37" name="Google Shape;37;p6"/>
-          <p:cNvSpPr txBox="1"/>
+          <p:cNvSpPr txBox="1">
+            <a:spLocks noGrp="1"/>
+          </p:cNvSpPr>
           <p:nvPr>
-            <p:ph idx="12" type="sldNum"/>
+            <p:ph type="sldNum" idx="12"/>
           </p:nvPr>
         </p:nvSpPr>
         <p:spPr>
@@ -4857,7 +5004,7 @@
           </a:prstGeom>
         </p:spPr>
         <p:txBody>
-          <a:bodyPr anchorCtr="0" anchor="ctr" bIns="91425" lIns="91425" spcFirstLastPara="1" rIns="91425" wrap="square" tIns="91425">
+          <a:bodyPr spcFirstLastPara="1" wrap="square" lIns="91425" tIns="91425" rIns="91425" bIns="91425" anchor="ctr" anchorCtr="0">
             <a:noAutofit/>
           </a:bodyPr>
           <a:lstStyle>
@@ -4899,7 +5046,7 @@
             </a:lvl9pPr>
           </a:lstStyle>
           <a:p>
-            <a:pPr indent="0" lvl="0" marL="0" rtl="0" algn="r">
+            <a:pPr marL="0" lvl="0" indent="0" algn="r" rtl="0">
               <a:spcBef>
                 <a:spcPts val="0"/>
               </a:spcBef>
@@ -4925,11 +5072,11 @@
 </file>
 
 <file path=ppt/slideLayouts/slideLayout6.xml><?xml version="1.0" encoding="utf-8"?>
-<p:sldLayout xmlns:a="http://schemas.openxmlformats.org/drawingml/2006/main" xmlns:r="http://schemas.openxmlformats.org/officeDocument/2006/relationships" xmlns:mc="http://schemas.openxmlformats.org/markup-compatibility/2006" xmlns:mv="urn:schemas-microsoft-com:mac:vml" xmlns:p="http://schemas.openxmlformats.org/presentationml/2006/main" xmlns:c="http://schemas.openxmlformats.org/drawingml/2006/chart" xmlns:dgm="http://schemas.openxmlformats.org/drawingml/2006/diagram" xmlns:o="urn:schemas-microsoft-com:office:office" xmlns:v="urn:schemas-microsoft-com:vml" xmlns:pvml="urn:schemas-microsoft-com:office:powerpoint" xmlns:com="http://schemas.openxmlformats.org/drawingml/2006/compatibility" xmlns:p14="http://schemas.microsoft.com/office/powerpoint/2010/main" xmlns:p15="http://schemas.microsoft.com/office/powerpoint/2012/main" matchingName="One column text">
+<p:sldLayout xmlns:a="http://schemas.openxmlformats.org/drawingml/2006/main" xmlns:r="http://schemas.openxmlformats.org/officeDocument/2006/relationships" xmlns:p="http://schemas.openxmlformats.org/presentationml/2006/main" matchingName="One column text">
   <p:cSld name="ONE_COLUMN_TEXT">
     <p:spTree>
       <p:nvGrpSpPr>
-        <p:cNvPr id="38" name="Shape 38"/>
+        <p:cNvPr id="1" name="Shape 38"/>
         <p:cNvGrpSpPr/>
         <p:nvPr/>
       </p:nvGrpSpPr>
@@ -4944,7 +5091,9 @@
       <p:sp>
         <p:nvSpPr>
           <p:cNvPr id="39" name="Google Shape;39;p7"/>
-          <p:cNvSpPr txBox="1"/>
+          <p:cNvSpPr txBox="1">
+            <a:spLocks noGrp="1"/>
+          </p:cNvSpPr>
           <p:nvPr>
             <p:ph type="title"/>
           </p:nvPr>
@@ -4959,7 +5108,7 @@
           </a:prstGeom>
         </p:spPr>
         <p:txBody>
-          <a:bodyPr anchorCtr="0" anchor="b" bIns="91425" lIns="91425" spcFirstLastPara="1" rIns="91425" wrap="square" tIns="91425">
+          <a:bodyPr spcFirstLastPara="1" wrap="square" lIns="91425" tIns="91425" rIns="91425" bIns="91425" anchor="b" anchorCtr="0">
             <a:noAutofit/>
           </a:bodyPr>
           <a:lstStyle>
@@ -5063,15 +5212,19 @@
               <a:defRPr sz="2400"/>
             </a:lvl9pPr>
           </a:lstStyle>
-          <a:p/>
+          <a:p>
+            <a:endParaRPr/>
+          </a:p>
         </p:txBody>
       </p:sp>
       <p:sp>
         <p:nvSpPr>
           <p:cNvPr id="40" name="Google Shape;40;p7"/>
-          <p:cNvSpPr txBox="1"/>
+          <p:cNvSpPr txBox="1">
+            <a:spLocks noGrp="1"/>
+          </p:cNvSpPr>
           <p:nvPr>
-            <p:ph idx="1" type="body"/>
+            <p:ph type="body" idx="1"/>
           </p:nvPr>
         </p:nvSpPr>
         <p:spPr>
@@ -5084,11 +5237,11 @@
           </a:prstGeom>
         </p:spPr>
         <p:txBody>
-          <a:bodyPr anchorCtr="0" anchor="t" bIns="91425" lIns="91425" spcFirstLastPara="1" rIns="91425" wrap="square" tIns="91425">
+          <a:bodyPr spcFirstLastPara="1" wrap="square" lIns="91425" tIns="91425" rIns="91425" bIns="91425" anchor="t" anchorCtr="0">
             <a:noAutofit/>
           </a:bodyPr>
           <a:lstStyle>
-            <a:lvl1pPr indent="-304800" lvl="0" marL="457200">
+            <a:lvl1pPr marL="457200" lvl="0" indent="-304800">
               <a:spcBef>
                 <a:spcPts val="0"/>
               </a:spcBef>
@@ -5099,7 +5252,7 @@
               <a:buChar char="●"/>
               <a:defRPr sz="1200"/>
             </a:lvl1pPr>
-            <a:lvl2pPr indent="-304800" lvl="1" marL="914400">
+            <a:lvl2pPr marL="914400" lvl="1" indent="-304800">
               <a:spcBef>
                 <a:spcPts val="1600"/>
               </a:spcBef>
@@ -5110,7 +5263,7 @@
               <a:buChar char="○"/>
               <a:defRPr sz="1200"/>
             </a:lvl2pPr>
-            <a:lvl3pPr indent="-304800" lvl="2" marL="1371600">
+            <a:lvl3pPr marL="1371600" lvl="2" indent="-304800">
               <a:spcBef>
                 <a:spcPts val="1600"/>
               </a:spcBef>
@@ -5121,7 +5274,7 @@
               <a:buChar char="■"/>
               <a:defRPr sz="1200"/>
             </a:lvl3pPr>
-            <a:lvl4pPr indent="-304800" lvl="3" marL="1828800">
+            <a:lvl4pPr marL="1828800" lvl="3" indent="-304800">
               <a:spcBef>
                 <a:spcPts val="1600"/>
               </a:spcBef>
@@ -5132,7 +5285,7 @@
               <a:buChar char="●"/>
               <a:defRPr sz="1200"/>
             </a:lvl4pPr>
-            <a:lvl5pPr indent="-304800" lvl="4" marL="2286000">
+            <a:lvl5pPr marL="2286000" lvl="4" indent="-304800">
               <a:spcBef>
                 <a:spcPts val="1600"/>
               </a:spcBef>
@@ -5143,7 +5296,7 @@
               <a:buChar char="○"/>
               <a:defRPr sz="1200"/>
             </a:lvl5pPr>
-            <a:lvl6pPr indent="-304800" lvl="5" marL="2743200">
+            <a:lvl6pPr marL="2743200" lvl="5" indent="-304800">
               <a:spcBef>
                 <a:spcPts val="1600"/>
               </a:spcBef>
@@ -5154,7 +5307,7 @@
               <a:buChar char="■"/>
               <a:defRPr sz="1200"/>
             </a:lvl6pPr>
-            <a:lvl7pPr indent="-304800" lvl="6" marL="3200400">
+            <a:lvl7pPr marL="3200400" lvl="6" indent="-304800">
               <a:spcBef>
                 <a:spcPts val="1600"/>
               </a:spcBef>
@@ -5165,7 +5318,7 @@
               <a:buChar char="●"/>
               <a:defRPr sz="1200"/>
             </a:lvl7pPr>
-            <a:lvl8pPr indent="-304800" lvl="7" marL="3657600">
+            <a:lvl8pPr marL="3657600" lvl="7" indent="-304800">
               <a:spcBef>
                 <a:spcPts val="1600"/>
               </a:spcBef>
@@ -5176,7 +5329,7 @@
               <a:buChar char="○"/>
               <a:defRPr sz="1200"/>
             </a:lvl8pPr>
-            <a:lvl9pPr indent="-304800" lvl="8" marL="4114800">
+            <a:lvl9pPr marL="4114800" lvl="8" indent="-304800">
               <a:spcBef>
                 <a:spcPts val="1600"/>
               </a:spcBef>
@@ -5188,15 +5341,19 @@
               <a:defRPr sz="1200"/>
             </a:lvl9pPr>
           </a:lstStyle>
-          <a:p/>
+          <a:p>
+            <a:endParaRPr/>
+          </a:p>
         </p:txBody>
       </p:sp>
       <p:sp>
         <p:nvSpPr>
           <p:cNvPr id="41" name="Google Shape;41;p7"/>
-          <p:cNvSpPr txBox="1"/>
+          <p:cNvSpPr txBox="1">
+            <a:spLocks noGrp="1"/>
+          </p:cNvSpPr>
           <p:nvPr>
-            <p:ph idx="12" type="sldNum"/>
+            <p:ph type="sldNum" idx="12"/>
           </p:nvPr>
         </p:nvSpPr>
         <p:spPr>
@@ -5209,7 +5366,7 @@
           </a:prstGeom>
         </p:spPr>
         <p:txBody>
-          <a:bodyPr anchorCtr="0" anchor="ctr" bIns="91425" lIns="91425" spcFirstLastPara="1" rIns="91425" wrap="square" tIns="91425">
+          <a:bodyPr spcFirstLastPara="1" wrap="square" lIns="91425" tIns="91425" rIns="91425" bIns="91425" anchor="ctr" anchorCtr="0">
             <a:noAutofit/>
           </a:bodyPr>
           <a:lstStyle>
@@ -5251,7 +5408,7 @@
             </a:lvl9pPr>
           </a:lstStyle>
           <a:p>
-            <a:pPr indent="0" lvl="0" marL="0" rtl="0" algn="r">
+            <a:pPr marL="0" lvl="0" indent="0" algn="r" rtl="0">
               <a:spcBef>
                 <a:spcPts val="0"/>
               </a:spcBef>
@@ -5277,18 +5434,19 @@
 </file>
 
 <file path=ppt/slideLayouts/slideLayout7.xml><?xml version="1.0" encoding="utf-8"?>
-<p:sldLayout xmlns:a="http://schemas.openxmlformats.org/drawingml/2006/main" xmlns:r="http://schemas.openxmlformats.org/officeDocument/2006/relationships" xmlns:mc="http://schemas.openxmlformats.org/markup-compatibility/2006" xmlns:mv="urn:schemas-microsoft-com:mac:vml" xmlns:p="http://schemas.openxmlformats.org/presentationml/2006/main" xmlns:c="http://schemas.openxmlformats.org/drawingml/2006/chart" xmlns:dgm="http://schemas.openxmlformats.org/drawingml/2006/diagram" xmlns:o="urn:schemas-microsoft-com:office:office" xmlns:v="urn:schemas-microsoft-com:vml" xmlns:pvml="urn:schemas-microsoft-com:office:powerpoint" xmlns:com="http://schemas.openxmlformats.org/drawingml/2006/compatibility" xmlns:p14="http://schemas.microsoft.com/office/powerpoint/2010/main" xmlns:p15="http://schemas.microsoft.com/office/powerpoint/2012/main" matchingName="Main point">
+<p:sldLayout xmlns:a="http://schemas.openxmlformats.org/drawingml/2006/main" xmlns:r="http://schemas.openxmlformats.org/officeDocument/2006/relationships" xmlns:p="http://schemas.openxmlformats.org/presentationml/2006/main" matchingName="Main point">
   <p:cSld name="MAIN_POINT">
     <p:bg>
       <p:bgPr>
         <a:solidFill>
           <a:schemeClr val="accent6"/>
         </a:solidFill>
+        <a:effectLst/>
       </p:bgPr>
     </p:bg>
     <p:spTree>
       <p:nvGrpSpPr>
-        <p:cNvPr id="42" name="Shape 42"/>
+        <p:cNvPr id="1" name="Shape 42"/>
         <p:cNvGrpSpPr/>
         <p:nvPr/>
       </p:nvGrpSpPr>
@@ -5303,7 +5461,9 @@
       <p:sp>
         <p:nvSpPr>
           <p:cNvPr id="43" name="Google Shape;43;p8"/>
-          <p:cNvSpPr txBox="1"/>
+          <p:cNvSpPr txBox="1">
+            <a:spLocks noGrp="1"/>
+          </p:cNvSpPr>
           <p:nvPr>
             <p:ph type="title"/>
           </p:nvPr>
@@ -5318,7 +5478,7 @@
           </a:prstGeom>
         </p:spPr>
         <p:txBody>
-          <a:bodyPr anchorCtr="0" anchor="ctr" bIns="91425" lIns="91425" spcFirstLastPara="1" rIns="91425" wrap="square" tIns="91425">
+          <a:bodyPr spcFirstLastPara="1" wrap="square" lIns="91425" tIns="91425" rIns="91425" bIns="91425" anchor="ctr" anchorCtr="0">
             <a:noAutofit/>
           </a:bodyPr>
           <a:lstStyle>
@@ -5334,7 +5494,7 @@
               </a:buClr>
               <a:buSzPts val="5400"/>
               <a:buNone/>
-              <a:defRPr b="0" sz="5400">
+              <a:defRPr sz="5400" b="0">
                 <a:solidFill>
                   <a:schemeClr val="dk2"/>
                 </a:solidFill>
@@ -5352,7 +5512,7 @@
               </a:buClr>
               <a:buSzPts val="5400"/>
               <a:buNone/>
-              <a:defRPr b="0" sz="5400">
+              <a:defRPr sz="5400" b="0">
                 <a:solidFill>
                   <a:schemeClr val="dk2"/>
                 </a:solidFill>
@@ -5370,7 +5530,7 @@
               </a:buClr>
               <a:buSzPts val="5400"/>
               <a:buNone/>
-              <a:defRPr b="0" sz="5400">
+              <a:defRPr sz="5400" b="0">
                 <a:solidFill>
                   <a:schemeClr val="dk2"/>
                 </a:solidFill>
@@ -5388,7 +5548,7 @@
               </a:buClr>
               <a:buSzPts val="5400"/>
               <a:buNone/>
-              <a:defRPr b="0" sz="5400">
+              <a:defRPr sz="5400" b="0">
                 <a:solidFill>
                   <a:schemeClr val="dk2"/>
                 </a:solidFill>
@@ -5406,7 +5566,7 @@
               </a:buClr>
               <a:buSzPts val="5400"/>
               <a:buNone/>
-              <a:defRPr b="0" sz="5400">
+              <a:defRPr sz="5400" b="0">
                 <a:solidFill>
                   <a:schemeClr val="dk2"/>
                 </a:solidFill>
@@ -5424,7 +5584,7 @@
               </a:buClr>
               <a:buSzPts val="5400"/>
               <a:buNone/>
-              <a:defRPr b="0" sz="5400">
+              <a:defRPr sz="5400" b="0">
                 <a:solidFill>
                   <a:schemeClr val="dk2"/>
                 </a:solidFill>
@@ -5442,7 +5602,7 @@
               </a:buClr>
               <a:buSzPts val="5400"/>
               <a:buNone/>
-              <a:defRPr b="0" sz="5400">
+              <a:defRPr sz="5400" b="0">
                 <a:solidFill>
                   <a:schemeClr val="dk2"/>
                 </a:solidFill>
@@ -5460,7 +5620,7 @@
               </a:buClr>
               <a:buSzPts val="5400"/>
               <a:buNone/>
-              <a:defRPr b="0" sz="5400">
+              <a:defRPr sz="5400" b="0">
                 <a:solidFill>
                   <a:schemeClr val="dk2"/>
                 </a:solidFill>
@@ -5478,22 +5638,26 @@
               </a:buClr>
               <a:buSzPts val="5400"/>
               <a:buNone/>
-              <a:defRPr b="0" sz="5400">
+              <a:defRPr sz="5400" b="0">
                 <a:solidFill>
                   <a:schemeClr val="dk2"/>
                 </a:solidFill>
               </a:defRPr>
             </a:lvl9pPr>
           </a:lstStyle>
-          <a:p/>
+          <a:p>
+            <a:endParaRPr/>
+          </a:p>
         </p:txBody>
       </p:sp>
       <p:sp>
         <p:nvSpPr>
           <p:cNvPr id="44" name="Google Shape;44;p8"/>
-          <p:cNvSpPr txBox="1"/>
+          <p:cNvSpPr txBox="1">
+            <a:spLocks noGrp="1"/>
+          </p:cNvSpPr>
           <p:nvPr>
-            <p:ph idx="12" type="sldNum"/>
+            <p:ph type="sldNum" idx="12"/>
           </p:nvPr>
         </p:nvSpPr>
         <p:spPr>
@@ -5506,7 +5670,7 @@
           </a:prstGeom>
         </p:spPr>
         <p:txBody>
-          <a:bodyPr anchorCtr="0" anchor="ctr" bIns="91425" lIns="91425" spcFirstLastPara="1" rIns="91425" wrap="square" tIns="91425">
+          <a:bodyPr spcFirstLastPara="1" wrap="square" lIns="91425" tIns="91425" rIns="91425" bIns="91425" anchor="ctr" anchorCtr="0">
             <a:noAutofit/>
           </a:bodyPr>
           <a:lstStyle>
@@ -5548,7 +5712,7 @@
             </a:lvl9pPr>
           </a:lstStyle>
           <a:p>
-            <a:pPr indent="0" lvl="0" marL="0" rtl="0" algn="r">
+            <a:pPr marL="0" lvl="0" indent="0" algn="r" rtl="0">
               <a:spcBef>
                 <a:spcPts val="0"/>
               </a:spcBef>
@@ -5574,11 +5738,11 @@
 </file>
 
 <file path=ppt/slideLayouts/slideLayout8.xml><?xml version="1.0" encoding="utf-8"?>
-<p:sldLayout xmlns:a="http://schemas.openxmlformats.org/drawingml/2006/main" xmlns:r="http://schemas.openxmlformats.org/officeDocument/2006/relationships" xmlns:mc="http://schemas.openxmlformats.org/markup-compatibility/2006" xmlns:mv="urn:schemas-microsoft-com:mac:vml" xmlns:p="http://schemas.openxmlformats.org/presentationml/2006/main" xmlns:c="http://schemas.openxmlformats.org/drawingml/2006/chart" xmlns:dgm="http://schemas.openxmlformats.org/drawingml/2006/diagram" xmlns:o="urn:schemas-microsoft-com:office:office" xmlns:v="urn:schemas-microsoft-com:vml" xmlns:pvml="urn:schemas-microsoft-com:office:powerpoint" xmlns:com="http://schemas.openxmlformats.org/drawingml/2006/compatibility" xmlns:p14="http://schemas.microsoft.com/office/powerpoint/2010/main" xmlns:p15="http://schemas.microsoft.com/office/powerpoint/2012/main" matchingName="Section title and description">
+<p:sldLayout xmlns:a="http://schemas.openxmlformats.org/drawingml/2006/main" xmlns:r="http://schemas.openxmlformats.org/officeDocument/2006/relationships" xmlns:p="http://schemas.openxmlformats.org/presentationml/2006/main" matchingName="Section title and description">
   <p:cSld name="SECTION_TITLE_AND_DESCRIPTION">
     <p:spTree>
       <p:nvGrpSpPr>
-        <p:cNvPr id="45" name="Shape 45"/>
+        <p:cNvPr id="1" name="Shape 45"/>
         <p:cNvGrpSpPr/>
         <p:nvPr/>
       </p:nvGrpSpPr>
@@ -5612,12 +5776,12 @@
           </a:ln>
         </p:spPr>
         <p:txBody>
-          <a:bodyPr anchorCtr="0" anchor="ctr" bIns="91425" lIns="91425" spcFirstLastPara="1" rIns="91425" wrap="square" tIns="91425">
+          <a:bodyPr spcFirstLastPara="1" wrap="square" lIns="91425" tIns="91425" rIns="91425" bIns="91425" anchor="ctr" anchorCtr="0">
             <a:noAutofit/>
           </a:bodyPr>
           <a:lstStyle/>
           <a:p>
-            <a:pPr indent="0" lvl="0" marL="0" rtl="0" algn="l">
+            <a:pPr marL="0" lvl="0" indent="0" algn="l" rtl="0">
               <a:spcBef>
                 <a:spcPts val="0"/>
               </a:spcBef>
@@ -5626,9 +5790,6 @@
               </a:spcAft>
               <a:buNone/>
             </a:pPr>
-            <a:r>
-              <a:t/>
-            </a:r>
             <a:endParaRPr/>
           </a:p>
         </p:txBody>
@@ -5648,21 +5809,23 @@
             <a:avLst/>
           </a:prstGeom>
           <a:noFill/>
-          <a:ln cap="flat" cmpd="sng" w="19050">
+          <a:ln w="19050" cap="flat" cmpd="sng">
             <a:solidFill>
               <a:schemeClr val="lt1"/>
             </a:solidFill>
             <a:prstDash val="solid"/>
             <a:round/>
-            <a:headEnd len="sm" w="sm" type="none"/>
-            <a:tailEnd len="sm" w="sm" type="none"/>
+            <a:headEnd type="none" w="sm" len="sm"/>
+            <a:tailEnd type="none" w="sm" len="sm"/>
           </a:ln>
         </p:spPr>
       </p:cxnSp>
       <p:sp>
         <p:nvSpPr>
           <p:cNvPr id="48" name="Google Shape;48;p9"/>
-          <p:cNvSpPr txBox="1"/>
+          <p:cNvSpPr txBox="1">
+            <a:spLocks noGrp="1"/>
+          </p:cNvSpPr>
           <p:nvPr>
             <p:ph type="title"/>
           </p:nvPr>
@@ -5677,7 +5840,7 @@
           </a:prstGeom>
         </p:spPr>
         <p:txBody>
-          <a:bodyPr anchorCtr="0" anchor="b" bIns="91425" lIns="91425" spcFirstLastPara="1" rIns="91425" wrap="square" tIns="91425">
+          <a:bodyPr spcFirstLastPara="1" wrap="square" lIns="91425" tIns="91425" rIns="91425" bIns="91425" anchor="b" anchorCtr="0">
             <a:noAutofit/>
           </a:bodyPr>
           <a:lstStyle>
@@ -5781,15 +5944,19 @@
               <a:defRPr sz="4200"/>
             </a:lvl9pPr>
           </a:lstStyle>
-          <a:p/>
+          <a:p>
+            <a:endParaRPr/>
+          </a:p>
         </p:txBody>
       </p:sp>
       <p:sp>
         <p:nvSpPr>
           <p:cNvPr id="49" name="Google Shape;49;p9"/>
-          <p:cNvSpPr txBox="1"/>
+          <p:cNvSpPr txBox="1">
+            <a:spLocks noGrp="1"/>
+          </p:cNvSpPr>
           <p:nvPr>
-            <p:ph idx="1" type="subTitle"/>
+            <p:ph type="subTitle" idx="1"/>
           </p:nvPr>
         </p:nvSpPr>
         <p:spPr>
@@ -5802,7 +5969,7 @@
           </a:prstGeom>
         </p:spPr>
         <p:txBody>
-          <a:bodyPr anchorCtr="0" anchor="t" bIns="91425" lIns="91425" spcFirstLastPara="1" rIns="91425" wrap="square" tIns="91425">
+          <a:bodyPr spcFirstLastPara="1" wrap="square" lIns="91425" tIns="91425" rIns="91425" bIns="91425" anchor="t" anchorCtr="0">
             <a:noAutofit/>
           </a:bodyPr>
           <a:lstStyle>
@@ -5933,15 +6100,19 @@
               <a:defRPr sz="2100"/>
             </a:lvl9pPr>
           </a:lstStyle>
-          <a:p/>
+          <a:p>
+            <a:endParaRPr/>
+          </a:p>
         </p:txBody>
       </p:sp>
       <p:sp>
         <p:nvSpPr>
           <p:cNvPr id="50" name="Google Shape;50;p9"/>
-          <p:cNvSpPr txBox="1"/>
+          <p:cNvSpPr txBox="1">
+            <a:spLocks noGrp="1"/>
+          </p:cNvSpPr>
           <p:nvPr>
-            <p:ph idx="2" type="body"/>
+            <p:ph type="body" idx="2"/>
           </p:nvPr>
         </p:nvSpPr>
         <p:spPr>
@@ -5954,11 +6125,11 @@
           </a:prstGeom>
         </p:spPr>
         <p:txBody>
-          <a:bodyPr anchorCtr="0" anchor="ctr" bIns="91425" lIns="91425" spcFirstLastPara="1" rIns="91425" wrap="square" tIns="91425">
+          <a:bodyPr spcFirstLastPara="1" wrap="square" lIns="91425" tIns="91425" rIns="91425" bIns="91425" anchor="ctr" anchorCtr="0">
             <a:noAutofit/>
           </a:bodyPr>
           <a:lstStyle>
-            <a:lvl1pPr indent="-342900" lvl="0" marL="457200">
+            <a:lvl1pPr marL="457200" lvl="0" indent="-342900">
               <a:spcBef>
                 <a:spcPts val="0"/>
               </a:spcBef>
@@ -5976,7 +6147,7 @@
                 </a:solidFill>
               </a:defRPr>
             </a:lvl1pPr>
-            <a:lvl2pPr indent="-317500" lvl="1" marL="914400">
+            <a:lvl2pPr marL="914400" lvl="1" indent="-317500">
               <a:spcBef>
                 <a:spcPts val="1600"/>
               </a:spcBef>
@@ -5994,7 +6165,7 @@
                 </a:solidFill>
               </a:defRPr>
             </a:lvl2pPr>
-            <a:lvl3pPr indent="-317500" lvl="2" marL="1371600">
+            <a:lvl3pPr marL="1371600" lvl="2" indent="-317500">
               <a:spcBef>
                 <a:spcPts val="1600"/>
               </a:spcBef>
@@ -6012,7 +6183,7 @@
                 </a:solidFill>
               </a:defRPr>
             </a:lvl3pPr>
-            <a:lvl4pPr indent="-317500" lvl="3" marL="1828800">
+            <a:lvl4pPr marL="1828800" lvl="3" indent="-317500">
               <a:spcBef>
                 <a:spcPts val="1600"/>
               </a:spcBef>
@@ -6030,7 +6201,7 @@
                 </a:solidFill>
               </a:defRPr>
             </a:lvl4pPr>
-            <a:lvl5pPr indent="-317500" lvl="4" marL="2286000">
+            <a:lvl5pPr marL="2286000" lvl="4" indent="-317500">
               <a:spcBef>
                 <a:spcPts val="1600"/>
               </a:spcBef>
@@ -6048,7 +6219,7 @@
                 </a:solidFill>
               </a:defRPr>
             </a:lvl5pPr>
-            <a:lvl6pPr indent="-317500" lvl="5" marL="2743200">
+            <a:lvl6pPr marL="2743200" lvl="5" indent="-317500">
               <a:spcBef>
                 <a:spcPts val="1600"/>
               </a:spcBef>
@@ -6066,7 +6237,7 @@
                 </a:solidFill>
               </a:defRPr>
             </a:lvl6pPr>
-            <a:lvl7pPr indent="-317500" lvl="6" marL="3200400">
+            <a:lvl7pPr marL="3200400" lvl="6" indent="-317500">
               <a:spcBef>
                 <a:spcPts val="1600"/>
               </a:spcBef>
@@ -6084,7 +6255,7 @@
                 </a:solidFill>
               </a:defRPr>
             </a:lvl7pPr>
-            <a:lvl8pPr indent="-317500" lvl="7" marL="3657600">
+            <a:lvl8pPr marL="3657600" lvl="7" indent="-317500">
               <a:spcBef>
                 <a:spcPts val="1600"/>
               </a:spcBef>
@@ -6102,7 +6273,7 @@
                 </a:solidFill>
               </a:defRPr>
             </a:lvl8pPr>
-            <a:lvl9pPr indent="-317500" lvl="8" marL="4114800">
+            <a:lvl9pPr marL="4114800" lvl="8" indent="-317500">
               <a:spcBef>
                 <a:spcPts val="1600"/>
               </a:spcBef>
@@ -6121,15 +6292,19 @@
               </a:defRPr>
             </a:lvl9pPr>
           </a:lstStyle>
-          <a:p/>
+          <a:p>
+            <a:endParaRPr/>
+          </a:p>
         </p:txBody>
       </p:sp>
       <p:sp>
         <p:nvSpPr>
           <p:cNvPr id="51" name="Google Shape;51;p9"/>
-          <p:cNvSpPr txBox="1"/>
+          <p:cNvSpPr txBox="1">
+            <a:spLocks noGrp="1"/>
+          </p:cNvSpPr>
           <p:nvPr>
-            <p:ph idx="12" type="sldNum"/>
+            <p:ph type="sldNum" idx="12"/>
           </p:nvPr>
         </p:nvSpPr>
         <p:spPr>
@@ -6142,7 +6317,7 @@
           </a:prstGeom>
         </p:spPr>
         <p:txBody>
-          <a:bodyPr anchorCtr="0" anchor="ctr" bIns="91425" lIns="91425" spcFirstLastPara="1" rIns="91425" wrap="square" tIns="91425">
+          <a:bodyPr spcFirstLastPara="1" wrap="square" lIns="91425" tIns="91425" rIns="91425" bIns="91425" anchor="ctr" anchorCtr="0">
             <a:noAutofit/>
           </a:bodyPr>
           <a:lstStyle>
@@ -6220,7 +6395,7 @@
             </a:lvl9pPr>
           </a:lstStyle>
           <a:p>
-            <a:pPr indent="0" lvl="0" marL="0" rtl="0" algn="r">
+            <a:pPr marL="0" lvl="0" indent="0" algn="r" rtl="0">
               <a:spcBef>
                 <a:spcPts val="0"/>
               </a:spcBef>
@@ -6246,11 +6421,11 @@
 </file>
 
 <file path=ppt/slideLayouts/slideLayout9.xml><?xml version="1.0" encoding="utf-8"?>
-<p:sldLayout xmlns:a="http://schemas.openxmlformats.org/drawingml/2006/main" xmlns:r="http://schemas.openxmlformats.org/officeDocument/2006/relationships" xmlns:mc="http://schemas.openxmlformats.org/markup-compatibility/2006" xmlns:mv="urn:schemas-microsoft-com:mac:vml" xmlns:p="http://schemas.openxmlformats.org/presentationml/2006/main" xmlns:c="http://schemas.openxmlformats.org/drawingml/2006/chart" xmlns:dgm="http://schemas.openxmlformats.org/drawingml/2006/diagram" xmlns:o="urn:schemas-microsoft-com:office:office" xmlns:v="urn:schemas-microsoft-com:vml" xmlns:pvml="urn:schemas-microsoft-com:office:powerpoint" xmlns:com="http://schemas.openxmlformats.org/drawingml/2006/compatibility" xmlns:p14="http://schemas.microsoft.com/office/powerpoint/2010/main" xmlns:p15="http://schemas.microsoft.com/office/powerpoint/2012/main" matchingName="Caption">
+<p:sldLayout xmlns:a="http://schemas.openxmlformats.org/drawingml/2006/main" xmlns:r="http://schemas.openxmlformats.org/officeDocument/2006/relationships" xmlns:p="http://schemas.openxmlformats.org/presentationml/2006/main" matchingName="Caption">
   <p:cSld name="CAPTION_ONLY">
     <p:spTree>
       <p:nvGrpSpPr>
-        <p:cNvPr id="52" name="Shape 52"/>
+        <p:cNvPr id="1" name="Shape 52"/>
         <p:cNvGrpSpPr/>
         <p:nvPr/>
       </p:nvGrpSpPr>
@@ -6265,9 +6440,11 @@
       <p:sp>
         <p:nvSpPr>
           <p:cNvPr id="53" name="Google Shape;53;p10"/>
-          <p:cNvSpPr txBox="1"/>
+          <p:cNvSpPr txBox="1">
+            <a:spLocks noGrp="1"/>
+          </p:cNvSpPr>
           <p:nvPr>
-            <p:ph idx="1" type="body"/>
+            <p:ph type="body" idx="1"/>
           </p:nvPr>
         </p:nvSpPr>
         <p:spPr>
@@ -6280,11 +6457,11 @@
           </a:prstGeom>
         </p:spPr>
         <p:txBody>
-          <a:bodyPr anchorCtr="0" anchor="ctr" bIns="91425" lIns="91425" spcFirstLastPara="1" rIns="91425" wrap="square" tIns="91425">
+          <a:bodyPr spcFirstLastPara="1" wrap="square" lIns="91425" tIns="91425" rIns="91425" bIns="91425" anchor="ctr" anchorCtr="0">
             <a:noAutofit/>
           </a:bodyPr>
           <a:lstStyle>
-            <a:lvl1pPr indent="-228600" lvl="0" marL="457200">
+            <a:lvl1pPr marL="457200" lvl="0" indent="-228600">
               <a:lnSpc>
                 <a:spcPct val="100000"/>
               </a:lnSpc>
@@ -6305,15 +6482,19 @@
               </a:defRPr>
             </a:lvl1pPr>
           </a:lstStyle>
-          <a:p/>
+          <a:p>
+            <a:endParaRPr/>
+          </a:p>
         </p:txBody>
       </p:sp>
       <p:sp>
         <p:nvSpPr>
           <p:cNvPr id="54" name="Google Shape;54;p10"/>
-          <p:cNvSpPr txBox="1"/>
+          <p:cNvSpPr txBox="1">
+            <a:spLocks noGrp="1"/>
+          </p:cNvSpPr>
           <p:nvPr>
-            <p:ph idx="12" type="sldNum"/>
+            <p:ph type="sldNum" idx="12"/>
           </p:nvPr>
         </p:nvSpPr>
         <p:spPr>
@@ -6326,7 +6507,7 @@
           </a:prstGeom>
         </p:spPr>
         <p:txBody>
-          <a:bodyPr anchorCtr="0" anchor="ctr" bIns="91425" lIns="91425" spcFirstLastPara="1" rIns="91425" wrap="square" tIns="91425">
+          <a:bodyPr spcFirstLastPara="1" wrap="square" lIns="91425" tIns="91425" rIns="91425" bIns="91425" anchor="ctr" anchorCtr="0">
             <a:noAutofit/>
           </a:bodyPr>
           <a:lstStyle>
@@ -6368,7 +6549,7 @@
             </a:lvl9pPr>
           </a:lstStyle>
           <a:p>
-            <a:pPr indent="0" lvl="0" marL="0" rtl="0" algn="r">
+            <a:pPr marL="0" lvl="0" indent="0" algn="r" rtl="0">
               <a:spcBef>
                 <a:spcPts val="0"/>
               </a:spcBef>
@@ -6394,18 +6575,19 @@
 </file>
 
 <file path=ppt/slideMasters/slideMaster1.xml><?xml version="1.0" encoding="utf-8"?>
-<p:sldMaster xmlns:a="http://schemas.openxmlformats.org/drawingml/2006/main" xmlns:r="http://schemas.openxmlformats.org/officeDocument/2006/relationships" xmlns:mc="http://schemas.openxmlformats.org/markup-compatibility/2006" xmlns:mv="urn:schemas-microsoft-com:mac:vml" xmlns:p="http://schemas.openxmlformats.org/presentationml/2006/main" xmlns:c="http://schemas.openxmlformats.org/drawingml/2006/chart" xmlns:dgm="http://schemas.openxmlformats.org/drawingml/2006/diagram" xmlns:o="urn:schemas-microsoft-com:office:office" xmlns:v="urn:schemas-microsoft-com:vml" xmlns:pvml="urn:schemas-microsoft-com:office:powerpoint" xmlns:com="http://schemas.openxmlformats.org/drawingml/2006/compatibility" xmlns:p14="http://schemas.microsoft.com/office/powerpoint/2010/main" xmlns:p15="http://schemas.microsoft.com/office/powerpoint/2012/main">
+<p:sldMaster xmlns:a="http://schemas.openxmlformats.org/drawingml/2006/main" xmlns:r="http://schemas.openxmlformats.org/officeDocument/2006/relationships" xmlns:p="http://schemas.openxmlformats.org/presentationml/2006/main">
   <p:cSld name="tropic">
     <p:bg>
       <p:bgPr>
         <a:solidFill>
           <a:schemeClr val="lt1"/>
         </a:solidFill>
+        <a:effectLst/>
       </p:bgPr>
     </p:bg>
     <p:spTree>
       <p:nvGrpSpPr>
-        <p:cNvPr id="5" name="Shape 5"/>
+        <p:cNvPr id="1" name="Shape 5"/>
         <p:cNvGrpSpPr/>
         <p:nvPr/>
       </p:nvGrpSpPr>
@@ -6420,7 +6602,9 @@
       <p:sp>
         <p:nvSpPr>
           <p:cNvPr id="6" name="Google Shape;6;p1"/>
-          <p:cNvSpPr txBox="1"/>
+          <p:cNvSpPr txBox="1">
+            <a:spLocks noGrp="1"/>
+          </p:cNvSpPr>
           <p:nvPr>
             <p:ph type="title"/>
           </p:nvPr>
@@ -6439,7 +6623,7 @@
           </a:ln>
         </p:spPr>
         <p:txBody>
-          <a:bodyPr anchorCtr="0" anchor="t" bIns="91425" lIns="91425" spcFirstLastPara="1" rIns="91425" wrap="square" tIns="91425">
+          <a:bodyPr spcFirstLastPara="1" wrap="square" lIns="91425" tIns="91425" rIns="91425" bIns="91425" anchor="t" anchorCtr="0">
             <a:noAutofit/>
           </a:bodyPr>
           <a:lstStyle>
@@ -6456,7 +6640,7 @@
               <a:buSzPts val="3600"/>
               <a:buFont typeface="PT Sans Narrow"/>
               <a:buNone/>
-              <a:defRPr b="1" sz="3600">
+              <a:defRPr sz="3600" b="1">
                 <a:solidFill>
                   <a:schemeClr val="accent1"/>
                 </a:solidFill>
@@ -6479,7 +6663,7 @@
               <a:buSzPts val="3600"/>
               <a:buFont typeface="PT Sans Narrow"/>
               <a:buNone/>
-              <a:defRPr b="1" sz="3600">
+              <a:defRPr sz="3600" b="1">
                 <a:solidFill>
                   <a:schemeClr val="accent1"/>
                 </a:solidFill>
@@ -6502,7 +6686,7 @@
               <a:buSzPts val="3600"/>
               <a:buFont typeface="PT Sans Narrow"/>
               <a:buNone/>
-              <a:defRPr b="1" sz="3600">
+              <a:defRPr sz="3600" b="1">
                 <a:solidFill>
                   <a:schemeClr val="accent1"/>
                 </a:solidFill>
@@ -6525,7 +6709,7 @@
               <a:buSzPts val="3600"/>
               <a:buFont typeface="PT Sans Narrow"/>
               <a:buNone/>
-              <a:defRPr b="1" sz="3600">
+              <a:defRPr sz="3600" b="1">
                 <a:solidFill>
                   <a:schemeClr val="accent1"/>
                 </a:solidFill>
@@ -6548,7 +6732,7 @@
               <a:buSzPts val="3600"/>
               <a:buFont typeface="PT Sans Narrow"/>
               <a:buNone/>
-              <a:defRPr b="1" sz="3600">
+              <a:defRPr sz="3600" b="1">
                 <a:solidFill>
                   <a:schemeClr val="accent1"/>
                 </a:solidFill>
@@ -6571,7 +6755,7 @@
               <a:buSzPts val="3600"/>
               <a:buFont typeface="PT Sans Narrow"/>
               <a:buNone/>
-              <a:defRPr b="1" sz="3600">
+              <a:defRPr sz="3600" b="1">
                 <a:solidFill>
                   <a:schemeClr val="accent1"/>
                 </a:solidFill>
@@ -6594,7 +6778,7 @@
               <a:buSzPts val="3600"/>
               <a:buFont typeface="PT Sans Narrow"/>
               <a:buNone/>
-              <a:defRPr b="1" sz="3600">
+              <a:defRPr sz="3600" b="1">
                 <a:solidFill>
                   <a:schemeClr val="accent1"/>
                 </a:solidFill>
@@ -6617,7 +6801,7 @@
               <a:buSzPts val="3600"/>
               <a:buFont typeface="PT Sans Narrow"/>
               <a:buNone/>
-              <a:defRPr b="1" sz="3600">
+              <a:defRPr sz="3600" b="1">
                 <a:solidFill>
                   <a:schemeClr val="accent1"/>
                 </a:solidFill>
@@ -6640,7 +6824,7 @@
               <a:buSzPts val="3600"/>
               <a:buFont typeface="PT Sans Narrow"/>
               <a:buNone/>
-              <a:defRPr b="1" sz="3600">
+              <a:defRPr sz="3600" b="1">
                 <a:solidFill>
                   <a:schemeClr val="accent1"/>
                 </a:solidFill>
@@ -6651,15 +6835,19 @@
               </a:defRPr>
             </a:lvl9pPr>
           </a:lstStyle>
-          <a:p/>
+          <a:p>
+            <a:endParaRPr/>
+          </a:p>
         </p:txBody>
       </p:sp>
       <p:sp>
         <p:nvSpPr>
           <p:cNvPr id="7" name="Google Shape;7;p1"/>
-          <p:cNvSpPr txBox="1"/>
+          <p:cNvSpPr txBox="1">
+            <a:spLocks noGrp="1"/>
+          </p:cNvSpPr>
           <p:nvPr>
-            <p:ph idx="1" type="body"/>
+            <p:ph type="body" idx="1"/>
           </p:nvPr>
         </p:nvSpPr>
         <p:spPr>
@@ -6676,11 +6864,11 @@
           </a:ln>
         </p:spPr>
         <p:txBody>
-          <a:bodyPr anchorCtr="0" anchor="t" bIns="91425" lIns="91425" spcFirstLastPara="1" rIns="91425" wrap="square" tIns="91425">
+          <a:bodyPr spcFirstLastPara="1" wrap="square" lIns="91425" tIns="91425" rIns="91425" bIns="91425" anchor="t" anchorCtr="0">
             <a:noAutofit/>
           </a:bodyPr>
           <a:lstStyle>
-            <a:lvl1pPr indent="-342900" lvl="0" marL="457200">
+            <a:lvl1pPr marL="457200" lvl="0" indent="-342900">
               <a:lnSpc>
                 <a:spcPct val="115000"/>
               </a:lnSpc>
@@ -6706,7 +6894,7 @@
                 <a:sym typeface="Open Sans"/>
               </a:defRPr>
             </a:lvl1pPr>
-            <a:lvl2pPr indent="-317500" lvl="1" marL="914400">
+            <a:lvl2pPr marL="914400" lvl="1" indent="-317500">
               <a:lnSpc>
                 <a:spcPct val="115000"/>
               </a:lnSpc>
@@ -6732,7 +6920,7 @@
                 <a:sym typeface="Open Sans"/>
               </a:defRPr>
             </a:lvl2pPr>
-            <a:lvl3pPr indent="-317500" lvl="2" marL="1371600">
+            <a:lvl3pPr marL="1371600" lvl="2" indent="-317500">
               <a:lnSpc>
                 <a:spcPct val="115000"/>
               </a:lnSpc>
@@ -6758,7 +6946,7 @@
                 <a:sym typeface="Open Sans"/>
               </a:defRPr>
             </a:lvl3pPr>
-            <a:lvl4pPr indent="-317500" lvl="3" marL="1828800">
+            <a:lvl4pPr marL="1828800" lvl="3" indent="-317500">
               <a:lnSpc>
                 <a:spcPct val="115000"/>
               </a:lnSpc>
@@ -6784,7 +6972,7 @@
                 <a:sym typeface="Open Sans"/>
               </a:defRPr>
             </a:lvl4pPr>
-            <a:lvl5pPr indent="-317500" lvl="4" marL="2286000">
+            <a:lvl5pPr marL="2286000" lvl="4" indent="-317500">
               <a:lnSpc>
                 <a:spcPct val="115000"/>
               </a:lnSpc>
@@ -6810,7 +6998,7 @@
                 <a:sym typeface="Open Sans"/>
               </a:defRPr>
             </a:lvl5pPr>
-            <a:lvl6pPr indent="-317500" lvl="5" marL="2743200">
+            <a:lvl6pPr marL="2743200" lvl="5" indent="-317500">
               <a:lnSpc>
                 <a:spcPct val="115000"/>
               </a:lnSpc>
@@ -6836,7 +7024,7 @@
                 <a:sym typeface="Open Sans"/>
               </a:defRPr>
             </a:lvl6pPr>
-            <a:lvl7pPr indent="-317500" lvl="6" marL="3200400">
+            <a:lvl7pPr marL="3200400" lvl="6" indent="-317500">
               <a:lnSpc>
                 <a:spcPct val="115000"/>
               </a:lnSpc>
@@ -6862,7 +7050,7 @@
                 <a:sym typeface="Open Sans"/>
               </a:defRPr>
             </a:lvl7pPr>
-            <a:lvl8pPr indent="-317500" lvl="7" marL="3657600">
+            <a:lvl8pPr marL="3657600" lvl="7" indent="-317500">
               <a:lnSpc>
                 <a:spcPct val="115000"/>
               </a:lnSpc>
@@ -6888,7 +7076,7 @@
                 <a:sym typeface="Open Sans"/>
               </a:defRPr>
             </a:lvl8pPr>
-            <a:lvl9pPr indent="-317500" lvl="8" marL="4114800">
+            <a:lvl9pPr marL="4114800" lvl="8" indent="-317500">
               <a:lnSpc>
                 <a:spcPct val="115000"/>
               </a:lnSpc>
@@ -6915,15 +7103,19 @@
               </a:defRPr>
             </a:lvl9pPr>
           </a:lstStyle>
-          <a:p/>
+          <a:p>
+            <a:endParaRPr/>
+          </a:p>
         </p:txBody>
       </p:sp>
       <p:sp>
         <p:nvSpPr>
           <p:cNvPr id="8" name="Google Shape;8;p1"/>
-          <p:cNvSpPr txBox="1"/>
+          <p:cNvSpPr txBox="1">
+            <a:spLocks noGrp="1"/>
+          </p:cNvSpPr>
           <p:nvPr>
-            <p:ph idx="12" type="sldNum"/>
+            <p:ph type="sldNum" idx="12"/>
           </p:nvPr>
         </p:nvSpPr>
         <p:spPr>
@@ -6940,7 +7132,7 @@
           </a:ln>
         </p:spPr>
         <p:txBody>
-          <a:bodyPr anchorCtr="0" anchor="ctr" bIns="91425" lIns="91425" spcFirstLastPara="1" rIns="91425" wrap="square" tIns="91425">
+          <a:bodyPr spcFirstLastPara="1" wrap="square" lIns="91425" tIns="91425" rIns="91425" bIns="91425" anchor="ctr" anchorCtr="0">
             <a:noAutofit/>
           </a:bodyPr>
           <a:lstStyle>
@@ -7054,7 +7246,7 @@
             </a:lvl9pPr>
           </a:lstStyle>
           <a:p>
-            <a:pPr indent="0" lvl="0" marL="0" rtl="0" algn="r">
+            <a:pPr marL="0" lvl="0" indent="0" algn="r" rtl="0">
               <a:spcBef>
                 <a:spcPts val="0"/>
               </a:spcBef>
@@ -7073,7 +7265,7 @@
       </p:sp>
     </p:spTree>
   </p:cSld>
-  <p:clrMap accent1="accent1" accent2="accent2" accent3="accent3" accent4="accent4" accent5="accent5" accent6="accent6" bg1="lt1" bg2="dk2" tx1="dk1" tx2="lt2" folHlink="folHlink" hlink="hlink"/>
+  <p:clrMap bg1="lt1" tx1="dk1" bg2="dk2" tx2="lt2" accent1="accent1" accent2="accent2" accent3="accent3" accent4="accent4" accent5="accent5" accent6="accent6" hlink="hlink" folHlink="folHlink"/>
   <p:sldLayoutIdLst>
     <p:sldLayoutId id="2147483648" r:id="rId1"/>
     <p:sldLayoutId id="2147483649" r:id="rId2"/>
@@ -7087,10 +7279,10 @@
     <p:sldLayoutId id="2147483657" r:id="rId10"/>
     <p:sldLayoutId id="2147483658" r:id="rId11"/>
   </p:sldLayoutIdLst>
-  <p:hf dt="0" ftr="0" hdr="0" sldNum="0"/>
+  <p:hf sldNum="0" hdr="0" ftr="0" dt="0"/>
   <p:txStyles>
     <p:titleStyle>
-      <a:defPPr lvl="0" marR="0" rtl="0" algn="l">
+      <a:defPPr marR="0" lvl="0" algn="l" rtl="0">
         <a:lnSpc>
           <a:spcPct val="100000"/>
         </a:lnSpc>
@@ -7101,7 +7293,7 @@
           <a:spcPts val="0"/>
         </a:spcAft>
       </a:defPPr>
-      <a:lvl1pPr lvl="0" marR="0" rtl="0" algn="l">
+      <a:lvl1pPr marR="0" lvl="0" algn="l" rtl="0">
         <a:lnSpc>
           <a:spcPct val="100000"/>
         </a:lnSpc>
@@ -7115,7 +7307,7 @@
           <a:srgbClr val="000000"/>
         </a:buClr>
         <a:buFont typeface="Arial"/>
-        <a:defRPr b="0" i="0" sz="1400" u="none" cap="none" strike="noStrike">
+        <a:defRPr sz="1400" b="0" i="0" u="none" strike="noStrike" cap="none">
           <a:solidFill>
             <a:srgbClr val="000000"/>
           </a:solidFill>
@@ -7125,7 +7317,7 @@
           <a:sym typeface="Arial"/>
         </a:defRPr>
       </a:lvl1pPr>
-      <a:lvl2pPr lvl="1" marR="0" rtl="0" algn="l">
+      <a:lvl2pPr marR="0" lvl="1" algn="l" rtl="0">
         <a:lnSpc>
           <a:spcPct val="100000"/>
         </a:lnSpc>
@@ -7139,7 +7331,7 @@
           <a:srgbClr val="000000"/>
         </a:buClr>
         <a:buFont typeface="Arial"/>
-        <a:defRPr b="0" i="0" sz="1400" u="none" cap="none" strike="noStrike">
+        <a:defRPr sz="1400" b="0" i="0" u="none" strike="noStrike" cap="none">
           <a:solidFill>
             <a:srgbClr val="000000"/>
           </a:solidFill>
@@ -7149,7 +7341,7 @@
           <a:sym typeface="Arial"/>
         </a:defRPr>
       </a:lvl2pPr>
-      <a:lvl3pPr lvl="2" marR="0" rtl="0" algn="l">
+      <a:lvl3pPr marR="0" lvl="2" algn="l" rtl="0">
         <a:lnSpc>
           <a:spcPct val="100000"/>
         </a:lnSpc>
@@ -7163,7 +7355,7 @@
           <a:srgbClr val="000000"/>
         </a:buClr>
         <a:buFont typeface="Arial"/>
-        <a:defRPr b="0" i="0" sz="1400" u="none" cap="none" strike="noStrike">
+        <a:defRPr sz="1400" b="0" i="0" u="none" strike="noStrike" cap="none">
           <a:solidFill>
             <a:srgbClr val="000000"/>
           </a:solidFill>
@@ -7173,7 +7365,7 @@
           <a:sym typeface="Arial"/>
         </a:defRPr>
       </a:lvl3pPr>
-      <a:lvl4pPr lvl="3" marR="0" rtl="0" algn="l">
+      <a:lvl4pPr marR="0" lvl="3" algn="l" rtl="0">
         <a:lnSpc>
           <a:spcPct val="100000"/>
         </a:lnSpc>
@@ -7187,7 +7379,7 @@
           <a:srgbClr val="000000"/>
         </a:buClr>
         <a:buFont typeface="Arial"/>
-        <a:defRPr b="0" i="0" sz="1400" u="none" cap="none" strike="noStrike">
+        <a:defRPr sz="1400" b="0" i="0" u="none" strike="noStrike" cap="none">
           <a:solidFill>
             <a:srgbClr val="000000"/>
           </a:solidFill>
@@ -7197,7 +7389,7 @@
           <a:sym typeface="Arial"/>
         </a:defRPr>
       </a:lvl4pPr>
-      <a:lvl5pPr lvl="4" marR="0" rtl="0" algn="l">
+      <a:lvl5pPr marR="0" lvl="4" algn="l" rtl="0">
         <a:lnSpc>
           <a:spcPct val="100000"/>
         </a:lnSpc>
@@ -7211,7 +7403,7 @@
           <a:srgbClr val="000000"/>
         </a:buClr>
         <a:buFont typeface="Arial"/>
-        <a:defRPr b="0" i="0" sz="1400" u="none" cap="none" strike="noStrike">
+        <a:defRPr sz="1400" b="0" i="0" u="none" strike="noStrike" cap="none">
           <a:solidFill>
             <a:srgbClr val="000000"/>
           </a:solidFill>
@@ -7221,7 +7413,7 @@
           <a:sym typeface="Arial"/>
         </a:defRPr>
       </a:lvl5pPr>
-      <a:lvl6pPr lvl="5" marR="0" rtl="0" algn="l">
+      <a:lvl6pPr marR="0" lvl="5" algn="l" rtl="0">
         <a:lnSpc>
           <a:spcPct val="100000"/>
         </a:lnSpc>
@@ -7235,7 +7427,7 @@
           <a:srgbClr val="000000"/>
         </a:buClr>
         <a:buFont typeface="Arial"/>
-        <a:defRPr b="0" i="0" sz="1400" u="none" cap="none" strike="noStrike">
+        <a:defRPr sz="1400" b="0" i="0" u="none" strike="noStrike" cap="none">
           <a:solidFill>
             <a:srgbClr val="000000"/>
           </a:solidFill>
@@ -7245,7 +7437,7 @@
           <a:sym typeface="Arial"/>
         </a:defRPr>
       </a:lvl6pPr>
-      <a:lvl7pPr lvl="6" marR="0" rtl="0" algn="l">
+      <a:lvl7pPr marR="0" lvl="6" algn="l" rtl="0">
         <a:lnSpc>
           <a:spcPct val="100000"/>
         </a:lnSpc>
@@ -7259,7 +7451,7 @@
           <a:srgbClr val="000000"/>
         </a:buClr>
         <a:buFont typeface="Arial"/>
-        <a:defRPr b="0" i="0" sz="1400" u="none" cap="none" strike="noStrike">
+        <a:defRPr sz="1400" b="0" i="0" u="none" strike="noStrike" cap="none">
           <a:solidFill>
             <a:srgbClr val="000000"/>
           </a:solidFill>
@@ -7269,7 +7461,7 @@
           <a:sym typeface="Arial"/>
         </a:defRPr>
       </a:lvl7pPr>
-      <a:lvl8pPr lvl="7" marR="0" rtl="0" algn="l">
+      <a:lvl8pPr marR="0" lvl="7" algn="l" rtl="0">
         <a:lnSpc>
           <a:spcPct val="100000"/>
         </a:lnSpc>
@@ -7283,7 +7475,7 @@
           <a:srgbClr val="000000"/>
         </a:buClr>
         <a:buFont typeface="Arial"/>
-        <a:defRPr b="0" i="0" sz="1400" u="none" cap="none" strike="noStrike">
+        <a:defRPr sz="1400" b="0" i="0" u="none" strike="noStrike" cap="none">
           <a:solidFill>
             <a:srgbClr val="000000"/>
           </a:solidFill>
@@ -7293,7 +7485,7 @@
           <a:sym typeface="Arial"/>
         </a:defRPr>
       </a:lvl8pPr>
-      <a:lvl9pPr lvl="8" marR="0" rtl="0" algn="l">
+      <a:lvl9pPr marR="0" lvl="8" algn="l" rtl="0">
         <a:lnSpc>
           <a:spcPct val="100000"/>
         </a:lnSpc>
@@ -7307,7 +7499,7 @@
           <a:srgbClr val="000000"/>
         </a:buClr>
         <a:buFont typeface="Arial"/>
-        <a:defRPr b="0" i="0" sz="1400" u="none" cap="none" strike="noStrike">
+        <a:defRPr sz="1400" b="0" i="0" u="none" strike="noStrike" cap="none">
           <a:solidFill>
             <a:srgbClr val="000000"/>
           </a:solidFill>
@@ -7319,7 +7511,7 @@
       </a:lvl9pPr>
     </p:titleStyle>
     <p:bodyStyle>
-      <a:defPPr lvl="0" marR="0" rtl="0" algn="l">
+      <a:defPPr marR="0" lvl="0" algn="l" rtl="0">
         <a:lnSpc>
           <a:spcPct val="100000"/>
         </a:lnSpc>
@@ -7330,7 +7522,7 @@
           <a:spcPts val="0"/>
         </a:spcAft>
       </a:defPPr>
-      <a:lvl1pPr lvl="0" marR="0" rtl="0" algn="l">
+      <a:lvl1pPr marR="0" lvl="0" algn="l" rtl="0">
         <a:lnSpc>
           <a:spcPct val="100000"/>
         </a:lnSpc>
@@ -7344,7 +7536,7 @@
           <a:srgbClr val="000000"/>
         </a:buClr>
         <a:buFont typeface="Arial"/>
-        <a:defRPr b="0" i="0" sz="1400" u="none" cap="none" strike="noStrike">
+        <a:defRPr sz="1400" b="0" i="0" u="none" strike="noStrike" cap="none">
           <a:solidFill>
             <a:srgbClr val="000000"/>
           </a:solidFill>
@@ -7354,7 +7546,7 @@
           <a:sym typeface="Arial"/>
         </a:defRPr>
       </a:lvl1pPr>
-      <a:lvl2pPr lvl="1" marR="0" rtl="0" algn="l">
+      <a:lvl2pPr marR="0" lvl="1" algn="l" rtl="0">
         <a:lnSpc>
           <a:spcPct val="100000"/>
         </a:lnSpc>
@@ -7368,7 +7560,7 @@
           <a:srgbClr val="000000"/>
         </a:buClr>
         <a:buFont typeface="Arial"/>
-        <a:defRPr b="0" i="0" sz="1400" u="none" cap="none" strike="noStrike">
+        <a:defRPr sz="1400" b="0" i="0" u="none" strike="noStrike" cap="none">
           <a:solidFill>
             <a:srgbClr val="000000"/>
           </a:solidFill>
@@ -7378,7 +7570,7 @@
           <a:sym typeface="Arial"/>
         </a:defRPr>
       </a:lvl2pPr>
-      <a:lvl3pPr lvl="2" marR="0" rtl="0" algn="l">
+      <a:lvl3pPr marR="0" lvl="2" algn="l" rtl="0">
         <a:lnSpc>
           <a:spcPct val="100000"/>
         </a:lnSpc>
@@ -7392,7 +7584,7 @@
           <a:srgbClr val="000000"/>
         </a:buClr>
         <a:buFont typeface="Arial"/>
-        <a:defRPr b="0" i="0" sz="1400" u="none" cap="none" strike="noStrike">
+        <a:defRPr sz="1400" b="0" i="0" u="none" strike="noStrike" cap="none">
           <a:solidFill>
             <a:srgbClr val="000000"/>
           </a:solidFill>
@@ -7402,7 +7594,7 @@
           <a:sym typeface="Arial"/>
         </a:defRPr>
       </a:lvl3pPr>
-      <a:lvl4pPr lvl="3" marR="0" rtl="0" algn="l">
+      <a:lvl4pPr marR="0" lvl="3" algn="l" rtl="0">
         <a:lnSpc>
           <a:spcPct val="100000"/>
         </a:lnSpc>
@@ -7416,7 +7608,7 @@
           <a:srgbClr val="000000"/>
         </a:buClr>
         <a:buFont typeface="Arial"/>
-        <a:defRPr b="0" i="0" sz="1400" u="none" cap="none" strike="noStrike">
+        <a:defRPr sz="1400" b="0" i="0" u="none" strike="noStrike" cap="none">
           <a:solidFill>
             <a:srgbClr val="000000"/>
           </a:solidFill>
@@ -7426,7 +7618,7 @@
           <a:sym typeface="Arial"/>
         </a:defRPr>
       </a:lvl4pPr>
-      <a:lvl5pPr lvl="4" marR="0" rtl="0" algn="l">
+      <a:lvl5pPr marR="0" lvl="4" algn="l" rtl="0">
         <a:lnSpc>
           <a:spcPct val="100000"/>
         </a:lnSpc>
@@ -7440,7 +7632,7 @@
           <a:srgbClr val="000000"/>
         </a:buClr>
         <a:buFont typeface="Arial"/>
-        <a:defRPr b="0" i="0" sz="1400" u="none" cap="none" strike="noStrike">
+        <a:defRPr sz="1400" b="0" i="0" u="none" strike="noStrike" cap="none">
           <a:solidFill>
             <a:srgbClr val="000000"/>
           </a:solidFill>
@@ -7450,7 +7642,7 @@
           <a:sym typeface="Arial"/>
         </a:defRPr>
       </a:lvl5pPr>
-      <a:lvl6pPr lvl="5" marR="0" rtl="0" algn="l">
+      <a:lvl6pPr marR="0" lvl="5" algn="l" rtl="0">
         <a:lnSpc>
           <a:spcPct val="100000"/>
         </a:lnSpc>
@@ -7464,7 +7656,7 @@
           <a:srgbClr val="000000"/>
         </a:buClr>
         <a:buFont typeface="Arial"/>
-        <a:defRPr b="0" i="0" sz="1400" u="none" cap="none" strike="noStrike">
+        <a:defRPr sz="1400" b="0" i="0" u="none" strike="noStrike" cap="none">
           <a:solidFill>
             <a:srgbClr val="000000"/>
           </a:solidFill>
@@ -7474,7 +7666,7 @@
           <a:sym typeface="Arial"/>
         </a:defRPr>
       </a:lvl6pPr>
-      <a:lvl7pPr lvl="6" marR="0" rtl="0" algn="l">
+      <a:lvl7pPr marR="0" lvl="6" algn="l" rtl="0">
         <a:lnSpc>
           <a:spcPct val="100000"/>
         </a:lnSpc>
@@ -7488,7 +7680,7 @@
           <a:srgbClr val="000000"/>
         </a:buClr>
         <a:buFont typeface="Arial"/>
-        <a:defRPr b="0" i="0" sz="1400" u="none" cap="none" strike="noStrike">
+        <a:defRPr sz="1400" b="0" i="0" u="none" strike="noStrike" cap="none">
           <a:solidFill>
             <a:srgbClr val="000000"/>
           </a:solidFill>
@@ -7498,7 +7690,7 @@
           <a:sym typeface="Arial"/>
         </a:defRPr>
       </a:lvl7pPr>
-      <a:lvl8pPr lvl="7" marR="0" rtl="0" algn="l">
+      <a:lvl8pPr marR="0" lvl="7" algn="l" rtl="0">
         <a:lnSpc>
           <a:spcPct val="100000"/>
         </a:lnSpc>
@@ -7512,7 +7704,7 @@
           <a:srgbClr val="000000"/>
         </a:buClr>
         <a:buFont typeface="Arial"/>
-        <a:defRPr b="0" i="0" sz="1400" u="none" cap="none" strike="noStrike">
+        <a:defRPr sz="1400" b="0" i="0" u="none" strike="noStrike" cap="none">
           <a:solidFill>
             <a:srgbClr val="000000"/>
           </a:solidFill>
@@ -7522,7 +7714,7 @@
           <a:sym typeface="Arial"/>
         </a:defRPr>
       </a:lvl8pPr>
-      <a:lvl9pPr lvl="8" marR="0" rtl="0" algn="l">
+      <a:lvl9pPr marR="0" lvl="8" algn="l" rtl="0">
         <a:lnSpc>
           <a:spcPct val="100000"/>
         </a:lnSpc>
@@ -7536,7 +7728,7 @@
           <a:srgbClr val="000000"/>
         </a:buClr>
         <a:buFont typeface="Arial"/>
-        <a:defRPr b="0" i="0" sz="1400" u="none" cap="none" strike="noStrike">
+        <a:defRPr sz="1400" b="0" i="0" u="none" strike="noStrike" cap="none">
           <a:solidFill>
             <a:srgbClr val="000000"/>
           </a:solidFill>
@@ -7548,7 +7740,7 @@
       </a:lvl9pPr>
     </p:bodyStyle>
     <p:otherStyle>
-      <a:defPPr lvl="0" marR="0" rtl="0" algn="l">
+      <a:defPPr marR="0" lvl="0" algn="l" rtl="0">
         <a:lnSpc>
           <a:spcPct val="100000"/>
         </a:lnSpc>
@@ -7559,7 +7751,7 @@
           <a:spcPts val="0"/>
         </a:spcAft>
       </a:defPPr>
-      <a:lvl1pPr lvl="0" marR="0" rtl="0" algn="l">
+      <a:lvl1pPr marR="0" lvl="0" algn="l" rtl="0">
         <a:lnSpc>
           <a:spcPct val="100000"/>
         </a:lnSpc>
@@ -7573,7 +7765,7 @@
           <a:srgbClr val="000000"/>
         </a:buClr>
         <a:buFont typeface="Arial"/>
-        <a:defRPr b="0" i="0" sz="1400" u="none" cap="none" strike="noStrike">
+        <a:defRPr sz="1400" b="0" i="0" u="none" strike="noStrike" cap="none">
           <a:solidFill>
             <a:srgbClr val="000000"/>
           </a:solidFill>
@@ -7583,7 +7775,7 @@
           <a:sym typeface="Arial"/>
         </a:defRPr>
       </a:lvl1pPr>
-      <a:lvl2pPr lvl="1" marR="0" rtl="0" algn="l">
+      <a:lvl2pPr marR="0" lvl="1" algn="l" rtl="0">
         <a:lnSpc>
           <a:spcPct val="100000"/>
         </a:lnSpc>
@@ -7597,7 +7789,7 @@
           <a:srgbClr val="000000"/>
         </a:buClr>
         <a:buFont typeface="Arial"/>
-        <a:defRPr b="0" i="0" sz="1400" u="none" cap="none" strike="noStrike">
+        <a:defRPr sz="1400" b="0" i="0" u="none" strike="noStrike" cap="none">
           <a:solidFill>
             <a:srgbClr val="000000"/>
           </a:solidFill>
@@ -7607,7 +7799,7 @@
           <a:sym typeface="Arial"/>
         </a:defRPr>
       </a:lvl2pPr>
-      <a:lvl3pPr lvl="2" marR="0" rtl="0" algn="l">
+      <a:lvl3pPr marR="0" lvl="2" algn="l" rtl="0">
         <a:lnSpc>
           <a:spcPct val="100000"/>
         </a:lnSpc>
@@ -7621,7 +7813,7 @@
           <a:srgbClr val="000000"/>
         </a:buClr>
         <a:buFont typeface="Arial"/>
-        <a:defRPr b="0" i="0" sz="1400" u="none" cap="none" strike="noStrike">
+        <a:defRPr sz="1400" b="0" i="0" u="none" strike="noStrike" cap="none">
           <a:solidFill>
             <a:srgbClr val="000000"/>
           </a:solidFill>
@@ -7631,7 +7823,7 @@
           <a:sym typeface="Arial"/>
         </a:defRPr>
       </a:lvl3pPr>
-      <a:lvl4pPr lvl="3" marR="0" rtl="0" algn="l">
+      <a:lvl4pPr marR="0" lvl="3" algn="l" rtl="0">
         <a:lnSpc>
           <a:spcPct val="100000"/>
         </a:lnSpc>
@@ -7645,7 +7837,7 @@
           <a:srgbClr val="000000"/>
         </a:buClr>
         <a:buFont typeface="Arial"/>
-        <a:defRPr b="0" i="0" sz="1400" u="none" cap="none" strike="noStrike">
+        <a:defRPr sz="1400" b="0" i="0" u="none" strike="noStrike" cap="none">
           <a:solidFill>
             <a:srgbClr val="000000"/>
           </a:solidFill>
@@ -7655,7 +7847,7 @@
           <a:sym typeface="Arial"/>
         </a:defRPr>
       </a:lvl4pPr>
-      <a:lvl5pPr lvl="4" marR="0" rtl="0" algn="l">
+      <a:lvl5pPr marR="0" lvl="4" algn="l" rtl="0">
         <a:lnSpc>
           <a:spcPct val="100000"/>
         </a:lnSpc>
@@ -7669,7 +7861,7 @@
           <a:srgbClr val="000000"/>
         </a:buClr>
         <a:buFont typeface="Arial"/>
-        <a:defRPr b="0" i="0" sz="1400" u="none" cap="none" strike="noStrike">
+        <a:defRPr sz="1400" b="0" i="0" u="none" strike="noStrike" cap="none">
           <a:solidFill>
             <a:srgbClr val="000000"/>
           </a:solidFill>
@@ -7679,7 +7871,7 @@
           <a:sym typeface="Arial"/>
         </a:defRPr>
       </a:lvl5pPr>
-      <a:lvl6pPr lvl="5" marR="0" rtl="0" algn="l">
+      <a:lvl6pPr marR="0" lvl="5" algn="l" rtl="0">
         <a:lnSpc>
           <a:spcPct val="100000"/>
         </a:lnSpc>
@@ -7693,7 +7885,7 @@
           <a:srgbClr val="000000"/>
         </a:buClr>
         <a:buFont typeface="Arial"/>
-        <a:defRPr b="0" i="0" sz="1400" u="none" cap="none" strike="noStrike">
+        <a:defRPr sz="1400" b="0" i="0" u="none" strike="noStrike" cap="none">
           <a:solidFill>
             <a:srgbClr val="000000"/>
           </a:solidFill>
@@ -7703,7 +7895,7 @@
           <a:sym typeface="Arial"/>
         </a:defRPr>
       </a:lvl6pPr>
-      <a:lvl7pPr lvl="6" marR="0" rtl="0" algn="l">
+      <a:lvl7pPr marR="0" lvl="6" algn="l" rtl="0">
         <a:lnSpc>
           <a:spcPct val="100000"/>
         </a:lnSpc>
@@ -7717,7 +7909,7 @@
           <a:srgbClr val="000000"/>
         </a:buClr>
         <a:buFont typeface="Arial"/>
-        <a:defRPr b="0" i="0" sz="1400" u="none" cap="none" strike="noStrike">
+        <a:defRPr sz="1400" b="0" i="0" u="none" strike="noStrike" cap="none">
           <a:solidFill>
             <a:srgbClr val="000000"/>
           </a:solidFill>
@@ -7727,7 +7919,7 @@
           <a:sym typeface="Arial"/>
         </a:defRPr>
       </a:lvl7pPr>
-      <a:lvl8pPr lvl="7" marR="0" rtl="0" algn="l">
+      <a:lvl8pPr marR="0" lvl="7" algn="l" rtl="0">
         <a:lnSpc>
           <a:spcPct val="100000"/>
         </a:lnSpc>
@@ -7741,7 +7933,7 @@
           <a:srgbClr val="000000"/>
         </a:buClr>
         <a:buFont typeface="Arial"/>
-        <a:defRPr b="0" i="0" sz="1400" u="none" cap="none" strike="noStrike">
+        <a:defRPr sz="1400" b="0" i="0" u="none" strike="noStrike" cap="none">
           <a:solidFill>
             <a:srgbClr val="000000"/>
           </a:solidFill>
@@ -7751,7 +7943,7 @@
           <a:sym typeface="Arial"/>
         </a:defRPr>
       </a:lvl8pPr>
-      <a:lvl9pPr lvl="8" marR="0" rtl="0" algn="l">
+      <a:lvl9pPr marR="0" lvl="8" algn="l" rtl="0">
         <a:lnSpc>
           <a:spcPct val="100000"/>
         </a:lnSpc>
@@ -7765,7 +7957,7 @@
           <a:srgbClr val="000000"/>
         </a:buClr>
         <a:buFont typeface="Arial"/>
-        <a:defRPr b="0" i="0" sz="1400" u="none" cap="none" strike="noStrike">
+        <a:defRPr sz="1400" b="0" i="0" u="none" strike="noStrike" cap="none">
           <a:solidFill>
             <a:srgbClr val="000000"/>
           </a:solidFill>
@@ -7781,11 +7973,11 @@
 </file>
 
 <file path=ppt/slides/slide1.xml><?xml version="1.0" encoding="utf-8"?>
-<p:sld xmlns:a="http://schemas.openxmlformats.org/drawingml/2006/main" xmlns:r="http://schemas.openxmlformats.org/officeDocument/2006/relationships" xmlns:mc="http://schemas.openxmlformats.org/markup-compatibility/2006" xmlns:mv="urn:schemas-microsoft-com:mac:vml" xmlns:p="http://schemas.openxmlformats.org/presentationml/2006/main" xmlns:c="http://schemas.openxmlformats.org/drawingml/2006/chart" xmlns:dgm="http://schemas.openxmlformats.org/drawingml/2006/diagram" xmlns:o="urn:schemas-microsoft-com:office:office" xmlns:v="urn:schemas-microsoft-com:vml" xmlns:pvml="urn:schemas-microsoft-com:office:powerpoint" xmlns:com="http://schemas.openxmlformats.org/drawingml/2006/compatibility" xmlns:p14="http://schemas.microsoft.com/office/powerpoint/2010/main" xmlns:p15="http://schemas.microsoft.com/office/powerpoint/2012/main">
+<p:sld xmlns:a="http://schemas.openxmlformats.org/drawingml/2006/main" xmlns:r="http://schemas.openxmlformats.org/officeDocument/2006/relationships" xmlns:p="http://schemas.openxmlformats.org/presentationml/2006/main">
   <p:cSld>
     <p:spTree>
       <p:nvGrpSpPr>
-        <p:cNvPr id="65" name="Shape 65"/>
+        <p:cNvPr id="1" name="Shape 65"/>
         <p:cNvGrpSpPr/>
         <p:nvPr/>
       </p:nvGrpSpPr>
@@ -7800,7 +7992,9 @@
       <p:sp>
         <p:nvSpPr>
           <p:cNvPr id="66" name="Google Shape;66;p13"/>
-          <p:cNvSpPr txBox="1"/>
+          <p:cNvSpPr txBox="1">
+            <a:spLocks noGrp="1"/>
+          </p:cNvSpPr>
           <p:nvPr>
             <p:ph type="ctrTitle"/>
           </p:nvPr>
@@ -7815,12 +8009,12 @@
           </a:prstGeom>
         </p:spPr>
         <p:txBody>
-          <a:bodyPr anchorCtr="0" anchor="b" bIns="91425" lIns="91425" spcFirstLastPara="1" rIns="91425" wrap="square" tIns="91425">
+          <a:bodyPr spcFirstLastPara="1" wrap="square" lIns="91425" tIns="91425" rIns="91425" bIns="91425" anchor="b" anchorCtr="0">
             <a:noAutofit/>
           </a:bodyPr>
           <a:lstStyle/>
           <a:p>
-            <a:pPr indent="0" lvl="0" marL="0" rtl="0" algn="ctr">
+            <a:pPr marL="0" lvl="0" indent="0" algn="ctr" rtl="0">
               <a:spcBef>
                 <a:spcPts val="0"/>
               </a:spcBef>
@@ -7840,9 +8034,11 @@
       <p:sp>
         <p:nvSpPr>
           <p:cNvPr id="67" name="Google Shape;67;p13"/>
-          <p:cNvSpPr txBox="1"/>
+          <p:cNvSpPr txBox="1">
+            <a:spLocks noGrp="1"/>
+          </p:cNvSpPr>
           <p:nvPr>
-            <p:ph idx="1" type="subTitle"/>
+            <p:ph type="subTitle" idx="1"/>
           </p:nvPr>
         </p:nvSpPr>
         <p:spPr>
@@ -7855,12 +8051,12 @@
           </a:prstGeom>
         </p:spPr>
         <p:txBody>
-          <a:bodyPr anchorCtr="0" anchor="t" bIns="91425" lIns="91425" spcFirstLastPara="1" rIns="91425" wrap="square" tIns="91425">
+          <a:bodyPr spcFirstLastPara="1" wrap="square" lIns="91425" tIns="91425" rIns="91425" bIns="91425" anchor="t" anchorCtr="0">
             <a:noAutofit/>
           </a:bodyPr>
           <a:lstStyle/>
           <a:p>
-            <a:pPr indent="0" lvl="0" marL="0" rtl="0" algn="ctr">
+            <a:pPr marL="0" lvl="0" indent="0" algn="ctr" rtl="0">
               <a:spcBef>
                 <a:spcPts val="0"/>
               </a:spcBef>
@@ -7886,11 +8082,11 @@
 </file>
 
 <file path=ppt/slides/slide10.xml><?xml version="1.0" encoding="utf-8"?>
-<p:sld xmlns:a="http://schemas.openxmlformats.org/drawingml/2006/main" xmlns:r="http://schemas.openxmlformats.org/officeDocument/2006/relationships" xmlns:mc="http://schemas.openxmlformats.org/markup-compatibility/2006" xmlns:mv="urn:schemas-microsoft-com:mac:vml" xmlns:p="http://schemas.openxmlformats.org/presentationml/2006/main" xmlns:c="http://schemas.openxmlformats.org/drawingml/2006/chart" xmlns:dgm="http://schemas.openxmlformats.org/drawingml/2006/diagram" xmlns:o="urn:schemas-microsoft-com:office:office" xmlns:v="urn:schemas-microsoft-com:vml" xmlns:pvml="urn:schemas-microsoft-com:office:powerpoint" xmlns:com="http://schemas.openxmlformats.org/drawingml/2006/compatibility" xmlns:p14="http://schemas.microsoft.com/office/powerpoint/2010/main" xmlns:p15="http://schemas.microsoft.com/office/powerpoint/2012/main">
+<p:sld xmlns:a="http://schemas.openxmlformats.org/drawingml/2006/main" xmlns:r="http://schemas.openxmlformats.org/officeDocument/2006/relationships" xmlns:p="http://schemas.openxmlformats.org/presentationml/2006/main">
   <p:cSld>
     <p:spTree>
       <p:nvGrpSpPr>
-        <p:cNvPr id="155" name="Shape 155"/>
+        <p:cNvPr id="1" name="Shape 155"/>
         <p:cNvGrpSpPr/>
         <p:nvPr/>
       </p:nvGrpSpPr>
@@ -7905,7 +8101,9 @@
       <p:sp>
         <p:nvSpPr>
           <p:cNvPr id="156" name="Google Shape;156;p22"/>
-          <p:cNvSpPr txBox="1"/>
+          <p:cNvSpPr txBox="1">
+            <a:spLocks noGrp="1"/>
+          </p:cNvSpPr>
           <p:nvPr>
             <p:ph type="title"/>
           </p:nvPr>
@@ -7920,12 +8118,12 @@
           </a:prstGeom>
         </p:spPr>
         <p:txBody>
-          <a:bodyPr anchorCtr="0" anchor="t" bIns="91425" lIns="91425" spcFirstLastPara="1" rIns="91425" wrap="square" tIns="91425">
+          <a:bodyPr spcFirstLastPara="1" wrap="square" lIns="91425" tIns="91425" rIns="91425" bIns="91425" anchor="t" anchorCtr="0">
             <a:noAutofit/>
           </a:bodyPr>
           <a:lstStyle/>
           <a:p>
-            <a:pPr indent="0" lvl="0" marL="0" rtl="0" algn="l">
+            <a:pPr marL="0" lvl="0" indent="0" algn="l" rtl="0">
               <a:spcBef>
                 <a:spcPts val="0"/>
               </a:spcBef>
@@ -7945,9 +8143,11 @@
       <p:sp>
         <p:nvSpPr>
           <p:cNvPr id="157" name="Google Shape;157;p22"/>
-          <p:cNvSpPr txBox="1"/>
+          <p:cNvSpPr txBox="1">
+            <a:spLocks noGrp="1"/>
+          </p:cNvSpPr>
           <p:nvPr>
-            <p:ph idx="1" type="body"/>
+            <p:ph type="body" idx="1"/>
           </p:nvPr>
         </p:nvSpPr>
         <p:spPr>
@@ -7960,12 +8160,12 @@
           </a:prstGeom>
         </p:spPr>
         <p:txBody>
-          <a:bodyPr anchorCtr="0" anchor="t" bIns="91425" lIns="91425" spcFirstLastPara="1" rIns="91425" wrap="square" tIns="91425">
+          <a:bodyPr spcFirstLastPara="1" wrap="square" lIns="91425" tIns="91425" rIns="91425" bIns="91425" anchor="t" anchorCtr="0">
             <a:noAutofit/>
           </a:bodyPr>
           <a:lstStyle/>
           <a:p>
-            <a:pPr indent="0" lvl="0" marL="0" rtl="0" algn="l">
+            <a:pPr marL="0" lvl="0" indent="0" algn="l" rtl="0">
               <a:spcBef>
                 <a:spcPts val="0"/>
               </a:spcBef>
@@ -7974,9 +8174,6 @@
               </a:spcAft>
               <a:buNone/>
             </a:pPr>
-            <a:r>
-              <a:t/>
-            </a:r>
             <a:endParaRPr/>
           </a:p>
         </p:txBody>
@@ -8018,11 +8215,11 @@
 </file>
 
 <file path=ppt/slides/slide11.xml><?xml version="1.0" encoding="utf-8"?>
-<p:sld xmlns:a="http://schemas.openxmlformats.org/drawingml/2006/main" xmlns:r="http://schemas.openxmlformats.org/officeDocument/2006/relationships" xmlns:mc="http://schemas.openxmlformats.org/markup-compatibility/2006" xmlns:mv="urn:schemas-microsoft-com:mac:vml" xmlns:p="http://schemas.openxmlformats.org/presentationml/2006/main" xmlns:c="http://schemas.openxmlformats.org/drawingml/2006/chart" xmlns:dgm="http://schemas.openxmlformats.org/drawingml/2006/diagram" xmlns:o="urn:schemas-microsoft-com:office:office" xmlns:v="urn:schemas-microsoft-com:vml" xmlns:pvml="urn:schemas-microsoft-com:office:powerpoint" xmlns:com="http://schemas.openxmlformats.org/drawingml/2006/compatibility" xmlns:p14="http://schemas.microsoft.com/office/powerpoint/2010/main" xmlns:p15="http://schemas.microsoft.com/office/powerpoint/2012/main">
+<p:sld xmlns:a="http://schemas.openxmlformats.org/drawingml/2006/main" xmlns:r="http://schemas.openxmlformats.org/officeDocument/2006/relationships" xmlns:p="http://schemas.openxmlformats.org/presentationml/2006/main">
   <p:cSld>
     <p:spTree>
       <p:nvGrpSpPr>
-        <p:cNvPr id="162" name="Shape 162"/>
+        <p:cNvPr id="1" name="Shape 162"/>
         <p:cNvGrpSpPr/>
         <p:nvPr/>
       </p:nvGrpSpPr>
@@ -8037,7 +8234,9 @@
       <p:sp>
         <p:nvSpPr>
           <p:cNvPr id="163" name="Google Shape;163;p23"/>
-          <p:cNvSpPr txBox="1"/>
+          <p:cNvSpPr txBox="1">
+            <a:spLocks noGrp="1"/>
+          </p:cNvSpPr>
           <p:nvPr>
             <p:ph type="title"/>
           </p:nvPr>
@@ -8052,12 +8251,12 @@
           </a:prstGeom>
         </p:spPr>
         <p:txBody>
-          <a:bodyPr anchorCtr="0" anchor="t" bIns="91425" lIns="91425" spcFirstLastPara="1" rIns="91425" wrap="square" tIns="91425">
+          <a:bodyPr spcFirstLastPara="1" wrap="square" lIns="91425" tIns="91425" rIns="91425" bIns="91425" anchor="t" anchorCtr="0">
             <a:noAutofit/>
           </a:bodyPr>
           <a:lstStyle/>
           <a:p>
-            <a:pPr indent="0" lvl="0" marL="0" rtl="0" algn="l">
+            <a:pPr marL="0" lvl="0" indent="0" algn="l" rtl="0">
               <a:spcBef>
                 <a:spcPts val="0"/>
               </a:spcBef>
@@ -8077,9 +8276,11 @@
       <p:sp>
         <p:nvSpPr>
           <p:cNvPr id="164" name="Google Shape;164;p23"/>
-          <p:cNvSpPr txBox="1"/>
+          <p:cNvSpPr txBox="1">
+            <a:spLocks noGrp="1"/>
+          </p:cNvSpPr>
           <p:nvPr>
-            <p:ph idx="1" type="body"/>
+            <p:ph type="body" idx="1"/>
           </p:nvPr>
         </p:nvSpPr>
         <p:spPr>
@@ -8092,12 +8293,12 @@
           </a:prstGeom>
         </p:spPr>
         <p:txBody>
-          <a:bodyPr anchorCtr="0" anchor="t" bIns="91425" lIns="91425" spcFirstLastPara="1" rIns="91425" wrap="square" tIns="91425">
+          <a:bodyPr spcFirstLastPara="1" wrap="square" lIns="91425" tIns="91425" rIns="91425" bIns="91425" anchor="t" anchorCtr="0">
             <a:noAutofit/>
           </a:bodyPr>
           <a:lstStyle/>
           <a:p>
-            <a:pPr indent="0" lvl="0" marL="0" rtl="0" algn="l">
+            <a:pPr marL="0" lvl="0" indent="0" algn="l" rtl="0">
               <a:spcBef>
                 <a:spcPts val="0"/>
               </a:spcBef>
@@ -8106,9 +8307,6 @@
               </a:spcAft>
               <a:buNone/>
             </a:pPr>
-            <a:r>
-              <a:t/>
-            </a:r>
             <a:endParaRPr/>
           </a:p>
         </p:txBody>
@@ -8150,11 +8348,11 @@
 </file>
 
 <file path=ppt/slides/slide12.xml><?xml version="1.0" encoding="utf-8"?>
-<p:sld xmlns:a="http://schemas.openxmlformats.org/drawingml/2006/main" xmlns:r="http://schemas.openxmlformats.org/officeDocument/2006/relationships" xmlns:mc="http://schemas.openxmlformats.org/markup-compatibility/2006" xmlns:mv="urn:schemas-microsoft-com:mac:vml" xmlns:p="http://schemas.openxmlformats.org/presentationml/2006/main" xmlns:c="http://schemas.openxmlformats.org/drawingml/2006/chart" xmlns:dgm="http://schemas.openxmlformats.org/drawingml/2006/diagram" xmlns:o="urn:schemas-microsoft-com:office:office" xmlns:v="urn:schemas-microsoft-com:vml" xmlns:pvml="urn:schemas-microsoft-com:office:powerpoint" xmlns:com="http://schemas.openxmlformats.org/drawingml/2006/compatibility" xmlns:p14="http://schemas.microsoft.com/office/powerpoint/2010/main" xmlns:p15="http://schemas.microsoft.com/office/powerpoint/2012/main" show="0">
+<p:sld xmlns:a="http://schemas.openxmlformats.org/drawingml/2006/main" xmlns:r="http://schemas.openxmlformats.org/officeDocument/2006/relationships" xmlns:p="http://schemas.openxmlformats.org/presentationml/2006/main" show="0">
   <p:cSld>
     <p:spTree>
       <p:nvGrpSpPr>
-        <p:cNvPr id="169" name="Shape 169"/>
+        <p:cNvPr id="1" name="Shape 169"/>
         <p:cNvGrpSpPr/>
         <p:nvPr/>
       </p:nvGrpSpPr>
@@ -8169,7 +8367,9 @@
       <p:sp>
         <p:nvSpPr>
           <p:cNvPr id="170" name="Google Shape;170;p24"/>
-          <p:cNvSpPr txBox="1"/>
+          <p:cNvSpPr txBox="1">
+            <a:spLocks noGrp="1"/>
+          </p:cNvSpPr>
           <p:nvPr>
             <p:ph type="title"/>
           </p:nvPr>
@@ -8184,12 +8384,12 @@
           </a:prstGeom>
         </p:spPr>
         <p:txBody>
-          <a:bodyPr anchorCtr="0" anchor="t" bIns="91425" lIns="91425" spcFirstLastPara="1" rIns="91425" wrap="square" tIns="91425">
+          <a:bodyPr spcFirstLastPara="1" wrap="square" lIns="91425" tIns="91425" rIns="91425" bIns="91425" anchor="t" anchorCtr="0">
             <a:noAutofit/>
           </a:bodyPr>
           <a:lstStyle/>
           <a:p>
-            <a:pPr indent="0" lvl="0" marL="0" rtl="0" algn="l">
+            <a:pPr marL="0" lvl="0" indent="0" algn="l" rtl="0">
               <a:spcBef>
                 <a:spcPts val="0"/>
               </a:spcBef>
@@ -8198,9 +8398,6 @@
               </a:spcAft>
               <a:buNone/>
             </a:pPr>
-            <a:r>
-              <a:t/>
-            </a:r>
             <a:endParaRPr/>
           </a:p>
         </p:txBody>
@@ -8208,9 +8405,11 @@
       <p:sp>
         <p:nvSpPr>
           <p:cNvPr id="171" name="Google Shape;171;p24"/>
-          <p:cNvSpPr txBox="1"/>
+          <p:cNvSpPr txBox="1">
+            <a:spLocks noGrp="1"/>
+          </p:cNvSpPr>
           <p:nvPr>
-            <p:ph idx="1" type="body"/>
+            <p:ph type="body" idx="1"/>
           </p:nvPr>
         </p:nvSpPr>
         <p:spPr>
@@ -8223,12 +8422,12 @@
           </a:prstGeom>
         </p:spPr>
         <p:txBody>
-          <a:bodyPr anchorCtr="0" anchor="t" bIns="91425" lIns="91425" spcFirstLastPara="1" rIns="91425" wrap="square" tIns="91425">
+          <a:bodyPr spcFirstLastPara="1" wrap="square" lIns="91425" tIns="91425" rIns="91425" bIns="91425" anchor="t" anchorCtr="0">
             <a:noAutofit/>
           </a:bodyPr>
           <a:lstStyle/>
           <a:p>
-            <a:pPr indent="-342900" lvl="0" marL="457200" rtl="0" algn="l">
+            <a:pPr marL="457200" lvl="0" indent="-342900" algn="l" rtl="0">
               <a:spcBef>
                 <a:spcPts val="0"/>
               </a:spcBef>
@@ -8245,7 +8444,7 @@
             <a:endParaRPr/>
           </a:p>
           <a:p>
-            <a:pPr indent="-342900" lvl="0" marL="457200" rtl="0" algn="l">
+            <a:pPr marL="457200" lvl="0" indent="-342900" algn="l" rtl="0">
               <a:spcBef>
                 <a:spcPts val="0"/>
               </a:spcBef>
@@ -8262,7 +8461,7 @@
             <a:endParaRPr/>
           </a:p>
           <a:p>
-            <a:pPr indent="0" lvl="0" marL="457200" rtl="0" algn="l">
+            <a:pPr marL="457200" lvl="0" indent="0" algn="l" rtl="0">
               <a:spcBef>
                 <a:spcPts val="1600"/>
               </a:spcBef>
@@ -8271,9 +8470,6 @@
               </a:spcAft>
               <a:buNone/>
             </a:pPr>
-            <a:r>
-              <a:t/>
-            </a:r>
             <a:endParaRPr/>
           </a:p>
         </p:txBody>
@@ -8287,11 +8483,11 @@
 </file>
 
 <file path=ppt/slides/slide13.xml><?xml version="1.0" encoding="utf-8"?>
-<p:sld xmlns:a="http://schemas.openxmlformats.org/drawingml/2006/main" xmlns:r="http://schemas.openxmlformats.org/officeDocument/2006/relationships" xmlns:mc="http://schemas.openxmlformats.org/markup-compatibility/2006" xmlns:mv="urn:schemas-microsoft-com:mac:vml" xmlns:p="http://schemas.openxmlformats.org/presentationml/2006/main" xmlns:c="http://schemas.openxmlformats.org/drawingml/2006/chart" xmlns:dgm="http://schemas.openxmlformats.org/drawingml/2006/diagram" xmlns:o="urn:schemas-microsoft-com:office:office" xmlns:v="urn:schemas-microsoft-com:vml" xmlns:pvml="urn:schemas-microsoft-com:office:powerpoint" xmlns:com="http://schemas.openxmlformats.org/drawingml/2006/compatibility" xmlns:p14="http://schemas.microsoft.com/office/powerpoint/2010/main" xmlns:p15="http://schemas.microsoft.com/office/powerpoint/2012/main">
+<p:sld xmlns:a="http://schemas.openxmlformats.org/drawingml/2006/main" xmlns:r="http://schemas.openxmlformats.org/officeDocument/2006/relationships" xmlns:p="http://schemas.openxmlformats.org/presentationml/2006/main">
   <p:cSld>
     <p:spTree>
       <p:nvGrpSpPr>
-        <p:cNvPr id="175" name="Shape 175"/>
+        <p:cNvPr id="1" name="Shape 175"/>
         <p:cNvGrpSpPr/>
         <p:nvPr/>
       </p:nvGrpSpPr>
@@ -8306,7 +8502,9 @@
       <p:sp>
         <p:nvSpPr>
           <p:cNvPr id="176" name="Google Shape;176;p25"/>
-          <p:cNvSpPr txBox="1"/>
+          <p:cNvSpPr txBox="1">
+            <a:spLocks noGrp="1"/>
+          </p:cNvSpPr>
           <p:nvPr>
             <p:ph type="title"/>
           </p:nvPr>
@@ -8321,12 +8519,12 @@
           </a:prstGeom>
         </p:spPr>
         <p:txBody>
-          <a:bodyPr anchorCtr="0" anchor="t" bIns="91425" lIns="91425" spcFirstLastPara="1" rIns="91425" wrap="square" tIns="91425">
+          <a:bodyPr spcFirstLastPara="1" wrap="square" lIns="91425" tIns="91425" rIns="91425" bIns="91425" anchor="t" anchorCtr="0">
             <a:noAutofit/>
           </a:bodyPr>
           <a:lstStyle/>
           <a:p>
-            <a:pPr indent="0" lvl="0" marL="0" rtl="0" algn="l">
+            <a:pPr marL="0" lvl="0" indent="0" algn="l" rtl="0">
               <a:spcBef>
                 <a:spcPts val="0"/>
               </a:spcBef>
@@ -8346,9 +8544,11 @@
       <p:sp>
         <p:nvSpPr>
           <p:cNvPr id="177" name="Google Shape;177;p25"/>
-          <p:cNvSpPr txBox="1"/>
+          <p:cNvSpPr txBox="1">
+            <a:spLocks noGrp="1"/>
+          </p:cNvSpPr>
           <p:nvPr>
-            <p:ph idx="1" type="body"/>
+            <p:ph type="body" idx="1"/>
           </p:nvPr>
         </p:nvSpPr>
         <p:spPr>
@@ -8361,12 +8561,12 @@
           </a:prstGeom>
         </p:spPr>
         <p:txBody>
-          <a:bodyPr anchorCtr="0" anchor="t" bIns="91425" lIns="91425" spcFirstLastPara="1" rIns="91425" wrap="square" tIns="91425">
+          <a:bodyPr spcFirstLastPara="1" wrap="square" lIns="91425" tIns="91425" rIns="91425" bIns="91425" anchor="t" anchorCtr="0">
             <a:noAutofit/>
           </a:bodyPr>
           <a:lstStyle/>
           <a:p>
-            <a:pPr indent="0" lvl="0" marL="0" rtl="0" algn="l">
+            <a:pPr marL="0" lvl="0" indent="0" algn="l" rtl="0">
               <a:spcBef>
                 <a:spcPts val="0"/>
               </a:spcBef>
@@ -8375,9 +8575,6 @@
               </a:spcAft>
               <a:buNone/>
             </a:pPr>
-            <a:r>
-              <a:t/>
-            </a:r>
             <a:endParaRPr/>
           </a:p>
         </p:txBody>
@@ -8447,11 +8644,11 @@
 </file>
 
 <file path=ppt/slides/slide14.xml><?xml version="1.0" encoding="utf-8"?>
-<p:sld xmlns:a="http://schemas.openxmlformats.org/drawingml/2006/main" xmlns:r="http://schemas.openxmlformats.org/officeDocument/2006/relationships" xmlns:mc="http://schemas.openxmlformats.org/markup-compatibility/2006" xmlns:mv="urn:schemas-microsoft-com:mac:vml" xmlns:p="http://schemas.openxmlformats.org/presentationml/2006/main" xmlns:c="http://schemas.openxmlformats.org/drawingml/2006/chart" xmlns:dgm="http://schemas.openxmlformats.org/drawingml/2006/diagram" xmlns:o="urn:schemas-microsoft-com:office:office" xmlns:v="urn:schemas-microsoft-com:vml" xmlns:pvml="urn:schemas-microsoft-com:office:powerpoint" xmlns:com="http://schemas.openxmlformats.org/drawingml/2006/compatibility" xmlns:p14="http://schemas.microsoft.com/office/powerpoint/2010/main" xmlns:p15="http://schemas.microsoft.com/office/powerpoint/2012/main">
+<p:sld xmlns:a="http://schemas.openxmlformats.org/drawingml/2006/main" xmlns:r="http://schemas.openxmlformats.org/officeDocument/2006/relationships" xmlns:p="http://schemas.openxmlformats.org/presentationml/2006/main">
   <p:cSld>
     <p:spTree>
       <p:nvGrpSpPr>
-        <p:cNvPr id="183" name="Shape 183"/>
+        <p:cNvPr id="1" name="Shape 183"/>
         <p:cNvGrpSpPr/>
         <p:nvPr/>
       </p:nvGrpSpPr>
@@ -8466,7 +8663,9 @@
       <p:sp>
         <p:nvSpPr>
           <p:cNvPr id="184" name="Google Shape;184;p26"/>
-          <p:cNvSpPr txBox="1"/>
+          <p:cNvSpPr txBox="1">
+            <a:spLocks noGrp="1"/>
+          </p:cNvSpPr>
           <p:nvPr>
             <p:ph type="title"/>
           </p:nvPr>
@@ -8481,12 +8680,12 @@
           </a:prstGeom>
         </p:spPr>
         <p:txBody>
-          <a:bodyPr anchorCtr="0" anchor="t" bIns="91425" lIns="91425" spcFirstLastPara="1" rIns="91425" wrap="square" tIns="91425">
+          <a:bodyPr spcFirstLastPara="1" wrap="square" lIns="91425" tIns="91425" rIns="91425" bIns="91425" anchor="t" anchorCtr="0">
             <a:noAutofit/>
           </a:bodyPr>
           <a:lstStyle/>
           <a:p>
-            <a:pPr indent="0" lvl="0" marL="0" rtl="0" algn="l">
+            <a:pPr marL="0" lvl="0" indent="0" algn="l" rtl="0">
               <a:spcBef>
                 <a:spcPts val="0"/>
               </a:spcBef>
@@ -8506,9 +8705,11 @@
       <p:sp>
         <p:nvSpPr>
           <p:cNvPr id="185" name="Google Shape;185;p26"/>
-          <p:cNvSpPr txBox="1"/>
+          <p:cNvSpPr txBox="1">
+            <a:spLocks noGrp="1"/>
+          </p:cNvSpPr>
           <p:nvPr>
-            <p:ph idx="1" type="body"/>
+            <p:ph type="body" idx="1"/>
           </p:nvPr>
         </p:nvSpPr>
         <p:spPr>
@@ -8521,12 +8722,12 @@
           </a:prstGeom>
         </p:spPr>
         <p:txBody>
-          <a:bodyPr anchorCtr="0" anchor="t" bIns="91425" lIns="91425" spcFirstLastPara="1" rIns="91425" wrap="square" tIns="91425">
+          <a:bodyPr spcFirstLastPara="1" wrap="square" lIns="91425" tIns="91425" rIns="91425" bIns="91425" anchor="t" anchorCtr="0">
             <a:noAutofit/>
           </a:bodyPr>
           <a:lstStyle/>
           <a:p>
-            <a:pPr indent="0" lvl="0" marL="0" rtl="0" algn="l">
+            <a:pPr marL="0" lvl="0" indent="0" algn="l" rtl="0">
               <a:spcBef>
                 <a:spcPts val="0"/>
               </a:spcBef>
@@ -8535,9 +8736,6 @@
               </a:spcAft>
               <a:buNone/>
             </a:pPr>
-            <a:r>
-              <a:t/>
-            </a:r>
             <a:endParaRPr/>
           </a:p>
         </p:txBody>
@@ -8579,11 +8777,11 @@
 </file>
 
 <file path=ppt/slides/slide15.xml><?xml version="1.0" encoding="utf-8"?>
-<p:sld xmlns:a="http://schemas.openxmlformats.org/drawingml/2006/main" xmlns:r="http://schemas.openxmlformats.org/officeDocument/2006/relationships" xmlns:mc="http://schemas.openxmlformats.org/markup-compatibility/2006" xmlns:mv="urn:schemas-microsoft-com:mac:vml" xmlns:p="http://schemas.openxmlformats.org/presentationml/2006/main" xmlns:c="http://schemas.openxmlformats.org/drawingml/2006/chart" xmlns:dgm="http://schemas.openxmlformats.org/drawingml/2006/diagram" xmlns:o="urn:schemas-microsoft-com:office:office" xmlns:v="urn:schemas-microsoft-com:vml" xmlns:pvml="urn:schemas-microsoft-com:office:powerpoint" xmlns:com="http://schemas.openxmlformats.org/drawingml/2006/compatibility" xmlns:p14="http://schemas.microsoft.com/office/powerpoint/2010/main" xmlns:p15="http://schemas.microsoft.com/office/powerpoint/2012/main">
+<p:sld xmlns:a="http://schemas.openxmlformats.org/drawingml/2006/main" xmlns:r="http://schemas.openxmlformats.org/officeDocument/2006/relationships" xmlns:p="http://schemas.openxmlformats.org/presentationml/2006/main">
   <p:cSld>
     <p:spTree>
       <p:nvGrpSpPr>
-        <p:cNvPr id="190" name="Shape 190"/>
+        <p:cNvPr id="1" name="Shape 190"/>
         <p:cNvGrpSpPr/>
         <p:nvPr/>
       </p:nvGrpSpPr>
@@ -8598,7 +8796,9 @@
       <p:sp>
         <p:nvSpPr>
           <p:cNvPr id="191" name="Google Shape;191;p27"/>
-          <p:cNvSpPr txBox="1"/>
+          <p:cNvSpPr txBox="1">
+            <a:spLocks noGrp="1"/>
+          </p:cNvSpPr>
           <p:nvPr>
             <p:ph type="title"/>
           </p:nvPr>
@@ -8613,12 +8813,12 @@
           </a:prstGeom>
         </p:spPr>
         <p:txBody>
-          <a:bodyPr anchorCtr="0" anchor="t" bIns="91425" lIns="91425" spcFirstLastPara="1" rIns="91425" wrap="square" tIns="91425">
+          <a:bodyPr spcFirstLastPara="1" wrap="square" lIns="91425" tIns="91425" rIns="91425" bIns="91425" anchor="t" anchorCtr="0">
             <a:noAutofit/>
           </a:bodyPr>
           <a:lstStyle/>
           <a:p>
-            <a:pPr indent="0" lvl="0" marL="0" rtl="0" algn="l">
+            <a:pPr marL="0" lvl="0" indent="0" algn="l" rtl="0">
               <a:spcBef>
                 <a:spcPts val="0"/>
               </a:spcBef>
@@ -8638,9 +8838,11 @@
       <p:sp>
         <p:nvSpPr>
           <p:cNvPr id="192" name="Google Shape;192;p27"/>
-          <p:cNvSpPr txBox="1"/>
+          <p:cNvSpPr txBox="1">
+            <a:spLocks noGrp="1"/>
+          </p:cNvSpPr>
           <p:nvPr>
-            <p:ph idx="1" type="body"/>
+            <p:ph type="body" idx="1"/>
           </p:nvPr>
         </p:nvSpPr>
         <p:spPr>
@@ -8653,12 +8855,12 @@
           </a:prstGeom>
         </p:spPr>
         <p:txBody>
-          <a:bodyPr anchorCtr="0" anchor="t" bIns="91425" lIns="91425" spcFirstLastPara="1" rIns="91425" wrap="square" tIns="91425">
+          <a:bodyPr spcFirstLastPara="1" wrap="square" lIns="91425" tIns="91425" rIns="91425" bIns="91425" anchor="t" anchorCtr="0">
             <a:noAutofit/>
           </a:bodyPr>
           <a:lstStyle/>
           <a:p>
-            <a:pPr indent="0" lvl="0" marL="0" rtl="0" algn="l">
+            <a:pPr marL="0" lvl="0" indent="0" algn="l" rtl="0">
               <a:spcBef>
                 <a:spcPts val="0"/>
               </a:spcBef>
@@ -8667,9 +8869,6 @@
               </a:spcAft>
               <a:buNone/>
             </a:pPr>
-            <a:r>
-              <a:t/>
-            </a:r>
             <a:endParaRPr/>
           </a:p>
         </p:txBody>
@@ -8711,11 +8910,11 @@
 </file>
 
 <file path=ppt/slides/slide16.xml><?xml version="1.0" encoding="utf-8"?>
-<p:sld xmlns:a="http://schemas.openxmlformats.org/drawingml/2006/main" xmlns:r="http://schemas.openxmlformats.org/officeDocument/2006/relationships" xmlns:mc="http://schemas.openxmlformats.org/markup-compatibility/2006" xmlns:mv="urn:schemas-microsoft-com:mac:vml" xmlns:p="http://schemas.openxmlformats.org/presentationml/2006/main" xmlns:c="http://schemas.openxmlformats.org/drawingml/2006/chart" xmlns:dgm="http://schemas.openxmlformats.org/drawingml/2006/diagram" xmlns:o="urn:schemas-microsoft-com:office:office" xmlns:v="urn:schemas-microsoft-com:vml" xmlns:pvml="urn:schemas-microsoft-com:office:powerpoint" xmlns:com="http://schemas.openxmlformats.org/drawingml/2006/compatibility" xmlns:p14="http://schemas.microsoft.com/office/powerpoint/2010/main" xmlns:p15="http://schemas.microsoft.com/office/powerpoint/2012/main">
+<p:sld xmlns:a="http://schemas.openxmlformats.org/drawingml/2006/main" xmlns:r="http://schemas.openxmlformats.org/officeDocument/2006/relationships" xmlns:p="http://schemas.openxmlformats.org/presentationml/2006/main">
   <p:cSld>
     <p:spTree>
       <p:nvGrpSpPr>
-        <p:cNvPr id="197" name="Shape 197"/>
+        <p:cNvPr id="1" name="Shape 197"/>
         <p:cNvGrpSpPr/>
         <p:nvPr/>
       </p:nvGrpSpPr>
@@ -8730,7 +8929,9 @@
       <p:sp>
         <p:nvSpPr>
           <p:cNvPr id="198" name="Google Shape;198;p28"/>
-          <p:cNvSpPr txBox="1"/>
+          <p:cNvSpPr txBox="1">
+            <a:spLocks noGrp="1"/>
+          </p:cNvSpPr>
           <p:nvPr>
             <p:ph type="title"/>
           </p:nvPr>
@@ -8745,12 +8946,12 @@
           </a:prstGeom>
         </p:spPr>
         <p:txBody>
-          <a:bodyPr anchorCtr="0" anchor="t" bIns="91425" lIns="91425" spcFirstLastPara="1" rIns="91425" wrap="square" tIns="91425">
+          <a:bodyPr spcFirstLastPara="1" wrap="square" lIns="91425" tIns="91425" rIns="91425" bIns="91425" anchor="t" anchorCtr="0">
             <a:noAutofit/>
           </a:bodyPr>
           <a:lstStyle/>
           <a:p>
-            <a:pPr indent="0" lvl="0" marL="0" rtl="0" algn="l">
+            <a:pPr marL="0" lvl="0" indent="0" algn="l" rtl="0">
               <a:spcBef>
                 <a:spcPts val="0"/>
               </a:spcBef>
@@ -8770,9 +8971,11 @@
       <p:sp>
         <p:nvSpPr>
           <p:cNvPr id="199" name="Google Shape;199;p28"/>
-          <p:cNvSpPr txBox="1"/>
+          <p:cNvSpPr txBox="1">
+            <a:spLocks noGrp="1"/>
+          </p:cNvSpPr>
           <p:nvPr>
-            <p:ph idx="1" type="body"/>
+            <p:ph type="body" idx="1"/>
           </p:nvPr>
         </p:nvSpPr>
         <p:spPr>
@@ -8785,12 +8988,12 @@
           </a:prstGeom>
         </p:spPr>
         <p:txBody>
-          <a:bodyPr anchorCtr="0" anchor="t" bIns="91425" lIns="91425" spcFirstLastPara="1" rIns="91425" wrap="square" tIns="91425">
+          <a:bodyPr spcFirstLastPara="1" wrap="square" lIns="91425" tIns="91425" rIns="91425" bIns="91425" anchor="t" anchorCtr="0">
             <a:noAutofit/>
           </a:bodyPr>
           <a:lstStyle/>
           <a:p>
-            <a:pPr indent="0" lvl="0" marL="0" rtl="0" algn="l">
+            <a:pPr marL="0" lvl="0" indent="0" algn="l" rtl="0">
               <a:spcBef>
                 <a:spcPts val="0"/>
               </a:spcBef>
@@ -8804,7 +9007,7 @@
               <a:t>More </a:t>
             </a:r>
             <a:r>
-              <a:rPr b="1" lang="en"/>
+              <a:rPr lang="en" b="1"/>
               <a:t>flexibility</a:t>
             </a:r>
             <a:r>
@@ -8814,7 +9017,7 @@
             <a:endParaRPr/>
           </a:p>
           <a:p>
-            <a:pPr indent="0" lvl="0" marL="0" rtl="0" algn="l">
+            <a:pPr marL="0" lvl="0" indent="0" algn="l" rtl="0">
               <a:spcBef>
                 <a:spcPts val="1600"/>
               </a:spcBef>
@@ -8828,7 +9031,7 @@
               <a:t>More </a:t>
             </a:r>
             <a:r>
-              <a:rPr b="1" lang="en"/>
+              <a:rPr lang="en" b="1"/>
               <a:t>accuracy</a:t>
             </a:r>
             <a:r>
@@ -8838,7 +9041,7 @@
             <a:endParaRPr/>
           </a:p>
           <a:p>
-            <a:pPr indent="0" lvl="0" marL="0" rtl="0" algn="l">
+            <a:pPr marL="0" lvl="0" indent="0" algn="l" rtl="0">
               <a:spcBef>
                 <a:spcPts val="1600"/>
               </a:spcBef>
@@ -8852,7 +9055,7 @@
               <a:t>More </a:t>
             </a:r>
             <a:r>
-              <a:rPr b="1" lang="en"/>
+              <a:rPr lang="en" b="1"/>
               <a:t>controllability</a:t>
             </a:r>
             <a:r>
@@ -8862,7 +9065,7 @@
             <a:endParaRPr/>
           </a:p>
           <a:p>
-            <a:pPr indent="0" lvl="0" marL="0" rtl="0" algn="l">
+            <a:pPr marL="0" lvl="0" indent="0" algn="l" rtl="0">
               <a:spcBef>
                 <a:spcPts val="1600"/>
               </a:spcBef>
@@ -8872,7 +9075,7 @@
               <a:buNone/>
             </a:pPr>
             <a:r>
-              <a:rPr b="1" lang="en"/>
+              <a:rPr lang="en" b="1"/>
               <a:t>Longer</a:t>
             </a:r>
             <a:r>
@@ -8892,11 +9095,11 @@
 </file>
 
 <file path=ppt/slides/slide17.xml><?xml version="1.0" encoding="utf-8"?>
-<p:sld xmlns:a="http://schemas.openxmlformats.org/drawingml/2006/main" xmlns:r="http://schemas.openxmlformats.org/officeDocument/2006/relationships" xmlns:mc="http://schemas.openxmlformats.org/markup-compatibility/2006" xmlns:mv="urn:schemas-microsoft-com:mac:vml" xmlns:p="http://schemas.openxmlformats.org/presentationml/2006/main" xmlns:c="http://schemas.openxmlformats.org/drawingml/2006/chart" xmlns:dgm="http://schemas.openxmlformats.org/drawingml/2006/diagram" xmlns:o="urn:schemas-microsoft-com:office:office" xmlns:v="urn:schemas-microsoft-com:vml" xmlns:pvml="urn:schemas-microsoft-com:office:powerpoint" xmlns:com="http://schemas.openxmlformats.org/drawingml/2006/compatibility" xmlns:p14="http://schemas.microsoft.com/office/powerpoint/2010/main" xmlns:p15="http://schemas.microsoft.com/office/powerpoint/2012/main">
+<p:sld xmlns:a="http://schemas.openxmlformats.org/drawingml/2006/main" xmlns:r="http://schemas.openxmlformats.org/officeDocument/2006/relationships" xmlns:p="http://schemas.openxmlformats.org/presentationml/2006/main">
   <p:cSld>
     <p:spTree>
       <p:nvGrpSpPr>
-        <p:cNvPr id="203" name="Shape 203"/>
+        <p:cNvPr id="1" name="Shape 203"/>
         <p:cNvGrpSpPr/>
         <p:nvPr/>
       </p:nvGrpSpPr>
@@ -8911,7 +9114,9 @@
       <p:sp>
         <p:nvSpPr>
           <p:cNvPr id="204" name="Google Shape;204;p29"/>
-          <p:cNvSpPr txBox="1"/>
+          <p:cNvSpPr txBox="1">
+            <a:spLocks noGrp="1"/>
+          </p:cNvSpPr>
           <p:nvPr>
             <p:ph type="title"/>
           </p:nvPr>
@@ -8926,12 +9131,12 @@
           </a:prstGeom>
         </p:spPr>
         <p:txBody>
-          <a:bodyPr anchorCtr="0" anchor="ctr" bIns="91425" lIns="91425" spcFirstLastPara="1" rIns="91425" wrap="square" tIns="91425">
+          <a:bodyPr spcFirstLastPara="1" wrap="square" lIns="91425" tIns="91425" rIns="91425" bIns="91425" anchor="ctr" anchorCtr="0">
             <a:noAutofit/>
           </a:bodyPr>
           <a:lstStyle/>
           <a:p>
-            <a:pPr indent="0" lvl="0" marL="0" rtl="0" algn="ctr">
+            <a:pPr marL="0" lvl="0" indent="0" algn="ctr" rtl="0">
               <a:spcBef>
                 <a:spcPts val="0"/>
               </a:spcBef>
@@ -8957,11 +9162,11 @@
 </file>
 
 <file path=ppt/slides/slide2.xml><?xml version="1.0" encoding="utf-8"?>
-<p:sld xmlns:a="http://schemas.openxmlformats.org/drawingml/2006/main" xmlns:r="http://schemas.openxmlformats.org/officeDocument/2006/relationships" xmlns:mc="http://schemas.openxmlformats.org/markup-compatibility/2006" xmlns:mv="urn:schemas-microsoft-com:mac:vml" xmlns:p="http://schemas.openxmlformats.org/presentationml/2006/main" xmlns:c="http://schemas.openxmlformats.org/drawingml/2006/chart" xmlns:dgm="http://schemas.openxmlformats.org/drawingml/2006/diagram" xmlns:o="urn:schemas-microsoft-com:office:office" xmlns:v="urn:schemas-microsoft-com:vml" xmlns:pvml="urn:schemas-microsoft-com:office:powerpoint" xmlns:com="http://schemas.openxmlformats.org/drawingml/2006/compatibility" xmlns:p14="http://schemas.microsoft.com/office/powerpoint/2010/main" xmlns:p15="http://schemas.microsoft.com/office/powerpoint/2012/main">
+<p:sld xmlns:a="http://schemas.openxmlformats.org/drawingml/2006/main" xmlns:r="http://schemas.openxmlformats.org/officeDocument/2006/relationships" xmlns:p="http://schemas.openxmlformats.org/presentationml/2006/main">
   <p:cSld>
     <p:spTree>
       <p:nvGrpSpPr>
-        <p:cNvPr id="71" name="Shape 71"/>
+        <p:cNvPr id="1" name="Shape 71"/>
         <p:cNvGrpSpPr/>
         <p:nvPr/>
       </p:nvGrpSpPr>
@@ -8976,7 +9181,9 @@
       <p:sp>
         <p:nvSpPr>
           <p:cNvPr id="72" name="Google Shape;72;p14"/>
-          <p:cNvSpPr txBox="1"/>
+          <p:cNvSpPr txBox="1">
+            <a:spLocks noGrp="1"/>
+          </p:cNvSpPr>
           <p:nvPr>
             <p:ph type="title"/>
           </p:nvPr>
@@ -8991,12 +9198,12 @@
           </a:prstGeom>
         </p:spPr>
         <p:txBody>
-          <a:bodyPr anchorCtr="0" anchor="b" bIns="91425" lIns="91425" spcFirstLastPara="1" rIns="91425" wrap="square" tIns="91425">
+          <a:bodyPr spcFirstLastPara="1" wrap="square" lIns="91425" tIns="91425" rIns="91425" bIns="91425" anchor="b" anchorCtr="0">
             <a:noAutofit/>
           </a:bodyPr>
           <a:lstStyle/>
           <a:p>
-            <a:pPr indent="0" lvl="0" marL="0" rtl="0" algn="ctr">
+            <a:pPr marL="0" lvl="0" indent="0" algn="ctr" rtl="0">
               <a:spcBef>
                 <a:spcPts val="0"/>
               </a:spcBef>
@@ -9016,9 +9223,11 @@
       <p:sp>
         <p:nvSpPr>
           <p:cNvPr id="73" name="Google Shape;73;p14"/>
-          <p:cNvSpPr txBox="1"/>
+          <p:cNvSpPr txBox="1">
+            <a:spLocks noGrp="1"/>
+          </p:cNvSpPr>
           <p:nvPr>
-            <p:ph idx="1" type="subTitle"/>
+            <p:ph type="subTitle" idx="1"/>
           </p:nvPr>
         </p:nvSpPr>
         <p:spPr>
@@ -9031,12 +9240,12 @@
           </a:prstGeom>
         </p:spPr>
         <p:txBody>
-          <a:bodyPr anchorCtr="0" anchor="t" bIns="91425" lIns="91425" spcFirstLastPara="1" rIns="91425" wrap="square" tIns="91425">
+          <a:bodyPr spcFirstLastPara="1" wrap="square" lIns="91425" tIns="91425" rIns="91425" bIns="91425" anchor="t" anchorCtr="0">
             <a:noAutofit/>
           </a:bodyPr>
           <a:lstStyle/>
           <a:p>
-            <a:pPr indent="0" lvl="0" marL="0" rtl="0" algn="ctr">
+            <a:pPr marL="0" lvl="0" indent="0" algn="ctr" rtl="0">
               <a:spcBef>
                 <a:spcPts val="0"/>
               </a:spcBef>
@@ -9045,9 +9254,6 @@
               </a:spcAft>
               <a:buNone/>
             </a:pPr>
-            <a:r>
-              <a:t/>
-            </a:r>
             <a:endParaRPr/>
           </a:p>
         </p:txBody>
@@ -9055,9 +9261,11 @@
       <p:sp>
         <p:nvSpPr>
           <p:cNvPr id="74" name="Google Shape;74;p14"/>
-          <p:cNvSpPr txBox="1"/>
+          <p:cNvSpPr txBox="1">
+            <a:spLocks noGrp="1"/>
+          </p:cNvSpPr>
           <p:nvPr>
-            <p:ph idx="2" type="body"/>
+            <p:ph type="body" idx="2"/>
           </p:nvPr>
         </p:nvSpPr>
         <p:spPr>
@@ -9070,12 +9278,12 @@
           </a:prstGeom>
         </p:spPr>
         <p:txBody>
-          <a:bodyPr anchorCtr="0" anchor="ctr" bIns="91425" lIns="91425" spcFirstLastPara="1" rIns="91425" wrap="square" tIns="91425">
+          <a:bodyPr spcFirstLastPara="1" wrap="square" lIns="91425" tIns="91425" rIns="91425" bIns="91425" anchor="ctr" anchorCtr="0">
             <a:noAutofit/>
           </a:bodyPr>
           <a:lstStyle/>
           <a:p>
-            <a:pPr indent="-342900" lvl="0" marL="457200" rtl="0" algn="l">
+            <a:pPr marL="457200" lvl="0" indent="-342900" algn="l" rtl="0">
               <a:lnSpc>
                 <a:spcPct val="200000"/>
               </a:lnSpc>
@@ -9095,7 +9303,7 @@
             <a:endParaRPr/>
           </a:p>
           <a:p>
-            <a:pPr indent="-342900" lvl="0" marL="457200" rtl="0" algn="l">
+            <a:pPr marL="457200" lvl="0" indent="-342900" algn="l" rtl="0">
               <a:lnSpc>
                 <a:spcPct val="200000"/>
               </a:lnSpc>
@@ -9115,7 +9323,7 @@
             <a:endParaRPr/>
           </a:p>
           <a:p>
-            <a:pPr indent="-342900" lvl="0" marL="457200" rtl="0" algn="l">
+            <a:pPr marL="457200" lvl="0" indent="-342900" algn="l" rtl="0">
               <a:lnSpc>
                 <a:spcPct val="200000"/>
               </a:lnSpc>
@@ -9135,7 +9343,7 @@
             <a:endParaRPr/>
           </a:p>
           <a:p>
-            <a:pPr indent="-342900" lvl="0" marL="457200" rtl="0" algn="l">
+            <a:pPr marL="457200" lvl="0" indent="-342900" algn="l" rtl="0">
               <a:lnSpc>
                 <a:spcPct val="200000"/>
               </a:lnSpc>
@@ -9155,7 +9363,7 @@
             <a:endParaRPr/>
           </a:p>
           <a:p>
-            <a:pPr indent="-342900" lvl="0" marL="457200" rtl="0" algn="l">
+            <a:pPr marL="457200" lvl="0" indent="-342900" algn="l" rtl="0">
               <a:lnSpc>
                 <a:spcPct val="200000"/>
               </a:lnSpc>
@@ -9175,7 +9383,7 @@
             <a:endParaRPr/>
           </a:p>
           <a:p>
-            <a:pPr indent="-342900" lvl="0" marL="457200" rtl="0" algn="l">
+            <a:pPr marL="457200" lvl="0" indent="-342900" algn="l" rtl="0">
               <a:lnSpc>
                 <a:spcPct val="200000"/>
               </a:lnSpc>
@@ -9205,11 +9413,11 @@
 </file>
 
 <file path=ppt/slides/slide3.xml><?xml version="1.0" encoding="utf-8"?>
-<p:sld xmlns:a="http://schemas.openxmlformats.org/drawingml/2006/main" xmlns:r="http://schemas.openxmlformats.org/officeDocument/2006/relationships" xmlns:mc="http://schemas.openxmlformats.org/markup-compatibility/2006" xmlns:mv="urn:schemas-microsoft-com:mac:vml" xmlns:p="http://schemas.openxmlformats.org/presentationml/2006/main" xmlns:c="http://schemas.openxmlformats.org/drawingml/2006/chart" xmlns:dgm="http://schemas.openxmlformats.org/drawingml/2006/diagram" xmlns:o="urn:schemas-microsoft-com:office:office" xmlns:v="urn:schemas-microsoft-com:vml" xmlns:pvml="urn:schemas-microsoft-com:office:powerpoint" xmlns:com="http://schemas.openxmlformats.org/drawingml/2006/compatibility" xmlns:p14="http://schemas.microsoft.com/office/powerpoint/2010/main" xmlns:p15="http://schemas.microsoft.com/office/powerpoint/2012/main">
+<p:sld xmlns:a="http://schemas.openxmlformats.org/drawingml/2006/main" xmlns:r="http://schemas.openxmlformats.org/officeDocument/2006/relationships" xmlns:p="http://schemas.openxmlformats.org/presentationml/2006/main">
   <p:cSld>
     <p:spTree>
       <p:nvGrpSpPr>
-        <p:cNvPr id="78" name="Shape 78"/>
+        <p:cNvPr id="1" name="Shape 78"/>
         <p:cNvGrpSpPr/>
         <p:nvPr/>
       </p:nvGrpSpPr>
@@ -9224,7 +9432,9 @@
       <p:sp>
         <p:nvSpPr>
           <p:cNvPr id="79" name="Google Shape;79;p15"/>
-          <p:cNvSpPr txBox="1"/>
+          <p:cNvSpPr txBox="1">
+            <a:spLocks noGrp="1"/>
+          </p:cNvSpPr>
           <p:nvPr>
             <p:ph type="title"/>
           </p:nvPr>
@@ -9239,12 +9449,12 @@
           </a:prstGeom>
         </p:spPr>
         <p:txBody>
-          <a:bodyPr anchorCtr="0" anchor="t" bIns="91425" lIns="91425" spcFirstLastPara="1" rIns="91425" wrap="square" tIns="91425">
+          <a:bodyPr spcFirstLastPara="1" wrap="square" lIns="91425" tIns="91425" rIns="91425" bIns="91425" anchor="t" anchorCtr="0">
             <a:noAutofit/>
           </a:bodyPr>
           <a:lstStyle/>
           <a:p>
-            <a:pPr indent="-457200" lvl="0" marL="457200" rtl="0" algn="l">
+            <a:pPr marL="457200" lvl="0" indent="-457200" algn="l" rtl="0">
               <a:spcBef>
                 <a:spcPts val="0"/>
               </a:spcBef>
@@ -9333,14 +9543,14 @@
             <a:avLst/>
           </a:prstGeom>
           <a:noFill/>
-          <a:ln cap="flat" cmpd="sng" w="38100">
+          <a:ln w="38100" cap="flat" cmpd="sng">
             <a:solidFill>
               <a:schemeClr val="accent1"/>
             </a:solidFill>
             <a:prstDash val="solid"/>
             <a:round/>
-            <a:headEnd len="med" w="med" type="none"/>
-            <a:tailEnd len="med" w="med" type="triangle"/>
+            <a:headEnd type="none" w="med" len="med"/>
+            <a:tailEnd type="triangle" w="med" len="med"/>
           </a:ln>
         </p:spPr>
       </p:cxnSp>
@@ -9359,14 +9569,14 @@
             <a:avLst/>
           </a:prstGeom>
           <a:noFill/>
-          <a:ln cap="flat" cmpd="sng" w="38100">
+          <a:ln w="38100" cap="flat" cmpd="sng">
             <a:solidFill>
               <a:schemeClr val="accent1"/>
             </a:solidFill>
             <a:prstDash val="solid"/>
             <a:round/>
-            <a:headEnd len="med" w="med" type="none"/>
-            <a:tailEnd len="med" w="med" type="triangle"/>
+            <a:headEnd type="none" w="med" len="med"/>
+            <a:tailEnd type="triangle" w="med" len="med"/>
           </a:ln>
         </p:spPr>
       </p:cxnSp>
@@ -9390,12 +9600,12 @@
           </a:ln>
         </p:spPr>
         <p:txBody>
-          <a:bodyPr anchorCtr="0" anchor="t" bIns="91425" lIns="91425" spcFirstLastPara="1" rIns="91425" wrap="square" tIns="91425">
+          <a:bodyPr spcFirstLastPara="1" wrap="square" lIns="91425" tIns="91425" rIns="91425" bIns="91425" anchor="t" anchorCtr="0">
             <a:noAutofit/>
           </a:bodyPr>
           <a:lstStyle/>
           <a:p>
-            <a:pPr indent="0" lvl="0" marL="0" rtl="0" algn="l">
+            <a:pPr marL="0" lvl="0" indent="0" algn="l" rtl="0">
               <a:spcBef>
                 <a:spcPts val="0"/>
               </a:spcBef>
@@ -9405,7 +9615,7 @@
               <a:buNone/>
             </a:pPr>
             <a:r>
-              <a:rPr b="1" lang="en">
+              <a:rPr lang="en" b="1">
                 <a:latin typeface="Open Sans"/>
                 <a:ea typeface="Open Sans"/>
                 <a:cs typeface="Open Sans"/>
@@ -9442,12 +9652,12 @@
           </a:ln>
         </p:spPr>
         <p:txBody>
-          <a:bodyPr anchorCtr="0" anchor="t" bIns="91425" lIns="91425" spcFirstLastPara="1" rIns="91425" wrap="square" tIns="91425">
+          <a:bodyPr spcFirstLastPara="1" wrap="square" lIns="91425" tIns="91425" rIns="91425" bIns="91425" anchor="t" anchorCtr="0">
             <a:noAutofit/>
           </a:bodyPr>
           <a:lstStyle/>
           <a:p>
-            <a:pPr indent="0" lvl="0" marL="0" rtl="0" algn="l">
+            <a:pPr marL="0" lvl="0" indent="0" algn="l" rtl="0">
               <a:spcBef>
                 <a:spcPts val="0"/>
               </a:spcBef>
@@ -9457,7 +9667,7 @@
               <a:buNone/>
             </a:pPr>
             <a:r>
-              <a:rPr b="1" lang="en">
+              <a:rPr lang="en" b="1">
                 <a:latin typeface="Open Sans"/>
                 <a:ea typeface="Open Sans"/>
                 <a:cs typeface="Open Sans"/>
@@ -9484,7 +9694,7 @@
           <a:blip r:embed="rId5">
             <a:alphaModFix/>
           </a:blip>
-          <a:srcRect b="0" l="0" r="36248" t="0"/>
+          <a:srcRect r="36248"/>
           <a:stretch/>
         </p:blipFill>
         <p:spPr>
@@ -9521,12 +9731,12 @@
           </a:ln>
         </p:spPr>
         <p:txBody>
-          <a:bodyPr anchorCtr="0" anchor="t" bIns="91425" lIns="91425" spcFirstLastPara="1" rIns="91425" wrap="square" tIns="91425">
+          <a:bodyPr spcFirstLastPara="1" wrap="square" lIns="91425" tIns="91425" rIns="91425" bIns="91425" anchor="t" anchorCtr="0">
             <a:noAutofit/>
           </a:bodyPr>
           <a:lstStyle/>
           <a:p>
-            <a:pPr indent="0" lvl="0" marL="0" rtl="0" algn="l">
+            <a:pPr marL="0" lvl="0" indent="0" algn="l" rtl="0">
               <a:spcBef>
                 <a:spcPts val="0"/>
               </a:spcBef>
@@ -9536,7 +9746,7 @@
               <a:buNone/>
             </a:pPr>
             <a:r>
-              <a:rPr b="1" lang="en">
+              <a:rPr lang="en" b="1">
                 <a:latin typeface="Open Sans"/>
                 <a:ea typeface="Open Sans"/>
                 <a:cs typeface="Open Sans"/>
@@ -9573,12 +9783,12 @@
           </a:ln>
         </p:spPr>
         <p:txBody>
-          <a:bodyPr anchorCtr="0" anchor="t" bIns="91425" lIns="91425" spcFirstLastPara="1" rIns="91425" wrap="square" tIns="91425">
+          <a:bodyPr spcFirstLastPara="1" wrap="square" lIns="91425" tIns="91425" rIns="91425" bIns="91425" anchor="t" anchorCtr="0">
             <a:noAutofit/>
           </a:bodyPr>
           <a:lstStyle/>
           <a:p>
-            <a:pPr indent="0" lvl="0" marL="0" rtl="0" algn="l">
+            <a:pPr marL="0" lvl="0" indent="0" algn="l" rtl="0">
               <a:spcBef>
                 <a:spcPts val="0"/>
               </a:spcBef>
@@ -9594,16 +9804,7 @@
                 <a:cs typeface="Open Sans"/>
                 <a:sym typeface="Open Sans"/>
               </a:rPr>
-              <a:t>* </a:t>
-            </a:r>
-            <a:r>
-              <a:rPr lang="en">
-                <a:latin typeface="Open Sans"/>
-                <a:ea typeface="Open Sans"/>
-                <a:cs typeface="Open Sans"/>
-                <a:sym typeface="Open Sans"/>
-              </a:rPr>
-              <a:t>Inspiration from: Hyperscore @MIT</a:t>
+              <a:t>* Inspiration from: Hyperscore @MIT</a:t>
             </a:r>
             <a:endParaRPr>
               <a:latin typeface="Open Sans"/>
@@ -9623,11 +9824,11 @@
 </file>
 
 <file path=ppt/slides/slide4.xml><?xml version="1.0" encoding="utf-8"?>
-<p:sld xmlns:a="http://schemas.openxmlformats.org/drawingml/2006/main" xmlns:r="http://schemas.openxmlformats.org/officeDocument/2006/relationships" xmlns:mc="http://schemas.openxmlformats.org/markup-compatibility/2006" xmlns:mv="urn:schemas-microsoft-com:mac:vml" xmlns:p="http://schemas.openxmlformats.org/presentationml/2006/main" xmlns:c="http://schemas.openxmlformats.org/drawingml/2006/chart" xmlns:dgm="http://schemas.openxmlformats.org/drawingml/2006/diagram" xmlns:o="urn:schemas-microsoft-com:office:office" xmlns:v="urn:schemas-microsoft-com:vml" xmlns:pvml="urn:schemas-microsoft-com:office:powerpoint" xmlns:com="http://schemas.openxmlformats.org/drawingml/2006/compatibility" xmlns:p14="http://schemas.microsoft.com/office/powerpoint/2010/main" xmlns:p15="http://schemas.microsoft.com/office/powerpoint/2012/main">
+<p:sld xmlns:a="http://schemas.openxmlformats.org/drawingml/2006/main" xmlns:r="http://schemas.openxmlformats.org/officeDocument/2006/relationships" xmlns:p="http://schemas.openxmlformats.org/presentationml/2006/main">
   <p:cSld>
     <p:spTree>
       <p:nvGrpSpPr>
-        <p:cNvPr id="92" name="Shape 92"/>
+        <p:cNvPr id="1" name="Shape 92"/>
         <p:cNvGrpSpPr/>
         <p:nvPr/>
       </p:nvGrpSpPr>
@@ -9642,7 +9843,9 @@
       <p:sp>
         <p:nvSpPr>
           <p:cNvPr id="93" name="Google Shape;93;p16"/>
-          <p:cNvSpPr txBox="1"/>
+          <p:cNvSpPr txBox="1">
+            <a:spLocks noGrp="1"/>
+          </p:cNvSpPr>
           <p:nvPr>
             <p:ph type="title"/>
           </p:nvPr>
@@ -9657,12 +9860,12 @@
           </a:prstGeom>
         </p:spPr>
         <p:txBody>
-          <a:bodyPr anchorCtr="0" anchor="t" bIns="91425" lIns="91425" spcFirstLastPara="1" rIns="91425" wrap="square" tIns="91425">
+          <a:bodyPr spcFirstLastPara="1" wrap="square" lIns="91425" tIns="91425" rIns="91425" bIns="91425" anchor="t" anchorCtr="0">
             <a:noAutofit/>
           </a:bodyPr>
           <a:lstStyle/>
           <a:p>
-            <a:pPr indent="0" lvl="0" marL="0" rtl="0" algn="l">
+            <a:pPr marL="0" lvl="0" indent="0" algn="l" rtl="0">
               <a:spcBef>
                 <a:spcPts val="0"/>
               </a:spcBef>
@@ -9682,9 +9885,11 @@
       <p:sp>
         <p:nvSpPr>
           <p:cNvPr id="94" name="Google Shape;94;p16"/>
-          <p:cNvSpPr txBox="1"/>
+          <p:cNvSpPr txBox="1">
+            <a:spLocks noGrp="1"/>
+          </p:cNvSpPr>
           <p:nvPr>
-            <p:ph idx="1" type="body"/>
+            <p:ph type="body" idx="1"/>
           </p:nvPr>
         </p:nvSpPr>
         <p:spPr>
@@ -9697,12 +9902,12 @@
           </a:prstGeom>
         </p:spPr>
         <p:txBody>
-          <a:bodyPr anchorCtr="0" anchor="t" bIns="91425" lIns="91425" spcFirstLastPara="1" rIns="91425" wrap="square" tIns="91425">
+          <a:bodyPr spcFirstLastPara="1" wrap="square" lIns="91425" tIns="91425" rIns="91425" bIns="91425" anchor="t" anchorCtr="0">
             <a:noAutofit/>
           </a:bodyPr>
           <a:lstStyle/>
           <a:p>
-            <a:pPr indent="0" lvl="0" marL="0" rtl="0" algn="l">
+            <a:pPr marL="0" lvl="0" indent="0" algn="l" rtl="0">
               <a:spcBef>
                 <a:spcPts val="0"/>
               </a:spcBef>
@@ -9711,9 +9916,6 @@
               </a:spcAft>
               <a:buNone/>
             </a:pPr>
-            <a:r>
-              <a:t/>
-            </a:r>
             <a:endParaRPr/>
           </a:p>
         </p:txBody>
@@ -9728,7 +9930,7 @@
           <a:blip r:embed="rId3">
             <a:alphaModFix/>
           </a:blip>
-          <a:srcRect b="5473" l="0" r="36756" t="0"/>
+          <a:srcRect r="36756" b="5473"/>
           <a:stretch/>
         </p:blipFill>
         <p:spPr>
@@ -9765,12 +9967,12 @@
           </a:ln>
         </p:spPr>
         <p:txBody>
-          <a:bodyPr anchorCtr="0" anchor="t" bIns="91425" lIns="91425" spcFirstLastPara="1" rIns="91425" wrap="square" tIns="91425">
+          <a:bodyPr spcFirstLastPara="1" wrap="square" lIns="91425" tIns="91425" rIns="91425" bIns="91425" anchor="t" anchorCtr="0">
             <a:noAutofit/>
           </a:bodyPr>
           <a:lstStyle/>
           <a:p>
-            <a:pPr indent="0" lvl="0" marL="0" rtl="0" algn="l">
+            <a:pPr marL="0" lvl="0" indent="0" algn="l" rtl="0">
               <a:spcBef>
                 <a:spcPts val="0"/>
               </a:spcBef>
@@ -9780,7 +9982,7 @@
               <a:buNone/>
             </a:pPr>
             <a:r>
-              <a:rPr b="1" lang="en" sz="1800">
+              <a:rPr lang="en" sz="1800" b="1">
                 <a:latin typeface="Open Sans"/>
                 <a:ea typeface="Open Sans"/>
                 <a:cs typeface="Open Sans"/>
@@ -9788,7 +9990,7 @@
               </a:rPr>
               <a:t>C-major</a:t>
             </a:r>
-            <a:endParaRPr b="1" sz="1800">
+            <a:endParaRPr sz="1800" b="1">
               <a:latin typeface="Open Sans"/>
               <a:ea typeface="Open Sans"/>
               <a:cs typeface="Open Sans"/>
@@ -9817,12 +10019,12 @@
           </a:ln>
         </p:spPr>
         <p:txBody>
-          <a:bodyPr anchorCtr="0" anchor="t" bIns="91425" lIns="91425" spcFirstLastPara="1" rIns="91425" wrap="square" tIns="91425">
+          <a:bodyPr spcFirstLastPara="1" wrap="square" lIns="91425" tIns="91425" rIns="91425" bIns="91425" anchor="t" anchorCtr="0">
             <a:noAutofit/>
           </a:bodyPr>
           <a:lstStyle/>
           <a:p>
-            <a:pPr indent="0" lvl="0" marL="0" rtl="0" algn="l">
+            <a:pPr marL="0" lvl="0" indent="0" algn="l" rtl="0">
               <a:spcBef>
                 <a:spcPts val="0"/>
               </a:spcBef>
@@ -9854,7 +10056,7 @@
             </a:endParaRPr>
           </a:p>
           <a:p>
-            <a:pPr indent="0" lvl="0" marL="0" rtl="0" algn="l">
+            <a:pPr marL="0" lvl="0" indent="0" algn="l" rtl="0">
               <a:spcBef>
                 <a:spcPts val="0"/>
               </a:spcBef>
@@ -9886,7 +10088,7 @@
             </a:endParaRPr>
           </a:p>
           <a:p>
-            <a:pPr indent="0" lvl="0" marL="0" rtl="0" algn="l">
+            <a:pPr marL="0" lvl="0" indent="0" algn="l" rtl="0">
               <a:spcBef>
                 <a:spcPts val="0"/>
               </a:spcBef>
@@ -9928,11 +10130,11 @@
 </file>
 
 <file path=ppt/slides/slide5.xml><?xml version="1.0" encoding="utf-8"?>
-<p:sld xmlns:a="http://schemas.openxmlformats.org/drawingml/2006/main" xmlns:r="http://schemas.openxmlformats.org/officeDocument/2006/relationships" xmlns:mc="http://schemas.openxmlformats.org/markup-compatibility/2006" xmlns:mv="urn:schemas-microsoft-com:mac:vml" xmlns:p="http://schemas.openxmlformats.org/presentationml/2006/main" xmlns:c="http://schemas.openxmlformats.org/drawingml/2006/chart" xmlns:dgm="http://schemas.openxmlformats.org/drawingml/2006/diagram" xmlns:o="urn:schemas-microsoft-com:office:office" xmlns:v="urn:schemas-microsoft-com:vml" xmlns:pvml="urn:schemas-microsoft-com:office:powerpoint" xmlns:com="http://schemas.openxmlformats.org/drawingml/2006/compatibility" xmlns:p14="http://schemas.microsoft.com/office/powerpoint/2010/main" xmlns:p15="http://schemas.microsoft.com/office/powerpoint/2012/main">
+<p:sld xmlns:a="http://schemas.openxmlformats.org/drawingml/2006/main" xmlns:r="http://schemas.openxmlformats.org/officeDocument/2006/relationships" xmlns:p="http://schemas.openxmlformats.org/presentationml/2006/main">
   <p:cSld>
     <p:spTree>
       <p:nvGrpSpPr>
-        <p:cNvPr id="101" name="Shape 101"/>
+        <p:cNvPr id="1" name="Shape 101"/>
         <p:cNvGrpSpPr/>
         <p:nvPr/>
       </p:nvGrpSpPr>
@@ -9947,7 +10149,9 @@
       <p:sp>
         <p:nvSpPr>
           <p:cNvPr id="102" name="Google Shape;102;p17"/>
-          <p:cNvSpPr txBox="1"/>
+          <p:cNvSpPr txBox="1">
+            <a:spLocks noGrp="1"/>
+          </p:cNvSpPr>
           <p:nvPr>
             <p:ph type="title"/>
           </p:nvPr>
@@ -9962,12 +10166,12 @@
           </a:prstGeom>
         </p:spPr>
         <p:txBody>
-          <a:bodyPr anchorCtr="0" anchor="t" bIns="91425" lIns="91425" spcFirstLastPara="1" rIns="91425" wrap="square" tIns="91425">
+          <a:bodyPr spcFirstLastPara="1" wrap="square" lIns="91425" tIns="91425" rIns="91425" bIns="91425" anchor="t" anchorCtr="0">
             <a:noAutofit/>
           </a:bodyPr>
           <a:lstStyle/>
           <a:p>
-            <a:pPr indent="0" lvl="0" marL="0" rtl="0" algn="l">
+            <a:pPr marL="0" lvl="0" indent="0" algn="l" rtl="0">
               <a:spcBef>
                 <a:spcPts val="0"/>
               </a:spcBef>
@@ -9987,9 +10191,11 @@
       <p:sp>
         <p:nvSpPr>
           <p:cNvPr id="103" name="Google Shape;103;p17"/>
-          <p:cNvSpPr txBox="1"/>
+          <p:cNvSpPr txBox="1">
+            <a:spLocks noGrp="1"/>
+          </p:cNvSpPr>
           <p:nvPr>
-            <p:ph idx="1" type="body"/>
+            <p:ph type="body" idx="1"/>
           </p:nvPr>
         </p:nvSpPr>
         <p:spPr>
@@ -10002,12 +10208,12 @@
           </a:prstGeom>
         </p:spPr>
         <p:txBody>
-          <a:bodyPr anchorCtr="0" anchor="t" bIns="91425" lIns="91425" spcFirstLastPara="1" rIns="91425" wrap="square" tIns="91425">
+          <a:bodyPr spcFirstLastPara="1" wrap="square" lIns="91425" tIns="91425" rIns="91425" bIns="91425" anchor="t" anchorCtr="0">
             <a:noAutofit/>
           </a:bodyPr>
           <a:lstStyle/>
           <a:p>
-            <a:pPr indent="0" lvl="0" marL="0" rtl="0" algn="l">
+            <a:pPr marL="0" lvl="0" indent="0" algn="l" rtl="0">
               <a:spcBef>
                 <a:spcPts val="0"/>
               </a:spcBef>
@@ -10016,9 +10222,6 @@
               </a:spcAft>
               <a:buNone/>
             </a:pPr>
-            <a:r>
-              <a:t/>
-            </a:r>
             <a:endParaRPr/>
           </a:p>
         </p:txBody>
@@ -10033,7 +10236,7 @@
           <a:blip r:embed="rId3">
             <a:alphaModFix/>
           </a:blip>
-          <a:srcRect b="0" l="0" r="13837" t="0"/>
+          <a:srcRect r="13837"/>
           <a:stretch/>
         </p:blipFill>
         <p:spPr>
@@ -10070,12 +10273,12 @@
           </a:ln>
         </p:spPr>
         <p:txBody>
-          <a:bodyPr anchorCtr="0" anchor="t" bIns="91425" lIns="91425" spcFirstLastPara="1" rIns="91425" wrap="square" tIns="91425">
+          <a:bodyPr spcFirstLastPara="1" wrap="square" lIns="91425" tIns="91425" rIns="91425" bIns="91425" anchor="t" anchorCtr="0">
             <a:noAutofit/>
           </a:bodyPr>
           <a:lstStyle/>
           <a:p>
-            <a:pPr indent="0" lvl="0" marL="0" rtl="0" algn="l">
+            <a:pPr marL="0" lvl="0" indent="0" algn="l" rtl="0">
               <a:spcBef>
                 <a:spcPts val="0"/>
               </a:spcBef>
@@ -10085,7 +10288,7 @@
               <a:buNone/>
             </a:pPr>
             <a:r>
-              <a:rPr b="1" lang="en" sz="1800">
+              <a:rPr lang="en" sz="1800" b="1">
                 <a:latin typeface="Open Sans"/>
                 <a:ea typeface="Open Sans"/>
                 <a:cs typeface="Open Sans"/>
@@ -10093,7 +10296,7 @@
               </a:rPr>
               <a:t>C-Chinese</a:t>
             </a:r>
-            <a:endParaRPr b="1" sz="1800">
+            <a:endParaRPr sz="1800" b="1">
               <a:latin typeface="Open Sans"/>
               <a:ea typeface="Open Sans"/>
               <a:cs typeface="Open Sans"/>
@@ -10122,12 +10325,12 @@
           </a:ln>
         </p:spPr>
         <p:txBody>
-          <a:bodyPr anchorCtr="0" anchor="t" bIns="91425" lIns="91425" spcFirstLastPara="1" rIns="91425" wrap="square" tIns="91425">
+          <a:bodyPr spcFirstLastPara="1" wrap="square" lIns="91425" tIns="91425" rIns="91425" bIns="91425" anchor="t" anchorCtr="0">
             <a:noAutofit/>
           </a:bodyPr>
           <a:lstStyle/>
           <a:p>
-            <a:pPr indent="0" lvl="0" marL="0" rtl="0" algn="l">
+            <a:pPr marL="0" lvl="0" indent="0" algn="l" rtl="0">
               <a:spcBef>
                 <a:spcPts val="0"/>
               </a:spcBef>
@@ -10159,7 +10362,7 @@
             </a:endParaRPr>
           </a:p>
           <a:p>
-            <a:pPr indent="0" lvl="0" marL="0" rtl="0" algn="l">
+            <a:pPr marL="0" lvl="0" indent="0" algn="l" rtl="0">
               <a:spcBef>
                 <a:spcPts val="0"/>
               </a:spcBef>
@@ -10191,7 +10394,7 @@
             </a:endParaRPr>
           </a:p>
           <a:p>
-            <a:pPr indent="0" lvl="0" marL="0" rtl="0" algn="l">
+            <a:pPr marL="0" lvl="0" indent="0" algn="l" rtl="0">
               <a:spcBef>
                 <a:spcPts val="0"/>
               </a:spcBef>
@@ -10223,7 +10426,7 @@
             </a:endParaRPr>
           </a:p>
           <a:p>
-            <a:pPr indent="0" lvl="0" marL="0" rtl="0" algn="l">
+            <a:pPr marL="0" lvl="0" indent="0" algn="l" rtl="0">
               <a:spcBef>
                 <a:spcPts val="0"/>
               </a:spcBef>
@@ -10259,11 +10462,11 @@
 </file>
 
 <file path=ppt/slides/slide6.xml><?xml version="1.0" encoding="utf-8"?>
-<p:sld xmlns:a="http://schemas.openxmlformats.org/drawingml/2006/main" xmlns:r="http://schemas.openxmlformats.org/officeDocument/2006/relationships" xmlns:mc="http://schemas.openxmlformats.org/markup-compatibility/2006" xmlns:mv="urn:schemas-microsoft-com:mac:vml" xmlns:p="http://schemas.openxmlformats.org/presentationml/2006/main" xmlns:c="http://schemas.openxmlformats.org/drawingml/2006/chart" xmlns:dgm="http://schemas.openxmlformats.org/drawingml/2006/diagram" xmlns:o="urn:schemas-microsoft-com:office:office" xmlns:v="urn:schemas-microsoft-com:vml" xmlns:pvml="urn:schemas-microsoft-com:office:powerpoint" xmlns:com="http://schemas.openxmlformats.org/drawingml/2006/compatibility" xmlns:p14="http://schemas.microsoft.com/office/powerpoint/2010/main" xmlns:p15="http://schemas.microsoft.com/office/powerpoint/2012/main">
+<p:sld xmlns:a="http://schemas.openxmlformats.org/drawingml/2006/main" xmlns:r="http://schemas.openxmlformats.org/officeDocument/2006/relationships" xmlns:p="http://schemas.openxmlformats.org/presentationml/2006/main">
   <p:cSld>
     <p:spTree>
       <p:nvGrpSpPr>
-        <p:cNvPr id="110" name="Shape 110"/>
+        <p:cNvPr id="1" name="Shape 110"/>
         <p:cNvGrpSpPr/>
         <p:nvPr/>
       </p:nvGrpSpPr>
@@ -10278,9 +10481,11 @@
       <p:sp>
         <p:nvSpPr>
           <p:cNvPr id="111" name="Google Shape;111;p18"/>
-          <p:cNvSpPr txBox="1"/>
+          <p:cNvSpPr txBox="1">
+            <a:spLocks noGrp="1"/>
+          </p:cNvSpPr>
           <p:nvPr>
-            <p:ph idx="1" type="body"/>
+            <p:ph type="body" idx="1"/>
           </p:nvPr>
         </p:nvSpPr>
         <p:spPr>
@@ -10293,12 +10498,12 @@
           </a:prstGeom>
         </p:spPr>
         <p:txBody>
-          <a:bodyPr anchorCtr="0" anchor="t" bIns="91425" lIns="91425" spcFirstLastPara="1" rIns="91425" wrap="square" tIns="91425">
+          <a:bodyPr spcFirstLastPara="1" wrap="square" lIns="91425" tIns="91425" rIns="91425" bIns="91425" anchor="t" anchorCtr="0">
             <a:noAutofit/>
           </a:bodyPr>
           <a:lstStyle/>
           <a:p>
-            <a:pPr indent="0" lvl="0" marL="0" rtl="0" algn="l">
+            <a:pPr marL="0" lvl="0" indent="0" algn="l" rtl="0">
               <a:spcBef>
                 <a:spcPts val="0"/>
               </a:spcBef>
@@ -10307,9 +10512,6 @@
               </a:spcAft>
               <a:buNone/>
             </a:pPr>
-            <a:r>
-              <a:t/>
-            </a:r>
             <a:endParaRPr/>
           </a:p>
         </p:txBody>
@@ -10373,7 +10575,9 @@
       <p:sp>
         <p:nvSpPr>
           <p:cNvPr id="114" name="Google Shape;114;p18"/>
-          <p:cNvSpPr txBox="1"/>
+          <p:cNvSpPr txBox="1">
+            <a:spLocks noGrp="1"/>
+          </p:cNvSpPr>
           <p:nvPr>
             <p:ph type="title"/>
           </p:nvPr>
@@ -10388,12 +10592,12 @@
           </a:prstGeom>
         </p:spPr>
         <p:txBody>
-          <a:bodyPr anchorCtr="0" anchor="t" bIns="91425" lIns="91425" spcFirstLastPara="1" rIns="91425" wrap="square" tIns="91425">
+          <a:bodyPr spcFirstLastPara="1" wrap="square" lIns="91425" tIns="91425" rIns="91425" bIns="91425" anchor="t" anchorCtr="0">
             <a:noAutofit/>
           </a:bodyPr>
           <a:lstStyle/>
           <a:p>
-            <a:pPr indent="0" lvl="0" marL="0" rtl="0" algn="l">
+            <a:pPr marL="0" lvl="0" indent="0" algn="l" rtl="0">
               <a:spcBef>
                 <a:spcPts val="0"/>
               </a:spcBef>
@@ -10419,11 +10623,11 @@
 </file>
 
 <file path=ppt/slides/slide7.xml><?xml version="1.0" encoding="utf-8"?>
-<p:sld xmlns:a="http://schemas.openxmlformats.org/drawingml/2006/main" xmlns:r="http://schemas.openxmlformats.org/officeDocument/2006/relationships" xmlns:mc="http://schemas.openxmlformats.org/markup-compatibility/2006" xmlns:mv="urn:schemas-microsoft-com:mac:vml" xmlns:p="http://schemas.openxmlformats.org/presentationml/2006/main" xmlns:c="http://schemas.openxmlformats.org/drawingml/2006/chart" xmlns:dgm="http://schemas.openxmlformats.org/drawingml/2006/diagram" xmlns:o="urn:schemas-microsoft-com:office:office" xmlns:v="urn:schemas-microsoft-com:vml" xmlns:pvml="urn:schemas-microsoft-com:office:powerpoint" xmlns:com="http://schemas.openxmlformats.org/drawingml/2006/compatibility" xmlns:p14="http://schemas.microsoft.com/office/powerpoint/2010/main" xmlns:p15="http://schemas.microsoft.com/office/powerpoint/2012/main">
+<p:sld xmlns:a="http://schemas.openxmlformats.org/drawingml/2006/main" xmlns:r="http://schemas.openxmlformats.org/officeDocument/2006/relationships" xmlns:p="http://schemas.openxmlformats.org/presentationml/2006/main">
   <p:cSld>
     <p:spTree>
       <p:nvGrpSpPr>
-        <p:cNvPr id="118" name="Shape 118"/>
+        <p:cNvPr id="1" name="Shape 118"/>
         <p:cNvGrpSpPr/>
         <p:nvPr/>
       </p:nvGrpSpPr>
@@ -10466,7 +10670,9 @@
       <p:sp>
         <p:nvSpPr>
           <p:cNvPr id="120" name="Google Shape;120;p19"/>
-          <p:cNvSpPr txBox="1"/>
+          <p:cNvSpPr txBox="1">
+            <a:spLocks noGrp="1"/>
+          </p:cNvSpPr>
           <p:nvPr>
             <p:ph type="title"/>
           </p:nvPr>
@@ -10481,12 +10687,12 @@
           </a:prstGeom>
         </p:spPr>
         <p:txBody>
-          <a:bodyPr anchorCtr="0" anchor="t" bIns="91425" lIns="91425" spcFirstLastPara="1" rIns="91425" wrap="square" tIns="91425">
+          <a:bodyPr spcFirstLastPara="1" wrap="square" lIns="91425" tIns="91425" rIns="91425" bIns="91425" anchor="t" anchorCtr="0">
             <a:noAutofit/>
           </a:bodyPr>
           <a:lstStyle/>
           <a:p>
-            <a:pPr indent="0" lvl="0" marL="0" rtl="0" algn="l">
+            <a:pPr marL="0" lvl="0" indent="0" algn="l" rtl="0">
               <a:spcBef>
                 <a:spcPts val="0"/>
               </a:spcBef>
@@ -10540,11 +10746,11 @@
 </file>
 
 <file path=ppt/slides/slide8.xml><?xml version="1.0" encoding="utf-8"?>
-<p:sld xmlns:a="http://schemas.openxmlformats.org/drawingml/2006/main" xmlns:r="http://schemas.openxmlformats.org/officeDocument/2006/relationships" xmlns:mc="http://schemas.openxmlformats.org/markup-compatibility/2006" xmlns:mv="urn:schemas-microsoft-com:mac:vml" xmlns:p="http://schemas.openxmlformats.org/presentationml/2006/main" xmlns:c="http://schemas.openxmlformats.org/drawingml/2006/chart" xmlns:dgm="http://schemas.openxmlformats.org/drawingml/2006/diagram" xmlns:o="urn:schemas-microsoft-com:office:office" xmlns:v="urn:schemas-microsoft-com:vml" xmlns:pvml="urn:schemas-microsoft-com:office:powerpoint" xmlns:com="http://schemas.openxmlformats.org/drawingml/2006/compatibility" xmlns:p14="http://schemas.microsoft.com/office/powerpoint/2010/main" xmlns:p15="http://schemas.microsoft.com/office/powerpoint/2012/main">
+<p:sld xmlns:a="http://schemas.openxmlformats.org/drawingml/2006/main" xmlns:r="http://schemas.openxmlformats.org/officeDocument/2006/relationships" xmlns:p="http://schemas.openxmlformats.org/presentationml/2006/main">
   <p:cSld>
     <p:spTree>
       <p:nvGrpSpPr>
-        <p:cNvPr id="125" name="Shape 125"/>
+        <p:cNvPr id="1" name="Shape 125"/>
         <p:cNvGrpSpPr/>
         <p:nvPr/>
       </p:nvGrpSpPr>
@@ -10559,7 +10765,9 @@
       <p:sp>
         <p:nvSpPr>
           <p:cNvPr id="126" name="Google Shape;126;p20"/>
-          <p:cNvSpPr txBox="1"/>
+          <p:cNvSpPr txBox="1">
+            <a:spLocks noGrp="1"/>
+          </p:cNvSpPr>
           <p:nvPr>
             <p:ph type="title"/>
           </p:nvPr>
@@ -10574,12 +10782,12 @@
           </a:prstGeom>
         </p:spPr>
         <p:txBody>
-          <a:bodyPr anchorCtr="0" anchor="t" bIns="91425" lIns="91425" spcFirstLastPara="1" rIns="91425" wrap="square" tIns="91425">
+          <a:bodyPr spcFirstLastPara="1" wrap="square" lIns="91425" tIns="91425" rIns="91425" bIns="91425" anchor="t" anchorCtr="0">
             <a:noAutofit/>
           </a:bodyPr>
           <a:lstStyle/>
           <a:p>
-            <a:pPr indent="0" lvl="0" marL="0" rtl="0" algn="l">
+            <a:pPr marL="0" lvl="0" indent="0" algn="l" rtl="0">
               <a:spcBef>
                 <a:spcPts val="0"/>
               </a:spcBef>
@@ -10623,7 +10831,7 @@
             </a:xfrm>
             <a:prstGeom prst="roundRect">
               <a:avLst>
-                <a:gd fmla="val 50000" name="adj"/>
+                <a:gd name="adj" fmla="val 50000"/>
               </a:avLst>
             </a:prstGeom>
             <a:solidFill>
@@ -10634,12 +10842,12 @@
             </a:ln>
           </p:spPr>
           <p:txBody>
-            <a:bodyPr anchorCtr="0" anchor="ctr" bIns="91425" lIns="91425" spcFirstLastPara="1" rIns="91425" wrap="square" tIns="91425">
+            <a:bodyPr spcFirstLastPara="1" wrap="square" lIns="91425" tIns="91425" rIns="91425" bIns="91425" anchor="ctr" anchorCtr="0">
               <a:noAutofit/>
             </a:bodyPr>
             <a:lstStyle/>
             <a:p>
-              <a:pPr indent="0" lvl="0" marL="0" rtl="0" algn="l">
+              <a:pPr marL="0" lvl="0" indent="0" algn="l" rtl="0">
                 <a:spcBef>
                   <a:spcPts val="0"/>
                 </a:spcBef>
@@ -10648,9 +10856,6 @@
                 </a:spcAft>
                 <a:buNone/>
               </a:pPr>
-              <a:r>
-                <a:t/>
-              </a:r>
               <a:endParaRPr/>
             </a:p>
           </p:txBody>
@@ -10676,7 +10881,7 @@
               <a:noFill/>
             </a:ln>
             <a:effectLst>
-              <a:outerShdw blurRad="228600" rotWithShape="0" algn="tl" dir="5400000" dist="50800">
+              <a:outerShdw blurRad="228600" dist="50800" dir="5400000" algn="tl" rotWithShape="0">
                 <a:srgbClr val="000000">
                   <a:alpha val="54900"/>
                 </a:srgbClr>
@@ -10684,12 +10889,12 @@
             </a:effectLst>
           </p:spPr>
           <p:txBody>
-            <a:bodyPr anchorCtr="0" anchor="ctr" bIns="91425" lIns="91425" spcFirstLastPara="1" rIns="91425" wrap="square" tIns="91425">
+            <a:bodyPr spcFirstLastPara="1" wrap="square" lIns="91425" tIns="91425" rIns="91425" bIns="91425" anchor="ctr" anchorCtr="0">
               <a:noAutofit/>
             </a:bodyPr>
             <a:lstStyle/>
             <a:p>
-              <a:pPr indent="0" lvl="0" marL="0" rtl="0" algn="ctr">
+              <a:pPr marL="0" lvl="0" indent="0" algn="ctr" rtl="0">
                 <a:spcBef>
                   <a:spcPts val="0"/>
                 </a:spcBef>
@@ -10699,7 +10904,7 @@
                 <a:buNone/>
               </a:pPr>
               <a:r>
-                <a:rPr b="1" lang="en" sz="1200">
+                <a:rPr lang="en" sz="1200" b="1">
                   <a:solidFill>
                     <a:srgbClr val="155B54"/>
                   </a:solidFill>
@@ -10710,7 +10915,7 @@
                 </a:rPr>
                 <a:t>1</a:t>
               </a:r>
-              <a:endParaRPr b="1" sz="1200">
+              <a:endParaRPr sz="1200" b="1">
                 <a:solidFill>
                   <a:srgbClr val="155B54"/>
                 </a:solidFill>
@@ -10742,12 +10947,12 @@
             </a:ln>
           </p:spPr>
           <p:txBody>
-            <a:bodyPr anchorCtr="0" anchor="ctr" bIns="91425" lIns="91425" spcFirstLastPara="1" rIns="91425" wrap="square" tIns="91425">
+            <a:bodyPr spcFirstLastPara="1" wrap="square" lIns="91425" tIns="91425" rIns="91425" bIns="91425" anchor="ctr" anchorCtr="0">
               <a:noAutofit/>
             </a:bodyPr>
             <a:lstStyle/>
             <a:p>
-              <a:pPr indent="0" lvl="0" marL="0" rtl="0" algn="l">
+              <a:pPr marL="0" lvl="0" indent="0" algn="l" rtl="0">
                 <a:lnSpc>
                   <a:spcPct val="115000"/>
                 </a:lnSpc>
@@ -10760,7 +10965,7 @@
                 <a:buNone/>
               </a:pPr>
               <a:r>
-                <a:rPr b="1" lang="en" sz="1800">
+                <a:rPr lang="en" sz="1800" b="1">
                   <a:solidFill>
                     <a:srgbClr val="FFFFFF"/>
                   </a:solidFill>
@@ -10803,12 +11008,12 @@
             </a:ln>
           </p:spPr>
           <p:txBody>
-            <a:bodyPr anchorCtr="0" anchor="t" bIns="91425" lIns="91425" spcFirstLastPara="1" rIns="91425" wrap="square" tIns="91425">
+            <a:bodyPr spcFirstLastPara="1" wrap="square" lIns="91425" tIns="91425" rIns="91425" bIns="91425" anchor="t" anchorCtr="0">
               <a:noAutofit/>
             </a:bodyPr>
             <a:lstStyle/>
             <a:p>
-              <a:pPr indent="0" lvl="0" marL="0" rtl="0" algn="l">
+              <a:pPr marL="0" lvl="0" indent="0" algn="l" rtl="0">
                 <a:spcBef>
                   <a:spcPts val="0"/>
                 </a:spcBef>
@@ -10817,10 +11022,7 @@
                 </a:spcAft>
                 <a:buNone/>
               </a:pPr>
-              <a:r>
-                <a:t/>
-              </a:r>
-              <a:endParaRPr b="1" sz="800">
+              <a:endParaRPr sz="800" b="1">
                 <a:latin typeface="Roboto"/>
                 <a:ea typeface="Roboto"/>
                 <a:cs typeface="Roboto"/>
@@ -10857,7 +11059,7 @@
             </a:xfrm>
             <a:prstGeom prst="roundRect">
               <a:avLst>
-                <a:gd fmla="val 50000" name="adj"/>
+                <a:gd name="adj" fmla="val 50000"/>
               </a:avLst>
             </a:prstGeom>
             <a:solidFill>
@@ -10868,12 +11070,12 @@
             </a:ln>
           </p:spPr>
           <p:txBody>
-            <a:bodyPr anchorCtr="0" anchor="ctr" bIns="91425" lIns="91425" spcFirstLastPara="1" rIns="91425" wrap="square" tIns="91425">
+            <a:bodyPr spcFirstLastPara="1" wrap="square" lIns="91425" tIns="91425" rIns="91425" bIns="91425" anchor="ctr" anchorCtr="0">
               <a:noAutofit/>
             </a:bodyPr>
             <a:lstStyle/>
             <a:p>
-              <a:pPr indent="0" lvl="0" marL="0" rtl="0" algn="l">
+              <a:pPr marL="0" lvl="0" indent="0" algn="l" rtl="0">
                 <a:spcBef>
                   <a:spcPts val="0"/>
                 </a:spcBef>
@@ -10882,9 +11084,6 @@
                 </a:spcAft>
                 <a:buNone/>
               </a:pPr>
-              <a:r>
-                <a:t/>
-              </a:r>
               <a:endParaRPr/>
             </a:p>
           </p:txBody>
@@ -10910,7 +11109,7 @@
               <a:noFill/>
             </a:ln>
             <a:effectLst>
-              <a:outerShdw blurRad="228600" rotWithShape="0" algn="tl" dir="5400000" dist="50800">
+              <a:outerShdw blurRad="228600" dist="50800" dir="5400000" algn="tl" rotWithShape="0">
                 <a:srgbClr val="000000">
                   <a:alpha val="54900"/>
                 </a:srgbClr>
@@ -10918,12 +11117,12 @@
             </a:effectLst>
           </p:spPr>
           <p:txBody>
-            <a:bodyPr anchorCtr="0" anchor="ctr" bIns="91425" lIns="91425" spcFirstLastPara="1" rIns="91425" wrap="square" tIns="91425">
+            <a:bodyPr spcFirstLastPara="1" wrap="square" lIns="91425" tIns="91425" rIns="91425" bIns="91425" anchor="ctr" anchorCtr="0">
               <a:noAutofit/>
             </a:bodyPr>
             <a:lstStyle/>
             <a:p>
-              <a:pPr indent="0" lvl="0" marL="0" rtl="0" algn="ctr">
+              <a:pPr marL="0" lvl="0" indent="0" algn="ctr" rtl="0">
                 <a:spcBef>
                   <a:spcPts val="0"/>
                 </a:spcBef>
@@ -10933,7 +11132,7 @@
                 <a:buNone/>
               </a:pPr>
               <a:r>
-                <a:rPr b="1" lang="en" sz="1200">
+                <a:rPr lang="en" sz="1200" b="1">
                   <a:solidFill>
                     <a:srgbClr val="1D7E74"/>
                   </a:solidFill>
@@ -10944,7 +11143,7 @@
                 </a:rPr>
                 <a:t>2</a:t>
               </a:r>
-              <a:endParaRPr b="1" sz="1200">
+              <a:endParaRPr sz="1200" b="1">
                 <a:solidFill>
                   <a:srgbClr val="1D7E74"/>
                 </a:solidFill>
@@ -10976,12 +11175,12 @@
             </a:ln>
           </p:spPr>
           <p:txBody>
-            <a:bodyPr anchorCtr="0" anchor="ctr" bIns="91425" lIns="91425" spcFirstLastPara="1" rIns="91425" wrap="square" tIns="91425">
+            <a:bodyPr spcFirstLastPara="1" wrap="square" lIns="91425" tIns="91425" rIns="91425" bIns="91425" anchor="ctr" anchorCtr="0">
               <a:noAutofit/>
             </a:bodyPr>
             <a:lstStyle/>
             <a:p>
-              <a:pPr indent="0" lvl="0" marL="0" rtl="0" algn="l">
+              <a:pPr marL="0" lvl="0" indent="0" algn="l" rtl="0">
                 <a:lnSpc>
                   <a:spcPct val="115000"/>
                 </a:lnSpc>
@@ -10994,7 +11193,7 @@
                 <a:buNone/>
               </a:pPr>
               <a:r>
-                <a:rPr b="1" lang="en" sz="1800">
+                <a:rPr lang="en" sz="1800" b="1">
                   <a:solidFill>
                     <a:srgbClr val="FFFFFF"/>
                   </a:solidFill>
@@ -11037,12 +11236,12 @@
             </a:ln>
           </p:spPr>
           <p:txBody>
-            <a:bodyPr anchorCtr="0" anchor="t" bIns="91425" lIns="91425" spcFirstLastPara="1" rIns="91425" wrap="square" tIns="91425">
+            <a:bodyPr spcFirstLastPara="1" wrap="square" lIns="91425" tIns="91425" rIns="91425" bIns="91425" anchor="t" anchorCtr="0">
               <a:noAutofit/>
             </a:bodyPr>
             <a:lstStyle/>
             <a:p>
-              <a:pPr indent="0" lvl="0" marL="0" rtl="0" algn="l">
+              <a:pPr marL="0" lvl="0" indent="0" algn="l" rtl="0">
                 <a:spcBef>
                   <a:spcPts val="0"/>
                 </a:spcBef>
@@ -11051,10 +11250,7 @@
                 </a:spcAft>
                 <a:buNone/>
               </a:pPr>
-              <a:r>
-                <a:t/>
-              </a:r>
-              <a:endParaRPr b="1" sz="800">
+              <a:endParaRPr sz="800" b="1">
                 <a:latin typeface="Roboto"/>
                 <a:ea typeface="Roboto"/>
                 <a:cs typeface="Roboto"/>
@@ -11091,7 +11287,7 @@
             </a:xfrm>
             <a:prstGeom prst="roundRect">
               <a:avLst>
-                <a:gd fmla="val 50000" name="adj"/>
+                <a:gd name="adj" fmla="val 50000"/>
               </a:avLst>
             </a:prstGeom>
             <a:solidFill>
@@ -11102,12 +11298,12 @@
             </a:ln>
           </p:spPr>
           <p:txBody>
-            <a:bodyPr anchorCtr="0" anchor="ctr" bIns="91425" lIns="91425" spcFirstLastPara="1" rIns="91425" wrap="square" tIns="91425">
+            <a:bodyPr spcFirstLastPara="1" wrap="square" lIns="91425" tIns="91425" rIns="91425" bIns="91425" anchor="ctr" anchorCtr="0">
               <a:noAutofit/>
             </a:bodyPr>
             <a:lstStyle/>
             <a:p>
-              <a:pPr indent="0" lvl="0" marL="0" rtl="0" algn="l">
+              <a:pPr marL="0" lvl="0" indent="0" algn="l" rtl="0">
                 <a:spcBef>
                   <a:spcPts val="0"/>
                 </a:spcBef>
@@ -11116,9 +11312,6 @@
                 </a:spcAft>
                 <a:buNone/>
               </a:pPr>
-              <a:r>
-                <a:t/>
-              </a:r>
               <a:endParaRPr/>
             </a:p>
           </p:txBody>
@@ -11144,7 +11337,7 @@
               <a:noFill/>
             </a:ln>
             <a:effectLst>
-              <a:outerShdw blurRad="228600" rotWithShape="0" algn="tl" dir="5400000" dist="50800">
+              <a:outerShdw blurRad="228600" dist="50800" dir="5400000" algn="tl" rotWithShape="0">
                 <a:srgbClr val="000000">
                   <a:alpha val="54900"/>
                 </a:srgbClr>
@@ -11152,12 +11345,12 @@
             </a:effectLst>
           </p:spPr>
           <p:txBody>
-            <a:bodyPr anchorCtr="0" anchor="ctr" bIns="91425" lIns="91425" spcFirstLastPara="1" rIns="91425" wrap="square" tIns="91425">
+            <a:bodyPr spcFirstLastPara="1" wrap="square" lIns="91425" tIns="91425" rIns="91425" bIns="91425" anchor="ctr" anchorCtr="0">
               <a:noAutofit/>
             </a:bodyPr>
             <a:lstStyle/>
             <a:p>
-              <a:pPr indent="0" lvl="0" marL="0" rtl="0" algn="ctr">
+              <a:pPr marL="0" lvl="0" indent="0" algn="ctr" rtl="0">
                 <a:spcBef>
                   <a:spcPts val="0"/>
                 </a:spcBef>
@@ -11167,7 +11360,7 @@
                 <a:buNone/>
               </a:pPr>
               <a:r>
-                <a:rPr b="1" lang="en" sz="1200">
+                <a:rPr lang="en" sz="1200" b="1">
                   <a:solidFill>
                     <a:srgbClr val="249C90"/>
                   </a:solidFill>
@@ -11178,7 +11371,7 @@
                 </a:rPr>
                 <a:t>3</a:t>
               </a:r>
-              <a:endParaRPr b="1" sz="1200">
+              <a:endParaRPr sz="1200" b="1">
                 <a:solidFill>
                   <a:srgbClr val="249C90"/>
                 </a:solidFill>
@@ -11210,12 +11403,12 @@
             </a:ln>
           </p:spPr>
           <p:txBody>
-            <a:bodyPr anchorCtr="0" anchor="ctr" bIns="91425" lIns="91425" spcFirstLastPara="1" rIns="91425" wrap="square" tIns="91425">
+            <a:bodyPr spcFirstLastPara="1" wrap="square" lIns="91425" tIns="91425" rIns="91425" bIns="91425" anchor="ctr" anchorCtr="0">
               <a:noAutofit/>
             </a:bodyPr>
             <a:lstStyle/>
             <a:p>
-              <a:pPr indent="0" lvl="0" marL="0" rtl="0" algn="l">
+              <a:pPr marL="0" lvl="0" indent="0" algn="l" rtl="0">
                 <a:lnSpc>
                   <a:spcPct val="115000"/>
                 </a:lnSpc>
@@ -11228,7 +11421,7 @@
                 <a:buNone/>
               </a:pPr>
               <a:r>
-                <a:rPr b="1" lang="en" sz="1800">
+                <a:rPr lang="en" sz="1800" b="1">
                   <a:solidFill>
                     <a:srgbClr val="FFFFFF"/>
                   </a:solidFill>
@@ -11271,12 +11464,12 @@
             </a:ln>
           </p:spPr>
           <p:txBody>
-            <a:bodyPr anchorCtr="0" anchor="t" bIns="91425" lIns="91425" spcFirstLastPara="1" rIns="91425" wrap="square" tIns="91425">
+            <a:bodyPr spcFirstLastPara="1" wrap="square" lIns="91425" tIns="91425" rIns="91425" bIns="91425" anchor="t" anchorCtr="0">
               <a:noAutofit/>
             </a:bodyPr>
             <a:lstStyle/>
             <a:p>
-              <a:pPr indent="0" lvl="0" marL="0" rtl="0" algn="l">
+              <a:pPr marL="0" lvl="0" indent="0" algn="l" rtl="0">
                 <a:spcBef>
                   <a:spcPts val="0"/>
                 </a:spcBef>
@@ -11285,10 +11478,7 @@
                 </a:spcAft>
                 <a:buNone/>
               </a:pPr>
-              <a:r>
-                <a:t/>
-              </a:r>
-              <a:endParaRPr b="1" sz="800">
+              <a:endParaRPr sz="800" b="1">
                 <a:latin typeface="Roboto"/>
                 <a:ea typeface="Roboto"/>
                 <a:cs typeface="Roboto"/>
@@ -11302,30 +11492,31 @@
         <p:nvCxnSpPr>
           <p:cNvPr id="142" name="Google Shape;142;p20"/>
           <p:cNvCxnSpPr>
-            <a:stCxn id="129" idx="4"/>
+            <a:cxnSpLocks/>
+            <a:stCxn id="134" idx="5"/>
             <a:endCxn id="139" idx="3"/>
           </p:cNvCxnSpPr>
           <p:nvPr/>
         </p:nvCxnSpPr>
         <p:spPr>
-          <a:xfrm rot="-5400000">
-            <a:off x="3519402" y="1702993"/>
-            <a:ext cx="54900" cy="3698100"/>
+          <a:xfrm rot="16200000" flipH="1">
+            <a:off x="4568033" y="2696962"/>
+            <a:ext cx="12700" cy="1655490"/>
           </a:xfrm>
           <a:prstGeom prst="curvedConnector3">
             <a:avLst>
-              <a:gd fmla="val -1395823" name="adj1"/>
+              <a:gd name="adj1" fmla="val 2231386"/>
             </a:avLst>
           </a:prstGeom>
           <a:noFill/>
-          <a:ln cap="flat" cmpd="sng" w="38100">
+          <a:ln w="38100" cap="flat" cmpd="sng">
             <a:solidFill>
               <a:schemeClr val="accent1"/>
             </a:solidFill>
             <a:prstDash val="solid"/>
             <a:round/>
-            <a:headEnd len="med" w="med" type="none"/>
-            <a:tailEnd len="med" w="med" type="none"/>
+            <a:headEnd type="none" w="med" len="med"/>
+            <a:tailEnd type="none" w="med" len="med"/>
           </a:ln>
         </p:spPr>
       </p:cxnSp>
@@ -11337,7 +11528,7 @@
         </p:nvSpPr>
         <p:spPr>
           <a:xfrm>
-            <a:off x="4572000" y="4124975"/>
+            <a:off x="4106571" y="3753025"/>
             <a:ext cx="1179000" cy="315300"/>
           </a:xfrm>
           <a:prstGeom prst="rect">
@@ -11349,12 +11540,12 @@
           </a:ln>
         </p:spPr>
         <p:txBody>
-          <a:bodyPr anchorCtr="0" anchor="t" bIns="91425" lIns="91425" spcFirstLastPara="1" rIns="91425" wrap="square" tIns="91425">
+          <a:bodyPr spcFirstLastPara="1" wrap="square" lIns="91425" tIns="91425" rIns="91425" bIns="91425" anchor="t" anchorCtr="0">
             <a:noAutofit/>
           </a:bodyPr>
           <a:lstStyle/>
           <a:p>
-            <a:pPr indent="0" lvl="0" marL="0" rtl="0" algn="l">
+            <a:pPr marL="0" lvl="0" indent="0" algn="l" rtl="0">
               <a:spcBef>
                 <a:spcPts val="0"/>
               </a:spcBef>
@@ -11364,7 +11555,7 @@
               <a:buNone/>
             </a:pPr>
             <a:r>
-              <a:rPr b="1" lang="en">
+              <a:rPr lang="en" b="1" dirty="0">
                 <a:solidFill>
                   <a:schemeClr val="accent1"/>
                 </a:solidFill>
@@ -11375,7 +11566,7 @@
               </a:rPr>
               <a:t>Synthesis</a:t>
             </a:r>
-            <a:endParaRPr b="1">
+            <a:endParaRPr b="1" dirty="0">
               <a:solidFill>
                 <a:schemeClr val="accent1"/>
               </a:solidFill>
@@ -11395,7 +11586,7 @@
         </p:nvSpPr>
         <p:spPr>
           <a:xfrm>
-            <a:off x="3806925" y="3350550"/>
+            <a:off x="2103022" y="3762908"/>
             <a:ext cx="1179000" cy="454500"/>
           </a:xfrm>
           <a:prstGeom prst="rect">
@@ -11407,12 +11598,12 @@
           </a:ln>
         </p:spPr>
         <p:txBody>
-          <a:bodyPr anchorCtr="0" anchor="t" bIns="91425" lIns="91425" spcFirstLastPara="1" rIns="91425" wrap="square" tIns="91425">
+          <a:bodyPr spcFirstLastPara="1" wrap="square" lIns="91425" tIns="91425" rIns="91425" bIns="91425" anchor="t" anchorCtr="0">
             <a:noAutofit/>
           </a:bodyPr>
           <a:lstStyle/>
           <a:p>
-            <a:pPr indent="0" lvl="0" marL="0" rtl="0" algn="l">
+            <a:pPr marL="0" lvl="0" indent="0" algn="l" rtl="0">
               <a:spcBef>
                 <a:spcPts val="0"/>
               </a:spcBef>
@@ -11422,7 +11613,7 @@
               <a:buNone/>
             </a:pPr>
             <a:r>
-              <a:rPr b="1" lang="en">
+              <a:rPr lang="en" b="1" dirty="0">
                 <a:solidFill>
                   <a:schemeClr val="accent1"/>
                 </a:solidFill>
@@ -11433,7 +11624,7 @@
               </a:rPr>
               <a:t>Analysis</a:t>
             </a:r>
-            <a:endParaRPr b="1">
+            <a:endParaRPr b="1" dirty="0">
               <a:solidFill>
                 <a:schemeClr val="accent1"/>
               </a:solidFill>
@@ -11445,6 +11636,44 @@
           </a:p>
         </p:txBody>
       </p:sp>
+      <p:cxnSp>
+        <p:nvCxnSpPr>
+          <p:cNvPr id="25" name="Google Shape;142;p20">
+            <a:extLst>
+              <a:ext uri="{FF2B5EF4-FFF2-40B4-BE49-F238E27FC236}">
+                <a16:creationId xmlns:a16="http://schemas.microsoft.com/office/drawing/2014/main" id="{751486F6-CDC6-1C44-9A14-E9ADF846C7EF}"/>
+              </a:ext>
+            </a:extLst>
+          </p:cNvPr>
+          <p:cNvCxnSpPr>
+            <a:cxnSpLocks/>
+            <a:stCxn id="129" idx="4"/>
+            <a:endCxn id="134" idx="3"/>
+          </p:cNvCxnSpPr>
+          <p:nvPr/>
+        </p:nvCxnSpPr>
+        <p:spPr>
+          <a:xfrm rot="5400000" flipH="1" flipV="1">
+            <a:off x="2559388" y="2663121"/>
+            <a:ext cx="54786" cy="1777958"/>
+          </a:xfrm>
+          <a:prstGeom prst="curvedConnector3">
+            <a:avLst>
+              <a:gd name="adj1" fmla="val -417260"/>
+            </a:avLst>
+          </a:prstGeom>
+          <a:noFill/>
+          <a:ln w="38100" cap="flat" cmpd="sng">
+            <a:solidFill>
+              <a:schemeClr val="accent1"/>
+            </a:solidFill>
+            <a:prstDash val="solid"/>
+            <a:round/>
+            <a:headEnd type="none" w="med" len="med"/>
+            <a:tailEnd type="none" w="med" len="med"/>
+          </a:ln>
+        </p:spPr>
+      </p:cxnSp>
     </p:spTree>
   </p:cSld>
   <p:clrMapOvr>
@@ -11454,11 +11683,11 @@
 </file>
 
 <file path=ppt/slides/slide9.xml><?xml version="1.0" encoding="utf-8"?>
-<p:sld xmlns:a="http://schemas.openxmlformats.org/drawingml/2006/main" xmlns:r="http://schemas.openxmlformats.org/officeDocument/2006/relationships" xmlns:mc="http://schemas.openxmlformats.org/markup-compatibility/2006" xmlns:mv="urn:schemas-microsoft-com:mac:vml" xmlns:p="http://schemas.openxmlformats.org/presentationml/2006/main" xmlns:c="http://schemas.openxmlformats.org/drawingml/2006/chart" xmlns:dgm="http://schemas.openxmlformats.org/drawingml/2006/diagram" xmlns:o="urn:schemas-microsoft-com:office:office" xmlns:v="urn:schemas-microsoft-com:vml" xmlns:pvml="urn:schemas-microsoft-com:office:powerpoint" xmlns:com="http://schemas.openxmlformats.org/drawingml/2006/compatibility" xmlns:p14="http://schemas.microsoft.com/office/powerpoint/2010/main" xmlns:p15="http://schemas.microsoft.com/office/powerpoint/2012/main">
+<p:sld xmlns:a="http://schemas.openxmlformats.org/drawingml/2006/main" xmlns:r="http://schemas.openxmlformats.org/officeDocument/2006/relationships" xmlns:p="http://schemas.openxmlformats.org/presentationml/2006/main">
   <p:cSld>
     <p:spTree>
       <p:nvGrpSpPr>
-        <p:cNvPr id="148" name="Shape 148"/>
+        <p:cNvPr id="1" name="Shape 148"/>
         <p:cNvGrpSpPr/>
         <p:nvPr/>
       </p:nvGrpSpPr>
@@ -11473,7 +11702,9 @@
       <p:sp>
         <p:nvSpPr>
           <p:cNvPr id="149" name="Google Shape;149;p21"/>
-          <p:cNvSpPr txBox="1"/>
+          <p:cNvSpPr txBox="1">
+            <a:spLocks noGrp="1"/>
+          </p:cNvSpPr>
           <p:nvPr>
             <p:ph type="title"/>
           </p:nvPr>
@@ -11488,12 +11719,12 @@
           </a:prstGeom>
         </p:spPr>
         <p:txBody>
-          <a:bodyPr anchorCtr="0" anchor="t" bIns="91425" lIns="91425" spcFirstLastPara="1" rIns="91425" wrap="square" tIns="91425">
+          <a:bodyPr spcFirstLastPara="1" wrap="square" lIns="91425" tIns="91425" rIns="91425" bIns="91425" anchor="t" anchorCtr="0">
             <a:noAutofit/>
           </a:bodyPr>
           <a:lstStyle/>
           <a:p>
-            <a:pPr indent="0" lvl="0" marL="0" rtl="0" algn="l">
+            <a:pPr marL="0" lvl="0" indent="0" algn="l" rtl="0">
               <a:spcBef>
                 <a:spcPts val="0"/>
               </a:spcBef>
@@ -11513,9 +11744,11 @@
       <p:sp>
         <p:nvSpPr>
           <p:cNvPr id="150" name="Google Shape;150;p21"/>
-          <p:cNvSpPr txBox="1"/>
+          <p:cNvSpPr txBox="1">
+            <a:spLocks noGrp="1"/>
+          </p:cNvSpPr>
           <p:nvPr>
-            <p:ph idx="1" type="body"/>
+            <p:ph type="body" idx="1"/>
           </p:nvPr>
         </p:nvSpPr>
         <p:spPr>
@@ -11528,12 +11761,12 @@
           </a:prstGeom>
         </p:spPr>
         <p:txBody>
-          <a:bodyPr anchorCtr="0" anchor="t" bIns="91425" lIns="91425" spcFirstLastPara="1" rIns="91425" wrap="square" tIns="91425">
+          <a:bodyPr spcFirstLastPara="1" wrap="square" lIns="91425" tIns="91425" rIns="91425" bIns="91425" anchor="t" anchorCtr="0">
             <a:noAutofit/>
           </a:bodyPr>
           <a:lstStyle/>
           <a:p>
-            <a:pPr indent="0" lvl="0" marL="0" rtl="0" algn="l">
+            <a:pPr marL="0" lvl="0" indent="0" algn="l" rtl="0">
               <a:spcBef>
                 <a:spcPts val="0"/>
               </a:spcBef>
@@ -11542,9 +11775,6 @@
               </a:spcAft>
               <a:buNone/>
             </a:pPr>
-            <a:r>
-              <a:t/>
-            </a:r>
             <a:endParaRPr/>
           </a:p>
         </p:txBody>
@@ -11586,7 +11816,288 @@
 </file>
 
 <file path=ppt/theme/theme1.xml><?xml version="1.0" encoding="utf-8"?>
-<a:theme xmlns:a="http://schemas.openxmlformats.org/drawingml/2006/main" xmlns:r="http://schemas.openxmlformats.org/officeDocument/2006/relationships">
+<a:theme xmlns:a="http://schemas.openxmlformats.org/drawingml/2006/main" name="Tropic">
+  <a:themeElements>
+    <a:clrScheme name="Tropic">
+      <a:dk1>
+        <a:srgbClr val="A1E8D9"/>
+      </a:dk1>
+      <a:lt1>
+        <a:srgbClr val="FFFFFF"/>
+      </a:lt1>
+      <a:dk2>
+        <a:srgbClr val="695D46"/>
+      </a:dk2>
+      <a:lt2>
+        <a:srgbClr val="B3A77D"/>
+      </a:lt2>
+      <a:accent1>
+        <a:srgbClr val="EF6C00"/>
+      </a:accent1>
+      <a:accent2>
+        <a:srgbClr val="009668"/>
+      </a:accent2>
+      <a:accent3>
+        <a:srgbClr val="4DB6AC"/>
+      </a:accent3>
+      <a:accent4>
+        <a:srgbClr val="FF9800"/>
+      </a:accent4>
+      <a:accent5>
+        <a:srgbClr val="CE93D8"/>
+      </a:accent5>
+      <a:accent6>
+        <a:srgbClr val="EEFF41"/>
+      </a:accent6>
+      <a:hlink>
+        <a:srgbClr val="CE93D8"/>
+      </a:hlink>
+      <a:folHlink>
+        <a:srgbClr val="CE93D8"/>
+      </a:folHlink>
+    </a:clrScheme>
+    <a:fontScheme name="Office">
+      <a:majorFont>
+        <a:latin typeface="Arial"/>
+        <a:ea typeface=""/>
+        <a:cs typeface=""/>
+        <a:font script="Jpan" typeface="ＭＳ Ｐゴシック"/>
+        <a:font script="Hang" typeface="맑은 고딕"/>
+        <a:font script="Hans" typeface="宋体"/>
+        <a:font script="Hant" typeface="新細明體"/>
+        <a:font script="Arab" typeface="Times New Roman"/>
+        <a:font script="Hebr" typeface="Times New Roman"/>
+        <a:font script="Thai" typeface="Angsana New"/>
+        <a:font script="Ethi" typeface="Nyala"/>
+        <a:font script="Beng" typeface="Vrinda"/>
+        <a:font script="Gujr" typeface="Shruti"/>
+        <a:font script="Khmr" typeface="MoolBoran"/>
+        <a:font script="Knda" typeface="Tunga"/>
+        <a:font script="Guru" typeface="Raavi"/>
+        <a:font script="Cans" typeface="Euphemia"/>
+        <a:font script="Cher" typeface="Plantagenet Cherokee"/>
+        <a:font script="Yiii" typeface="Microsoft Yi Baiti"/>
+        <a:font script="Tibt" typeface="Microsoft Himalaya"/>
+        <a:font script="Thaa" typeface="MV Boli"/>
+        <a:font script="Deva" typeface="Mangal"/>
+        <a:font script="Telu" typeface="Gautami"/>
+        <a:font script="Taml" typeface="Latha"/>
+        <a:font script="Syrc" typeface="Estrangelo Edessa"/>
+        <a:font script="Orya" typeface="Kalinga"/>
+        <a:font script="Mlym" typeface="Kartika"/>
+        <a:font script="Laoo" typeface="DokChampa"/>
+        <a:font script="Sinh" typeface="Iskoola Pota"/>
+        <a:font script="Mong" typeface="Mongolian Baiti"/>
+        <a:font script="Viet" typeface="Times New Roman"/>
+        <a:font script="Uigh" typeface="Microsoft Uighur"/>
+        <a:font script="Geor" typeface="Sylfaen"/>
+      </a:majorFont>
+      <a:minorFont>
+        <a:latin typeface="Arial"/>
+        <a:ea typeface=""/>
+        <a:cs typeface=""/>
+        <a:font script="Jpan" typeface="ＭＳ Ｐゴシック"/>
+        <a:font script="Hang" typeface="맑은 고딕"/>
+        <a:font script="Hans" typeface="宋体"/>
+        <a:font script="Hant" typeface="新細明體"/>
+        <a:font script="Arab" typeface="Arial"/>
+        <a:font script="Hebr" typeface="Arial"/>
+        <a:font script="Thai" typeface="Cordia New"/>
+        <a:font script="Ethi" typeface="Nyala"/>
+        <a:font script="Beng" typeface="Vrinda"/>
+        <a:font script="Gujr" typeface="Shruti"/>
+        <a:font script="Khmr" typeface="DaunPenh"/>
+        <a:font script="Knda" typeface="Tunga"/>
+        <a:font script="Guru" typeface="Raavi"/>
+        <a:font script="Cans" typeface="Euphemia"/>
+        <a:font script="Cher" typeface="Plantagenet Cherokee"/>
+        <a:font script="Yiii" typeface="Microsoft Yi Baiti"/>
+        <a:font script="Tibt" typeface="Microsoft Himalaya"/>
+        <a:font script="Thaa" typeface="MV Boli"/>
+        <a:font script="Deva" typeface="Mangal"/>
+        <a:font script="Telu" typeface="Gautami"/>
+        <a:font script="Taml" typeface="Latha"/>
+        <a:font script="Syrc" typeface="Estrangelo Edessa"/>
+        <a:font script="Orya" typeface="Kalinga"/>
+        <a:font script="Mlym" typeface="Kartika"/>
+        <a:font script="Laoo" typeface="DokChampa"/>
+        <a:font script="Sinh" typeface="Iskoola Pota"/>
+        <a:font script="Mong" typeface="Mongolian Baiti"/>
+        <a:font script="Viet" typeface="Arial"/>
+        <a:font script="Uigh" typeface="Microsoft Uighur"/>
+        <a:font script="Geor" typeface="Sylfaen"/>
+      </a:minorFont>
+    </a:fontScheme>
+    <a:fmtScheme name="Office">
+      <a:fillStyleLst>
+        <a:solidFill>
+          <a:schemeClr val="phClr"/>
+        </a:solidFill>
+        <a:gradFill rotWithShape="1">
+          <a:gsLst>
+            <a:gs pos="0">
+              <a:schemeClr val="phClr">
+                <a:tint val="50000"/>
+                <a:satMod val="300000"/>
+              </a:schemeClr>
+            </a:gs>
+            <a:gs pos="35000">
+              <a:schemeClr val="phClr">
+                <a:tint val="37000"/>
+                <a:satMod val="300000"/>
+              </a:schemeClr>
+            </a:gs>
+            <a:gs pos="100000">
+              <a:schemeClr val="phClr">
+                <a:tint val="15000"/>
+                <a:satMod val="350000"/>
+              </a:schemeClr>
+            </a:gs>
+          </a:gsLst>
+          <a:lin ang="16200000" scaled="1"/>
+        </a:gradFill>
+        <a:gradFill rotWithShape="1">
+          <a:gsLst>
+            <a:gs pos="0">
+              <a:schemeClr val="phClr">
+                <a:tint val="100000"/>
+                <a:shade val="100000"/>
+                <a:satMod val="130000"/>
+              </a:schemeClr>
+            </a:gs>
+            <a:gs pos="100000">
+              <a:schemeClr val="phClr">
+                <a:tint val="50000"/>
+                <a:shade val="100000"/>
+                <a:satMod val="350000"/>
+              </a:schemeClr>
+            </a:gs>
+          </a:gsLst>
+          <a:lin ang="16200000" scaled="0"/>
+        </a:gradFill>
+      </a:fillStyleLst>
+      <a:lnStyleLst>
+        <a:ln w="9525" cap="flat" cmpd="sng" algn="ctr">
+          <a:solidFill>
+            <a:schemeClr val="phClr">
+              <a:shade val="95000"/>
+              <a:satMod val="105000"/>
+            </a:schemeClr>
+          </a:solidFill>
+          <a:prstDash val="solid"/>
+        </a:ln>
+        <a:ln w="25400" cap="flat" cmpd="sng" algn="ctr">
+          <a:solidFill>
+            <a:schemeClr val="phClr"/>
+          </a:solidFill>
+          <a:prstDash val="solid"/>
+        </a:ln>
+        <a:ln w="38100" cap="flat" cmpd="sng" algn="ctr">
+          <a:solidFill>
+            <a:schemeClr val="phClr"/>
+          </a:solidFill>
+          <a:prstDash val="solid"/>
+        </a:ln>
+      </a:lnStyleLst>
+      <a:effectStyleLst>
+        <a:effectStyle>
+          <a:effectLst>
+            <a:outerShdw blurRad="40000" dist="20000" dir="5400000" rotWithShape="0">
+              <a:srgbClr val="000000">
+                <a:alpha val="38000"/>
+              </a:srgbClr>
+            </a:outerShdw>
+          </a:effectLst>
+        </a:effectStyle>
+        <a:effectStyle>
+          <a:effectLst>
+            <a:outerShdw blurRad="40000" dist="23000" dir="5400000" rotWithShape="0">
+              <a:srgbClr val="000000">
+                <a:alpha val="35000"/>
+              </a:srgbClr>
+            </a:outerShdw>
+          </a:effectLst>
+        </a:effectStyle>
+        <a:effectStyle>
+          <a:effectLst>
+            <a:outerShdw blurRad="40000" dist="23000" dir="5400000" rotWithShape="0">
+              <a:srgbClr val="000000">
+                <a:alpha val="35000"/>
+              </a:srgbClr>
+            </a:outerShdw>
+          </a:effectLst>
+          <a:scene3d>
+            <a:camera prst="orthographicFront">
+              <a:rot lat="0" lon="0" rev="0"/>
+            </a:camera>
+            <a:lightRig rig="threePt" dir="t">
+              <a:rot lat="0" lon="0" rev="1200000"/>
+            </a:lightRig>
+          </a:scene3d>
+          <a:sp3d>
+            <a:bevelT w="63500" h="25400"/>
+          </a:sp3d>
+        </a:effectStyle>
+      </a:effectStyleLst>
+      <a:bgFillStyleLst>
+        <a:solidFill>
+          <a:schemeClr val="phClr"/>
+        </a:solidFill>
+        <a:gradFill rotWithShape="1">
+          <a:gsLst>
+            <a:gs pos="0">
+              <a:schemeClr val="phClr">
+                <a:tint val="40000"/>
+                <a:satMod val="350000"/>
+              </a:schemeClr>
+            </a:gs>
+            <a:gs pos="40000">
+              <a:schemeClr val="phClr">
+                <a:tint val="45000"/>
+                <a:shade val="99000"/>
+                <a:satMod val="350000"/>
+              </a:schemeClr>
+            </a:gs>
+            <a:gs pos="100000">
+              <a:schemeClr val="phClr">
+                <a:shade val="20000"/>
+                <a:satMod val="255000"/>
+              </a:schemeClr>
+            </a:gs>
+          </a:gsLst>
+          <a:path path="circle">
+            <a:fillToRect l="50000" t="-80000" r="50000" b="180000"/>
+          </a:path>
+        </a:gradFill>
+        <a:gradFill rotWithShape="1">
+          <a:gsLst>
+            <a:gs pos="0">
+              <a:schemeClr val="phClr">
+                <a:tint val="80000"/>
+                <a:satMod val="300000"/>
+              </a:schemeClr>
+            </a:gs>
+            <a:gs pos="100000">
+              <a:schemeClr val="phClr">
+                <a:shade val="30000"/>
+                <a:satMod val="200000"/>
+              </a:schemeClr>
+            </a:gs>
+          </a:gsLst>
+          <a:path path="circle">
+            <a:fillToRect l="50000" t="50000" r="50000" b="50000"/>
+          </a:path>
+        </a:gradFill>
+      </a:bgFillStyleLst>
+    </a:fmtScheme>
+  </a:themeElements>
+  <a:objectDefaults/>
+  <a:extraClrSchemeLst/>
+</a:theme>
+</file>
+
+<file path=ppt/theme/theme2.xml><?xml version="1.0" encoding="utf-8"?>
+<a:theme xmlns:a="http://schemas.openxmlformats.org/drawingml/2006/main">
   <a:themeElements>
     <a:clrScheme name="Default">
       <a:dk1>
@@ -11861,284 +12372,7 @@
       </a:bgFillStyleLst>
     </a:fmtScheme>
   </a:themeElements>
-</a:theme>
-</file>
-
-<file path=ppt/theme/theme2.xml><?xml version="1.0" encoding="utf-8"?>
-<a:theme xmlns:a="http://schemas.openxmlformats.org/drawingml/2006/main" xmlns:r="http://schemas.openxmlformats.org/officeDocument/2006/relationships" name="Tropic">
-  <a:themeElements>
-    <a:clrScheme name="Tropic">
-      <a:dk1>
-        <a:srgbClr val="A1E8D9"/>
-      </a:dk1>
-      <a:lt1>
-        <a:srgbClr val="FFFFFF"/>
-      </a:lt1>
-      <a:dk2>
-        <a:srgbClr val="695D46"/>
-      </a:dk2>
-      <a:lt2>
-        <a:srgbClr val="B3A77D"/>
-      </a:lt2>
-      <a:accent1>
-        <a:srgbClr val="EF6C00"/>
-      </a:accent1>
-      <a:accent2>
-        <a:srgbClr val="009668"/>
-      </a:accent2>
-      <a:accent3>
-        <a:srgbClr val="4DB6AC"/>
-      </a:accent3>
-      <a:accent4>
-        <a:srgbClr val="FF9800"/>
-      </a:accent4>
-      <a:accent5>
-        <a:srgbClr val="CE93D8"/>
-      </a:accent5>
-      <a:accent6>
-        <a:srgbClr val="EEFF41"/>
-      </a:accent6>
-      <a:hlink>
-        <a:srgbClr val="CE93D8"/>
-      </a:hlink>
-      <a:folHlink>
-        <a:srgbClr val="CE93D8"/>
-      </a:folHlink>
-    </a:clrScheme>
-    <a:fontScheme name="Office">
-      <a:majorFont>
-        <a:latin typeface="Arial"/>
-        <a:ea typeface=""/>
-        <a:cs typeface=""/>
-        <a:font script="Jpan" typeface="ＭＳ Ｐゴシック"/>
-        <a:font script="Hang" typeface="맑은 고딕"/>
-        <a:font script="Hans" typeface="宋体"/>
-        <a:font script="Hant" typeface="新細明體"/>
-        <a:font script="Arab" typeface="Times New Roman"/>
-        <a:font script="Hebr" typeface="Times New Roman"/>
-        <a:font script="Thai" typeface="Angsana New"/>
-        <a:font script="Ethi" typeface="Nyala"/>
-        <a:font script="Beng" typeface="Vrinda"/>
-        <a:font script="Gujr" typeface="Shruti"/>
-        <a:font script="Khmr" typeface="MoolBoran"/>
-        <a:font script="Knda" typeface="Tunga"/>
-        <a:font script="Guru" typeface="Raavi"/>
-        <a:font script="Cans" typeface="Euphemia"/>
-        <a:font script="Cher" typeface="Plantagenet Cherokee"/>
-        <a:font script="Yiii" typeface="Microsoft Yi Baiti"/>
-        <a:font script="Tibt" typeface="Microsoft Himalaya"/>
-        <a:font script="Thaa" typeface="MV Boli"/>
-        <a:font script="Deva" typeface="Mangal"/>
-        <a:font script="Telu" typeface="Gautami"/>
-        <a:font script="Taml" typeface="Latha"/>
-        <a:font script="Syrc" typeface="Estrangelo Edessa"/>
-        <a:font script="Orya" typeface="Kalinga"/>
-        <a:font script="Mlym" typeface="Kartika"/>
-        <a:font script="Laoo" typeface="DokChampa"/>
-        <a:font script="Sinh" typeface="Iskoola Pota"/>
-        <a:font script="Mong" typeface="Mongolian Baiti"/>
-        <a:font script="Viet" typeface="Times New Roman"/>
-        <a:font script="Uigh" typeface="Microsoft Uighur"/>
-        <a:font script="Geor" typeface="Sylfaen"/>
-      </a:majorFont>
-      <a:minorFont>
-        <a:latin typeface="Arial"/>
-        <a:ea typeface=""/>
-        <a:cs typeface=""/>
-        <a:font script="Jpan" typeface="ＭＳ Ｐゴシック"/>
-        <a:font script="Hang" typeface="맑은 고딕"/>
-        <a:font script="Hans" typeface="宋体"/>
-        <a:font script="Hant" typeface="新細明體"/>
-        <a:font script="Arab" typeface="Arial"/>
-        <a:font script="Hebr" typeface="Arial"/>
-        <a:font script="Thai" typeface="Cordia New"/>
-        <a:font script="Ethi" typeface="Nyala"/>
-        <a:font script="Beng" typeface="Vrinda"/>
-        <a:font script="Gujr" typeface="Shruti"/>
-        <a:font script="Khmr" typeface="DaunPenh"/>
-        <a:font script="Knda" typeface="Tunga"/>
-        <a:font script="Guru" typeface="Raavi"/>
-        <a:font script="Cans" typeface="Euphemia"/>
-        <a:font script="Cher" typeface="Plantagenet Cherokee"/>
-        <a:font script="Yiii" typeface="Microsoft Yi Baiti"/>
-        <a:font script="Tibt" typeface="Microsoft Himalaya"/>
-        <a:font script="Thaa" typeface="MV Boli"/>
-        <a:font script="Deva" typeface="Mangal"/>
-        <a:font script="Telu" typeface="Gautami"/>
-        <a:font script="Taml" typeface="Latha"/>
-        <a:font script="Syrc" typeface="Estrangelo Edessa"/>
-        <a:font script="Orya" typeface="Kalinga"/>
-        <a:font script="Mlym" typeface="Kartika"/>
-        <a:font script="Laoo" typeface="DokChampa"/>
-        <a:font script="Sinh" typeface="Iskoola Pota"/>
-        <a:font script="Mong" typeface="Mongolian Baiti"/>
-        <a:font script="Viet" typeface="Arial"/>
-        <a:font script="Uigh" typeface="Microsoft Uighur"/>
-        <a:font script="Geor" typeface="Sylfaen"/>
-      </a:minorFont>
-    </a:fontScheme>
-    <a:fmtScheme name="Office">
-      <a:fillStyleLst>
-        <a:solidFill>
-          <a:schemeClr val="phClr"/>
-        </a:solidFill>
-        <a:gradFill rotWithShape="1">
-          <a:gsLst>
-            <a:gs pos="0">
-              <a:schemeClr val="phClr">
-                <a:tint val="50000"/>
-                <a:satMod val="300000"/>
-              </a:schemeClr>
-            </a:gs>
-            <a:gs pos="35000">
-              <a:schemeClr val="phClr">
-                <a:tint val="37000"/>
-                <a:satMod val="300000"/>
-              </a:schemeClr>
-            </a:gs>
-            <a:gs pos="100000">
-              <a:schemeClr val="phClr">
-                <a:tint val="15000"/>
-                <a:satMod val="350000"/>
-              </a:schemeClr>
-            </a:gs>
-          </a:gsLst>
-          <a:lin ang="16200000" scaled="1"/>
-        </a:gradFill>
-        <a:gradFill rotWithShape="1">
-          <a:gsLst>
-            <a:gs pos="0">
-              <a:schemeClr val="phClr">
-                <a:tint val="100000"/>
-                <a:shade val="100000"/>
-                <a:satMod val="130000"/>
-              </a:schemeClr>
-            </a:gs>
-            <a:gs pos="100000">
-              <a:schemeClr val="phClr">
-                <a:tint val="50000"/>
-                <a:shade val="100000"/>
-                <a:satMod val="350000"/>
-              </a:schemeClr>
-            </a:gs>
-          </a:gsLst>
-          <a:lin ang="16200000" scaled="0"/>
-        </a:gradFill>
-      </a:fillStyleLst>
-      <a:lnStyleLst>
-        <a:ln w="9525" cap="flat" cmpd="sng" algn="ctr">
-          <a:solidFill>
-            <a:schemeClr val="phClr">
-              <a:shade val="95000"/>
-              <a:satMod val="105000"/>
-            </a:schemeClr>
-          </a:solidFill>
-          <a:prstDash val="solid"/>
-        </a:ln>
-        <a:ln w="25400" cap="flat" cmpd="sng" algn="ctr">
-          <a:solidFill>
-            <a:schemeClr val="phClr"/>
-          </a:solidFill>
-          <a:prstDash val="solid"/>
-        </a:ln>
-        <a:ln w="38100" cap="flat" cmpd="sng" algn="ctr">
-          <a:solidFill>
-            <a:schemeClr val="phClr"/>
-          </a:solidFill>
-          <a:prstDash val="solid"/>
-        </a:ln>
-      </a:lnStyleLst>
-      <a:effectStyleLst>
-        <a:effectStyle>
-          <a:effectLst>
-            <a:outerShdw blurRad="40000" dist="20000" dir="5400000" rotWithShape="0">
-              <a:srgbClr val="000000">
-                <a:alpha val="38000"/>
-              </a:srgbClr>
-            </a:outerShdw>
-          </a:effectLst>
-        </a:effectStyle>
-        <a:effectStyle>
-          <a:effectLst>
-            <a:outerShdw blurRad="40000" dist="23000" dir="5400000" rotWithShape="0">
-              <a:srgbClr val="000000">
-                <a:alpha val="35000"/>
-              </a:srgbClr>
-            </a:outerShdw>
-          </a:effectLst>
-        </a:effectStyle>
-        <a:effectStyle>
-          <a:effectLst>
-            <a:outerShdw blurRad="40000" dist="23000" dir="5400000" rotWithShape="0">
-              <a:srgbClr val="000000">
-                <a:alpha val="35000"/>
-              </a:srgbClr>
-            </a:outerShdw>
-          </a:effectLst>
-          <a:scene3d>
-            <a:camera prst="orthographicFront">
-              <a:rot lat="0" lon="0" rev="0"/>
-            </a:camera>
-            <a:lightRig rig="threePt" dir="t">
-              <a:rot lat="0" lon="0" rev="1200000"/>
-            </a:lightRig>
-          </a:scene3d>
-          <a:sp3d>
-            <a:bevelT w="63500" h="25400"/>
-          </a:sp3d>
-        </a:effectStyle>
-      </a:effectStyleLst>
-      <a:bgFillStyleLst>
-        <a:solidFill>
-          <a:schemeClr val="phClr"/>
-        </a:solidFill>
-        <a:gradFill rotWithShape="1">
-          <a:gsLst>
-            <a:gs pos="0">
-              <a:schemeClr val="phClr">
-                <a:tint val="40000"/>
-                <a:satMod val="350000"/>
-              </a:schemeClr>
-            </a:gs>
-            <a:gs pos="40000">
-              <a:schemeClr val="phClr">
-                <a:tint val="45000"/>
-                <a:shade val="99000"/>
-                <a:satMod val="350000"/>
-              </a:schemeClr>
-            </a:gs>
-            <a:gs pos="100000">
-              <a:schemeClr val="phClr">
-                <a:shade val="20000"/>
-                <a:satMod val="255000"/>
-              </a:schemeClr>
-            </a:gs>
-          </a:gsLst>
-          <a:path path="circle">
-            <a:fillToRect l="50000" t="-80000" r="50000" b="180000"/>
-          </a:path>
-        </a:gradFill>
-        <a:gradFill rotWithShape="1">
-          <a:gsLst>
-            <a:gs pos="0">
-              <a:schemeClr val="phClr">
-                <a:tint val="80000"/>
-                <a:satMod val="300000"/>
-              </a:schemeClr>
-            </a:gs>
-            <a:gs pos="100000">
-              <a:schemeClr val="phClr">
-                <a:shade val="30000"/>
-                <a:satMod val="200000"/>
-              </a:schemeClr>
-            </a:gs>
-          </a:gsLst>
-          <a:path path="circle">
-            <a:fillToRect l="50000" t="50000" r="50000" b="50000"/>
-          </a:path>
-        </a:gradFill>
-      </a:bgFillStyleLst>
-    </a:fmtScheme>
-  </a:themeElements>
+  <a:objectDefaults/>
+  <a:extraClrSchemeLst/>
 </a:theme>
 </file>